--- a/我們獻上.pptx
+++ b/我們獻上.pptx
@@ -9,9 +9,11 @@
     <p:sldId id="257" r:id="rId3"/>
     <p:sldId id="258" r:id="rId4"/>
     <p:sldId id="259" r:id="rId5"/>
-    <p:sldId id="260" r:id="rId6"/>
+    <p:sldId id="261" r:id="rId6"/>
+    <p:sldId id="262" r:id="rId7"/>
+    <p:sldId id="260" r:id="rId8"/>
   </p:sldIdLst>
-  <p:sldSz cx="9144000" cy="6858000" type="screen4x3"/>
+  <p:sldSz cx="12192000" cy="6858000"/>
   <p:notesSz cx="6858000" cy="9144000"/>
   <p:defaultTextStyle>
     <a:defPPr>
@@ -108,6 +110,22 @@
       </a:defRPr>
     </a:lvl9pPr>
   </p:defaultTextStyle>
+  <p:extLst>
+    <p:ext uri="{EFAFB233-063F-42B5-8137-9DF3F51BA10A}">
+      <p15:sldGuideLst xmlns:p15="http://schemas.microsoft.com/office/powerpoint/2012/main">
+        <p15:guide id="1" orient="horz" pos="2160" userDrawn="1">
+          <p15:clr>
+            <a:srgbClr val="A4A3A4"/>
+          </p15:clr>
+        </p15:guide>
+        <p15:guide id="2" pos="3840" userDrawn="1">
+          <p15:clr>
+            <a:srgbClr val="A4A3A4"/>
+          </p15:clr>
+        </p15:guide>
+      </p15:sldGuideLst>
+    </p:ext>
+  </p:extLst>
 </p:presentation>
 </file>
 
@@ -140,8 +158,8 @@
         </p:nvSpPr>
         <p:spPr>
           <a:xfrm>
-            <a:off x="685800" y="2130425"/>
-            <a:ext cx="7772400" cy="1470025"/>
+            <a:off x="914400" y="2130426"/>
+            <a:ext cx="10363200" cy="1470025"/>
           </a:xfrm>
         </p:spPr>
         <p:txBody>
@@ -168,8 +186,8 @@
         </p:nvSpPr>
         <p:spPr>
           <a:xfrm>
-            <a:off x="1371600" y="3886200"/>
-            <a:ext cx="6400800" cy="1752600"/>
+            <a:off x="1828800" y="3886200"/>
+            <a:ext cx="8534400" cy="1752600"/>
           </a:xfrm>
         </p:spPr>
         <p:txBody>
@@ -292,7 +310,7 @@
           <a:p>
             <a:fld id="{F64B101B-5B87-4A49-B942-DEC712B6B7B9}" type="datetimeFigureOut">
               <a:rPr lang="zh-TW" altLang="en-US" smtClean="0"/>
-              <a:t>2017/10/27</a:t>
+              <a:t>2020/8/15</a:t>
             </a:fld>
             <a:endParaRPr lang="zh-TW" altLang="en-US"/>
           </a:p>
@@ -457,7 +475,7 @@
           <a:p>
             <a:fld id="{F64B101B-5B87-4A49-B942-DEC712B6B7B9}" type="datetimeFigureOut">
               <a:rPr lang="zh-TW" altLang="en-US" smtClean="0"/>
-              <a:t>2017/10/27</a:t>
+              <a:t>2020/8/15</a:t>
             </a:fld>
             <a:endParaRPr lang="zh-TW" altLang="en-US"/>
           </a:p>
@@ -542,8 +560,8 @@
         </p:nvSpPr>
         <p:spPr>
           <a:xfrm>
-            <a:off x="6629400" y="274638"/>
-            <a:ext cx="2057400" cy="5851525"/>
+            <a:off x="8839200" y="274639"/>
+            <a:ext cx="2743200" cy="5851525"/>
           </a:xfrm>
         </p:spPr>
         <p:txBody>
@@ -570,8 +588,8 @@
         </p:nvSpPr>
         <p:spPr>
           <a:xfrm>
-            <a:off x="457200" y="274638"/>
-            <a:ext cx="6019800" cy="5851525"/>
+            <a:off x="609600" y="274639"/>
+            <a:ext cx="8026400" cy="5851525"/>
           </a:xfrm>
         </p:spPr>
         <p:txBody>
@@ -632,7 +650,7 @@
           <a:p>
             <a:fld id="{F64B101B-5B87-4A49-B942-DEC712B6B7B9}" type="datetimeFigureOut">
               <a:rPr lang="zh-TW" altLang="en-US" smtClean="0"/>
-              <a:t>2017/10/27</a:t>
+              <a:t>2020/8/15</a:t>
             </a:fld>
             <a:endParaRPr lang="zh-TW" altLang="en-US"/>
           </a:p>
@@ -797,7 +815,7 @@
           <a:p>
             <a:fld id="{F64B101B-5B87-4A49-B942-DEC712B6B7B9}" type="datetimeFigureOut">
               <a:rPr lang="zh-TW" altLang="en-US" smtClean="0"/>
-              <a:t>2017/10/27</a:t>
+              <a:t>2020/8/15</a:t>
             </a:fld>
             <a:endParaRPr lang="zh-TW" altLang="en-US"/>
           </a:p>
@@ -882,8 +900,8 @@
         </p:nvSpPr>
         <p:spPr>
           <a:xfrm>
-            <a:off x="722313" y="4406900"/>
-            <a:ext cx="7772400" cy="1362075"/>
+            <a:off x="963084" y="4406901"/>
+            <a:ext cx="10363200" cy="1362075"/>
           </a:xfrm>
         </p:spPr>
         <p:txBody>
@@ -914,8 +932,8 @@
         </p:nvSpPr>
         <p:spPr>
           <a:xfrm>
-            <a:off x="722313" y="2906713"/>
-            <a:ext cx="7772400" cy="1500187"/>
+            <a:off x="963084" y="2906713"/>
+            <a:ext cx="10363200" cy="1500187"/>
           </a:xfrm>
         </p:spPr>
         <p:txBody>
@@ -1038,7 +1056,7 @@
           <a:p>
             <a:fld id="{F64B101B-5B87-4A49-B942-DEC712B6B7B9}" type="datetimeFigureOut">
               <a:rPr lang="zh-TW" altLang="en-US" smtClean="0"/>
-              <a:t>2017/10/27</a:t>
+              <a:t>2020/8/15</a:t>
             </a:fld>
             <a:endParaRPr lang="zh-TW" altLang="en-US"/>
           </a:p>
@@ -1146,8 +1164,8 @@
         </p:nvSpPr>
         <p:spPr>
           <a:xfrm>
-            <a:off x="457200" y="1600200"/>
-            <a:ext cx="4038600" cy="4525963"/>
+            <a:off x="609600" y="1600201"/>
+            <a:ext cx="5384800" cy="4525963"/>
           </a:xfrm>
         </p:spPr>
         <p:txBody>
@@ -1231,8 +1249,8 @@
         </p:nvSpPr>
         <p:spPr>
           <a:xfrm>
-            <a:off x="4648200" y="1600200"/>
-            <a:ext cx="4038600" cy="4525963"/>
+            <a:off x="6197600" y="1600201"/>
+            <a:ext cx="5384800" cy="4525963"/>
           </a:xfrm>
         </p:spPr>
         <p:txBody>
@@ -1321,7 +1339,7 @@
           <a:p>
             <a:fld id="{F64B101B-5B87-4A49-B942-DEC712B6B7B9}" type="datetimeFigureOut">
               <a:rPr lang="zh-TW" altLang="en-US" smtClean="0"/>
-              <a:t>2017/10/27</a:t>
+              <a:t>2020/8/15</a:t>
             </a:fld>
             <a:endParaRPr lang="zh-TW" altLang="en-US"/>
           </a:p>
@@ -1433,8 +1451,8 @@
         </p:nvSpPr>
         <p:spPr>
           <a:xfrm>
-            <a:off x="457200" y="1535113"/>
-            <a:ext cx="4040188" cy="639762"/>
+            <a:off x="609600" y="1535113"/>
+            <a:ext cx="5386917" cy="639762"/>
           </a:xfrm>
         </p:spPr>
         <p:txBody>
@@ -1498,8 +1516,8 @@
         </p:nvSpPr>
         <p:spPr>
           <a:xfrm>
-            <a:off x="457200" y="2174875"/>
-            <a:ext cx="4040188" cy="3951288"/>
+            <a:off x="609600" y="2174875"/>
+            <a:ext cx="5386917" cy="3951288"/>
           </a:xfrm>
         </p:spPr>
         <p:txBody>
@@ -1583,8 +1601,8 @@
         </p:nvSpPr>
         <p:spPr>
           <a:xfrm>
-            <a:off x="4645025" y="1535113"/>
-            <a:ext cx="4041775" cy="639762"/>
+            <a:off x="6193368" y="1535113"/>
+            <a:ext cx="5389033" cy="639762"/>
           </a:xfrm>
         </p:spPr>
         <p:txBody>
@@ -1648,8 +1666,8 @@
         </p:nvSpPr>
         <p:spPr>
           <a:xfrm>
-            <a:off x="4645025" y="2174875"/>
-            <a:ext cx="4041775" cy="3951288"/>
+            <a:off x="6193368" y="2174875"/>
+            <a:ext cx="5389033" cy="3951288"/>
           </a:xfrm>
         </p:spPr>
         <p:txBody>
@@ -1738,7 +1756,7 @@
           <a:p>
             <a:fld id="{F64B101B-5B87-4A49-B942-DEC712B6B7B9}" type="datetimeFigureOut">
               <a:rPr lang="zh-TW" altLang="en-US" smtClean="0"/>
-              <a:t>2017/10/27</a:t>
+              <a:t>2020/8/15</a:t>
             </a:fld>
             <a:endParaRPr lang="zh-TW" altLang="en-US"/>
           </a:p>
@@ -1851,7 +1869,7 @@
           <a:p>
             <a:fld id="{F64B101B-5B87-4A49-B942-DEC712B6B7B9}" type="datetimeFigureOut">
               <a:rPr lang="zh-TW" altLang="en-US" smtClean="0"/>
-              <a:t>2017/10/27</a:t>
+              <a:t>2020/8/15</a:t>
             </a:fld>
             <a:endParaRPr lang="zh-TW" altLang="en-US"/>
           </a:p>
@@ -1941,7 +1959,7 @@
           <a:p>
             <a:fld id="{F64B101B-5B87-4A49-B942-DEC712B6B7B9}" type="datetimeFigureOut">
               <a:rPr lang="zh-TW" altLang="en-US" smtClean="0"/>
-              <a:t>2017/10/27</a:t>
+              <a:t>2020/8/15</a:t>
             </a:fld>
             <a:endParaRPr lang="zh-TW" altLang="en-US"/>
           </a:p>
@@ -2026,8 +2044,8 @@
         </p:nvSpPr>
         <p:spPr>
           <a:xfrm>
-            <a:off x="457200" y="273050"/>
-            <a:ext cx="3008313" cy="1162050"/>
+            <a:off x="609601" y="273050"/>
+            <a:ext cx="4011084" cy="1162050"/>
           </a:xfrm>
         </p:spPr>
         <p:txBody>
@@ -2058,8 +2076,8 @@
         </p:nvSpPr>
         <p:spPr>
           <a:xfrm>
-            <a:off x="3575050" y="273050"/>
-            <a:ext cx="5111750" cy="5853113"/>
+            <a:off x="4766733" y="273051"/>
+            <a:ext cx="6815667" cy="5853113"/>
           </a:xfrm>
         </p:spPr>
         <p:txBody>
@@ -2143,8 +2161,8 @@
         </p:nvSpPr>
         <p:spPr>
           <a:xfrm>
-            <a:off x="457200" y="1435100"/>
-            <a:ext cx="3008313" cy="4691063"/>
+            <a:off x="609601" y="1435101"/>
+            <a:ext cx="4011084" cy="4691063"/>
           </a:xfrm>
         </p:spPr>
         <p:txBody>
@@ -2213,7 +2231,7 @@
           <a:p>
             <a:fld id="{F64B101B-5B87-4A49-B942-DEC712B6B7B9}" type="datetimeFigureOut">
               <a:rPr lang="zh-TW" altLang="en-US" smtClean="0"/>
-              <a:t>2017/10/27</a:t>
+              <a:t>2020/8/15</a:t>
             </a:fld>
             <a:endParaRPr lang="zh-TW" altLang="en-US"/>
           </a:p>
@@ -2298,8 +2316,8 @@
         </p:nvSpPr>
         <p:spPr>
           <a:xfrm>
-            <a:off x="1792288" y="4800600"/>
-            <a:ext cx="5486400" cy="566738"/>
+            <a:off x="2389717" y="4800600"/>
+            <a:ext cx="7315200" cy="566738"/>
           </a:xfrm>
         </p:spPr>
         <p:txBody>
@@ -2330,8 +2348,8 @@
         </p:nvSpPr>
         <p:spPr>
           <a:xfrm>
-            <a:off x="1792288" y="612775"/>
-            <a:ext cx="5486400" cy="4114800"/>
+            <a:off x="2389717" y="612775"/>
+            <a:ext cx="7315200" cy="4114800"/>
           </a:xfrm>
         </p:spPr>
         <p:txBody>
@@ -2395,8 +2413,8 @@
         </p:nvSpPr>
         <p:spPr>
           <a:xfrm>
-            <a:off x="1792288" y="5367338"/>
-            <a:ext cx="5486400" cy="804862"/>
+            <a:off x="2389717" y="5367338"/>
+            <a:ext cx="7315200" cy="804862"/>
           </a:xfrm>
         </p:spPr>
         <p:txBody>
@@ -2465,7 +2483,7 @@
           <a:p>
             <a:fld id="{F64B101B-5B87-4A49-B942-DEC712B6B7B9}" type="datetimeFigureOut">
               <a:rPr lang="zh-TW" altLang="en-US" smtClean="0"/>
-              <a:t>2017/10/27</a:t>
+              <a:t>2020/8/15</a:t>
             </a:fld>
             <a:endParaRPr lang="zh-TW" altLang="en-US"/>
           </a:p>
@@ -2560,8 +2578,8 @@
         </p:nvSpPr>
         <p:spPr>
           <a:xfrm>
-            <a:off x="457200" y="274638"/>
-            <a:ext cx="8229600" cy="1143000"/>
+            <a:off x="609600" y="274638"/>
+            <a:ext cx="10972800" cy="1143000"/>
           </a:xfrm>
           <a:prstGeom prst="rect">
             <a:avLst/>
@@ -2593,8 +2611,8 @@
         </p:nvSpPr>
         <p:spPr>
           <a:xfrm>
-            <a:off x="457200" y="1600200"/>
-            <a:ext cx="8229600" cy="4525963"/>
+            <a:off x="609600" y="1600201"/>
+            <a:ext cx="10972800" cy="4525963"/>
           </a:xfrm>
           <a:prstGeom prst="rect">
             <a:avLst/>
@@ -2655,8 +2673,8 @@
         </p:nvSpPr>
         <p:spPr>
           <a:xfrm>
-            <a:off x="457200" y="6356350"/>
-            <a:ext cx="2133600" cy="365125"/>
+            <a:off x="609600" y="6356351"/>
+            <a:ext cx="2844800" cy="365125"/>
           </a:xfrm>
           <a:prstGeom prst="rect">
             <a:avLst/>
@@ -2678,7 +2696,7 @@
           <a:p>
             <a:fld id="{F64B101B-5B87-4A49-B942-DEC712B6B7B9}" type="datetimeFigureOut">
               <a:rPr lang="zh-TW" altLang="en-US" smtClean="0"/>
-              <a:t>2017/10/27</a:t>
+              <a:t>2020/8/15</a:t>
             </a:fld>
             <a:endParaRPr lang="zh-TW" altLang="en-US"/>
           </a:p>
@@ -2696,8 +2714,8 @@
         </p:nvSpPr>
         <p:spPr>
           <a:xfrm>
-            <a:off x="3124200" y="6356350"/>
-            <a:ext cx="2895600" cy="365125"/>
+            <a:off x="4165600" y="6356351"/>
+            <a:ext cx="3860800" cy="365125"/>
           </a:xfrm>
           <a:prstGeom prst="rect">
             <a:avLst/>
@@ -2733,8 +2751,8 @@
         </p:nvSpPr>
         <p:spPr>
           <a:xfrm>
-            <a:off x="6553200" y="6356350"/>
-            <a:ext cx="2133600" cy="365125"/>
+            <a:off x="8737600" y="6356351"/>
+            <a:ext cx="2844800" cy="365125"/>
           </a:xfrm>
           <a:prstGeom prst="rect">
             <a:avLst/>
@@ -3107,7 +3125,7 @@
         </p:nvSpPr>
         <p:spPr>
           <a:xfrm>
-            <a:off x="0" y="1600200"/>
+            <a:off x="1524000" y="1600201"/>
             <a:ext cx="9144000" cy="4525963"/>
           </a:xfrm>
         </p:spPr>
@@ -3121,6 +3139,16 @@
               <a:buNone/>
             </a:pPr>
             <a:r>
+              <a:rPr lang="zh-TW" altLang="en-US" sz="5400" b="1" dirty="0">
+                <a:solidFill>
+                  <a:srgbClr val="000066"/>
+                </a:solidFill>
+                <a:latin typeface="微軟正黑體" pitchFamily="34" charset="-120"/>
+                <a:ea typeface="微軟正黑體" pitchFamily="34" charset="-120"/>
+              </a:rPr>
+              <a:t>在祢的寶座前 </a:t>
+            </a:r>
+            <a:r>
               <a:rPr lang="zh-TW" altLang="en-US" sz="5400" b="1" dirty="0" smtClean="0">
                 <a:solidFill>
                   <a:srgbClr val="000066"/>
@@ -3128,9 +3156,19 @@
                 <a:latin typeface="微軟正黑體" pitchFamily="34" charset="-120"/>
                 <a:ea typeface="微軟正黑體" pitchFamily="34" charset="-120"/>
               </a:rPr>
-              <a:t>在祢的寶座前 天使聚集讚美</a:t>
-            </a:r>
-            <a:endParaRPr lang="en-US" altLang="zh-TW" sz="5400" b="1" dirty="0" smtClean="0">
+              <a:t> 天</a:t>
+            </a:r>
+            <a:r>
+              <a:rPr lang="zh-TW" altLang="en-US" sz="5400" b="1" dirty="0">
+                <a:solidFill>
+                  <a:srgbClr val="000066"/>
+                </a:solidFill>
+                <a:latin typeface="微軟正黑體" pitchFamily="34" charset="-120"/>
+                <a:ea typeface="微軟正黑體" pitchFamily="34" charset="-120"/>
+              </a:rPr>
+              <a:t>使聚集讚美</a:t>
+            </a:r>
+            <a:endParaRPr lang="en-US" altLang="zh-TW" sz="5400" b="1" dirty="0">
               <a:solidFill>
                 <a:srgbClr val="000066"/>
               </a:solidFill>
@@ -3143,6 +3181,16 @@
               <a:buNone/>
             </a:pPr>
             <a:r>
+              <a:rPr lang="zh-TW" altLang="en-US" sz="5400" b="1" dirty="0">
+                <a:solidFill>
+                  <a:srgbClr val="000066"/>
+                </a:solidFill>
+                <a:latin typeface="微軟正黑體" pitchFamily="34" charset="-120"/>
+                <a:ea typeface="微軟正黑體" pitchFamily="34" charset="-120"/>
+              </a:rPr>
+              <a:t>榮耀 </a:t>
+            </a:r>
+            <a:r>
               <a:rPr lang="zh-TW" altLang="en-US" sz="5400" b="1" dirty="0" smtClean="0">
                 <a:solidFill>
                   <a:srgbClr val="000066"/>
@@ -3150,9 +3198,19 @@
                 <a:latin typeface="微軟正黑體" pitchFamily="34" charset="-120"/>
                 <a:ea typeface="微軟正黑體" pitchFamily="34" charset="-120"/>
               </a:rPr>
-              <a:t>榮耀 永遠屬於祢</a:t>
-            </a:r>
-            <a:endParaRPr lang="en-US" altLang="zh-TW" sz="5400" b="1" dirty="0" smtClean="0">
+              <a:t> 永</a:t>
+            </a:r>
+            <a:r>
+              <a:rPr lang="zh-TW" altLang="en-US" sz="5400" b="1" dirty="0">
+                <a:solidFill>
+                  <a:srgbClr val="000066"/>
+                </a:solidFill>
+                <a:latin typeface="微軟正黑體" pitchFamily="34" charset="-120"/>
+                <a:ea typeface="微軟正黑體" pitchFamily="34" charset="-120"/>
+              </a:rPr>
+              <a:t>遠屬於祢</a:t>
+            </a:r>
+            <a:endParaRPr lang="en-US" altLang="zh-TW" sz="5400" b="1" dirty="0">
               <a:solidFill>
                 <a:srgbClr val="000066"/>
               </a:solidFill>
@@ -3165,6 +3223,16 @@
               <a:buNone/>
             </a:pPr>
             <a:r>
+              <a:rPr lang="zh-TW" altLang="en-US" sz="5400" b="1" dirty="0">
+                <a:solidFill>
+                  <a:srgbClr val="000066"/>
+                </a:solidFill>
+                <a:latin typeface="微軟正黑體" pitchFamily="34" charset="-120"/>
+                <a:ea typeface="微軟正黑體" pitchFamily="34" charset="-120"/>
+              </a:rPr>
+              <a:t>萬國萬口萬邦 </a:t>
+            </a:r>
+            <a:r>
               <a:rPr lang="zh-TW" altLang="en-US" sz="5400" b="1" dirty="0" smtClean="0">
                 <a:solidFill>
                   <a:srgbClr val="000066"/>
@@ -3172,9 +3240,19 @@
                 <a:latin typeface="微軟正黑體" pitchFamily="34" charset="-120"/>
                 <a:ea typeface="微軟正黑體" pitchFamily="34" charset="-120"/>
               </a:rPr>
-              <a:t>萬國萬口萬邦 穿著潔白衣裳</a:t>
-            </a:r>
-            <a:endParaRPr lang="en-US" altLang="zh-TW" sz="5400" b="1" dirty="0" smtClean="0">
+              <a:t> 穿</a:t>
+            </a:r>
+            <a:r>
+              <a:rPr lang="zh-TW" altLang="en-US" sz="5400" b="1" dirty="0">
+                <a:solidFill>
+                  <a:srgbClr val="000066"/>
+                </a:solidFill>
+                <a:latin typeface="微軟正黑體" pitchFamily="34" charset="-120"/>
+                <a:ea typeface="微軟正黑體" pitchFamily="34" charset="-120"/>
+              </a:rPr>
+              <a:t>著潔白衣裳</a:t>
+            </a:r>
+            <a:endParaRPr lang="en-US" altLang="zh-TW" sz="5400" b="1" dirty="0">
               <a:solidFill>
                 <a:srgbClr val="000066"/>
               </a:solidFill>
@@ -3187,6 +3265,16 @@
               <a:buNone/>
             </a:pPr>
             <a:r>
+              <a:rPr lang="zh-TW" altLang="en-US" sz="5400" b="1" dirty="0">
+                <a:solidFill>
+                  <a:srgbClr val="000066"/>
+                </a:solidFill>
+                <a:latin typeface="微軟正黑體" pitchFamily="34" charset="-120"/>
+                <a:ea typeface="微軟正黑體" pitchFamily="34" charset="-120"/>
+              </a:rPr>
+              <a:t>我們前</a:t>
+            </a:r>
+            <a:r>
               <a:rPr lang="zh-TW" altLang="en-US" sz="5400" b="1" dirty="0" smtClean="0">
                 <a:solidFill>
                   <a:srgbClr val="000066"/>
@@ -3194,7 +3282,17 @@
                 <a:latin typeface="微軟正黑體" pitchFamily="34" charset="-120"/>
                 <a:ea typeface="微軟正黑體" pitchFamily="34" charset="-120"/>
               </a:rPr>
-              <a:t>我們前來 向主歌唱</a:t>
+              <a:t>來  </a:t>
+            </a:r>
+            <a:r>
+              <a:rPr lang="zh-TW" altLang="en-US" sz="5400" b="1" dirty="0">
+                <a:solidFill>
+                  <a:srgbClr val="000066"/>
+                </a:solidFill>
+                <a:latin typeface="微軟正黑體" pitchFamily="34" charset="-120"/>
+                <a:ea typeface="微軟正黑體" pitchFamily="34" charset="-120"/>
+              </a:rPr>
+              <a:t>向主歌唱</a:t>
             </a:r>
             <a:endParaRPr lang="zh-TW" altLang="en-US" sz="5400" b="1" dirty="0">
               <a:solidFill>
@@ -3290,7 +3388,7 @@
         </p:nvSpPr>
         <p:spPr>
           <a:xfrm>
-            <a:off x="0" y="1600200"/>
+            <a:off x="1524000" y="1600201"/>
             <a:ext cx="9144000" cy="4525963"/>
           </a:xfrm>
         </p:spPr>
@@ -3314,7 +3412,7 @@
               <a:t>我們獻上全心的</a:t>
             </a:r>
             <a:r>
-              <a:rPr lang="zh-TW" altLang="en-US" sz="5400" b="1" dirty="0" smtClean="0">
+              <a:rPr lang="zh-TW" altLang="en-US" sz="5400" b="1" dirty="0">
                 <a:solidFill>
                   <a:srgbClr val="000066"/>
                 </a:solidFill>
@@ -3323,7 +3421,7 @@
               </a:rPr>
               <a:t>讚美</a:t>
             </a:r>
-            <a:endParaRPr lang="en-US" altLang="zh-TW" sz="5400" b="1" dirty="0" smtClean="0">
+            <a:endParaRPr lang="en-US" altLang="zh-TW" sz="5400" b="1" dirty="0">
               <a:solidFill>
                 <a:srgbClr val="000066"/>
               </a:solidFill>
@@ -3336,7 +3434,7 @@
               <a:buNone/>
             </a:pPr>
             <a:r>
-              <a:rPr lang="zh-TW" altLang="en-US" sz="5400" b="1" dirty="0" smtClean="0">
+              <a:rPr lang="zh-TW" altLang="en-US" sz="5400" b="1" dirty="0">
                 <a:solidFill>
                   <a:srgbClr val="000066"/>
                 </a:solidFill>
@@ -3356,7 +3454,7 @@
               <a:t>至高全能大</a:t>
             </a:r>
             <a:r>
-              <a:rPr lang="zh-TW" altLang="en-US" sz="5400" b="1" dirty="0" smtClean="0">
+              <a:rPr lang="zh-TW" altLang="en-US" sz="5400" b="1" dirty="0">
                 <a:solidFill>
                   <a:srgbClr val="000066"/>
                 </a:solidFill>
@@ -3365,7 +3463,7 @@
               </a:rPr>
               <a:t>君王</a:t>
             </a:r>
-            <a:endParaRPr lang="en-US" altLang="zh-TW" sz="5400" b="1" dirty="0" smtClean="0">
+            <a:endParaRPr lang="en-US" altLang="zh-TW" sz="5400" b="1" dirty="0">
               <a:solidFill>
                 <a:srgbClr val="000066"/>
               </a:solidFill>
@@ -3378,7 +3476,7 @@
               <a:buNone/>
             </a:pPr>
             <a:r>
-              <a:rPr lang="zh-TW" altLang="en-US" sz="5400" b="1" dirty="0" smtClean="0">
+              <a:rPr lang="zh-TW" altLang="en-US" sz="5400" b="1" dirty="0">
                 <a:solidFill>
                   <a:srgbClr val="000066"/>
                 </a:solidFill>
@@ -3398,7 +3496,7 @@
               <a:t>的聲音 述說祢的</a:t>
             </a:r>
             <a:r>
-              <a:rPr lang="zh-TW" altLang="en-US" sz="5400" b="1" dirty="0" smtClean="0">
+              <a:rPr lang="zh-TW" altLang="en-US" sz="5400" b="1" dirty="0">
                 <a:solidFill>
                   <a:srgbClr val="000066"/>
                 </a:solidFill>
@@ -3407,7 +3505,7 @@
               </a:rPr>
               <a:t>榮耀</a:t>
             </a:r>
-            <a:endParaRPr lang="en-US" altLang="zh-TW" sz="5400" b="1" dirty="0" smtClean="0">
+            <a:endParaRPr lang="en-US" altLang="zh-TW" sz="5400" b="1" dirty="0">
               <a:solidFill>
                 <a:srgbClr val="000066"/>
               </a:solidFill>
@@ -3420,7 +3518,7 @@
               <a:buNone/>
             </a:pPr>
             <a:r>
-              <a:rPr lang="zh-TW" altLang="en-US" sz="5400" b="1" dirty="0" smtClean="0">
+              <a:rPr lang="zh-TW" altLang="en-US" sz="5400" b="1" dirty="0">
                 <a:solidFill>
                   <a:srgbClr val="000066"/>
                 </a:solidFill>
@@ -3526,7 +3624,7 @@
         </p:nvSpPr>
         <p:spPr>
           <a:xfrm>
-            <a:off x="0" y="1600200"/>
+            <a:off x="1524000" y="1600201"/>
             <a:ext cx="9144000" cy="4525963"/>
           </a:xfrm>
         </p:spPr>
@@ -3550,7 +3648,7 @@
               <a:t>我們獻上生命的敬</a:t>
             </a:r>
             <a:r>
-              <a:rPr lang="zh-TW" altLang="en-US" sz="5400" b="1" dirty="0" smtClean="0">
+              <a:rPr lang="zh-TW" altLang="en-US" sz="5400" b="1" dirty="0">
                 <a:solidFill>
                   <a:srgbClr val="000066"/>
                 </a:solidFill>
@@ -3559,7 +3657,7 @@
               </a:rPr>
               <a:t>拜</a:t>
             </a:r>
-            <a:endParaRPr lang="en-US" altLang="zh-TW" sz="5400" b="1" dirty="0" smtClean="0">
+            <a:endParaRPr lang="en-US" altLang="zh-TW" sz="5400" b="1" dirty="0">
               <a:solidFill>
                 <a:srgbClr val="000066"/>
               </a:solidFill>
@@ -3572,7 +3670,7 @@
               <a:buNone/>
             </a:pPr>
             <a:r>
-              <a:rPr lang="zh-TW" altLang="en-US" sz="5400" b="1" dirty="0" smtClean="0">
+              <a:rPr lang="zh-TW" altLang="en-US" sz="5400" b="1" dirty="0">
                 <a:solidFill>
                   <a:srgbClr val="000066"/>
                 </a:solidFill>
@@ -3592,7 +3690,7 @@
               <a:t>能夠更多親近</a:t>
             </a:r>
             <a:r>
-              <a:rPr lang="zh-TW" altLang="en-US" sz="5400" b="1" dirty="0" smtClean="0">
+              <a:rPr lang="zh-TW" altLang="en-US" sz="5400" b="1" dirty="0">
                 <a:solidFill>
                   <a:srgbClr val="000066"/>
                 </a:solidFill>
@@ -3601,7 +3699,7 @@
               </a:rPr>
               <a:t>祢</a:t>
             </a:r>
-            <a:endParaRPr lang="en-US" altLang="zh-TW" sz="5400" b="1" dirty="0" smtClean="0">
+            <a:endParaRPr lang="en-US" altLang="zh-TW" sz="5400" b="1" dirty="0">
               <a:solidFill>
                 <a:srgbClr val="000066"/>
               </a:solidFill>
@@ -3614,7 +3712,7 @@
               <a:buNone/>
             </a:pPr>
             <a:r>
-              <a:rPr lang="zh-TW" altLang="en-US" sz="5400" b="1" dirty="0" smtClean="0">
+              <a:rPr lang="zh-TW" altLang="en-US" sz="5400" b="1" dirty="0">
                 <a:solidFill>
                   <a:srgbClr val="000066"/>
                 </a:solidFill>
@@ -3634,7 +3732,7 @@
               <a:t>的兒女 歌頌祢的</a:t>
             </a:r>
             <a:r>
-              <a:rPr lang="zh-TW" altLang="en-US" sz="5400" b="1" dirty="0" smtClean="0">
+              <a:rPr lang="zh-TW" altLang="en-US" sz="5400" b="1" dirty="0">
                 <a:solidFill>
                   <a:srgbClr val="000066"/>
                 </a:solidFill>
@@ -3643,7 +3741,7 @@
               </a:rPr>
               <a:t>美好</a:t>
             </a:r>
-            <a:endParaRPr lang="en-US" altLang="zh-TW" sz="5400" b="1" dirty="0" smtClean="0">
+            <a:endParaRPr lang="en-US" altLang="zh-TW" sz="5400" b="1" dirty="0">
               <a:solidFill>
                 <a:srgbClr val="000066"/>
               </a:solidFill>
@@ -3656,7 +3754,7 @@
               <a:buNone/>
             </a:pPr>
             <a:r>
-              <a:rPr lang="zh-TW" altLang="en-US" sz="5400" b="1" dirty="0" smtClean="0">
+              <a:rPr lang="zh-TW" altLang="en-US" sz="5400" b="1" dirty="0">
                 <a:solidFill>
                   <a:srgbClr val="000066"/>
                 </a:solidFill>
@@ -3762,7 +3860,7 @@
         </p:nvSpPr>
         <p:spPr>
           <a:xfrm>
-            <a:off x="0" y="1600200"/>
+            <a:off x="1524000" y="1600201"/>
             <a:ext cx="9144000" cy="4525963"/>
           </a:xfrm>
         </p:spPr>
@@ -3794,6 +3892,46 @@
                 <a:ea typeface="微軟正黑體" pitchFamily="34" charset="-120"/>
               </a:rPr>
               <a:t>裡</a:t>
+            </a:r>
+            <a:r>
+              <a:rPr lang="en-US" altLang="zh-TW" sz="5400" b="1" dirty="0" smtClean="0">
+                <a:solidFill>
+                  <a:srgbClr val="000066"/>
+                </a:solidFill>
+                <a:latin typeface="微軟正黑體" pitchFamily="34" charset="-120"/>
+                <a:ea typeface="微軟正黑體" pitchFamily="34" charset="-120"/>
+              </a:rPr>
+              <a:t>  </a:t>
+            </a:r>
+            <a:r>
+              <a:rPr lang="zh-TW" altLang="en-US" sz="5400" b="1" dirty="0" smtClean="0">
+                <a:solidFill>
+                  <a:srgbClr val="000066"/>
+                </a:solidFill>
+                <a:latin typeface="微軟正黑體" pitchFamily="34" charset="-120"/>
+                <a:ea typeface="微軟正黑體" pitchFamily="34" charset="-120"/>
+              </a:rPr>
+              <a:t>我</a:t>
+            </a:r>
+            <a:r>
+              <a:rPr lang="zh-TW" altLang="en-US" sz="5400" b="1" dirty="0">
+                <a:solidFill>
+                  <a:srgbClr val="000066"/>
+                </a:solidFill>
+                <a:latin typeface="微軟正黑體" pitchFamily="34" charset="-120"/>
+                <a:ea typeface="微軟正黑體" pitchFamily="34" charset="-120"/>
+              </a:rPr>
+              <a:t>們</a:t>
+            </a:r>
+            <a:r>
+              <a:rPr lang="zh-TW" altLang="en-US" sz="5400" b="1" dirty="0">
+                <a:solidFill>
+                  <a:srgbClr val="000066"/>
+                </a:solidFill>
+                <a:latin typeface="微軟正黑體" pitchFamily="34" charset="-120"/>
+                <a:ea typeface="微軟正黑體" pitchFamily="34" charset="-120"/>
+              </a:rPr>
+              <a:t>揚聲敬拜 </a:t>
             </a:r>
             <a:endParaRPr lang="en-US" altLang="zh-TW" sz="5400" b="1" dirty="0" smtClean="0">
               <a:solidFill>
@@ -3815,17 +3953,17 @@
                 <a:latin typeface="微軟正黑體" pitchFamily="34" charset="-120"/>
                 <a:ea typeface="微軟正黑體" pitchFamily="34" charset="-120"/>
               </a:rPr>
-              <a:t>我們</a:t>
-            </a:r>
-            <a:r>
-              <a:rPr lang="zh-TW" altLang="en-US" sz="5400" b="1" dirty="0">
-                <a:solidFill>
-                  <a:srgbClr val="000066"/>
-                </a:solidFill>
-                <a:latin typeface="微軟正黑體" pitchFamily="34" charset="-120"/>
-                <a:ea typeface="微軟正黑體" pitchFamily="34" charset="-120"/>
-              </a:rPr>
-              <a:t>揚聲敬拜 </a:t>
+              <a:t>愛慕</a:t>
+            </a:r>
+            <a:r>
+              <a:rPr lang="en-US" altLang="zh-TW" sz="5400" b="1" dirty="0" smtClean="0">
+                <a:solidFill>
+                  <a:srgbClr val="000066"/>
+                </a:solidFill>
+                <a:latin typeface="微軟正黑體" pitchFamily="34" charset="-120"/>
+                <a:ea typeface="微軟正黑體" pitchFamily="34" charset="-120"/>
+              </a:rPr>
+              <a:t>  </a:t>
             </a:r>
             <a:r>
               <a:rPr lang="zh-TW" altLang="en-US" sz="5400" b="1" dirty="0" smtClean="0">
@@ -3835,7 +3973,27 @@
                 <a:latin typeface="微軟正黑體" pitchFamily="34" charset="-120"/>
                 <a:ea typeface="微軟正黑體" pitchFamily="34" charset="-120"/>
               </a:rPr>
-              <a:t>愛慕</a:t>
+              <a:t>頌</a:t>
+            </a:r>
+            <a:r>
+              <a:rPr lang="zh-TW" altLang="en-US" sz="5400" b="1" dirty="0">
+                <a:solidFill>
+                  <a:srgbClr val="000066"/>
+                </a:solidFill>
+                <a:latin typeface="微軟正黑體" pitchFamily="34" charset="-120"/>
+                <a:ea typeface="微軟正黑體" pitchFamily="34" charset="-120"/>
+              </a:rPr>
+              <a:t>讚</a:t>
+            </a:r>
+            <a:r>
+              <a:rPr lang="zh-TW" altLang="en-US" sz="5400" b="1" dirty="0">
+                <a:solidFill>
+                  <a:srgbClr val="000066"/>
+                </a:solidFill>
+                <a:latin typeface="微軟正黑體" pitchFamily="34" charset="-120"/>
+                <a:ea typeface="微軟正黑體" pitchFamily="34" charset="-120"/>
+              </a:rPr>
+              <a:t>不停息 </a:t>
             </a:r>
             <a:endParaRPr lang="en-US" altLang="zh-TW" sz="5400" b="1" dirty="0" smtClean="0">
               <a:solidFill>
@@ -3857,17 +4015,17 @@
                 <a:latin typeface="微軟正黑體" pitchFamily="34" charset="-120"/>
                 <a:ea typeface="微軟正黑體" pitchFamily="34" charset="-120"/>
               </a:rPr>
-              <a:t>頌讚</a:t>
-            </a:r>
-            <a:r>
-              <a:rPr lang="zh-TW" altLang="en-US" sz="5400" b="1" dirty="0">
-                <a:solidFill>
-                  <a:srgbClr val="000066"/>
-                </a:solidFill>
-                <a:latin typeface="微軟正黑體" pitchFamily="34" charset="-120"/>
-                <a:ea typeface="微軟正黑體" pitchFamily="34" charset="-120"/>
-              </a:rPr>
-              <a:t>不停息 昔在今在永</a:t>
+              <a:t>昔</a:t>
+            </a:r>
+            <a:r>
+              <a:rPr lang="zh-TW" altLang="en-US" sz="5400" b="1" dirty="0">
+                <a:solidFill>
+                  <a:srgbClr val="000066"/>
+                </a:solidFill>
+                <a:latin typeface="微軟正黑體" pitchFamily="34" charset="-120"/>
+                <a:ea typeface="微軟正黑體" pitchFamily="34" charset="-120"/>
+              </a:rPr>
+              <a:t>在今在永</a:t>
             </a:r>
             <a:r>
               <a:rPr lang="zh-TW" altLang="en-US" sz="5400" b="1" dirty="0" smtClean="0">
@@ -3879,7 +4037,57 @@
               </a:rPr>
               <a:t>在</a:t>
             </a:r>
-            <a:endParaRPr lang="en-US" altLang="zh-TW" sz="5400" b="1" dirty="0" smtClean="0">
+            <a:r>
+              <a:rPr lang="en-US" altLang="zh-TW" sz="5400" b="1" dirty="0" smtClean="0">
+                <a:solidFill>
+                  <a:srgbClr val="000066"/>
+                </a:solidFill>
+                <a:latin typeface="微軟正黑體" pitchFamily="34" charset="-120"/>
+                <a:ea typeface="微軟正黑體" pitchFamily="34" charset="-120"/>
+              </a:rPr>
+              <a:t>  </a:t>
+            </a:r>
+            <a:r>
+              <a:rPr lang="zh-TW" altLang="en-US" sz="5400" b="1" dirty="0" smtClean="0">
+                <a:solidFill>
+                  <a:srgbClr val="000066"/>
+                </a:solidFill>
+                <a:latin typeface="微軟正黑體" pitchFamily="34" charset="-120"/>
+                <a:ea typeface="微軟正黑體" pitchFamily="34" charset="-120"/>
+              </a:rPr>
+              <a:t>萬</a:t>
+            </a:r>
+            <a:r>
+              <a:rPr lang="zh-TW" altLang="en-US" sz="5400" b="1" dirty="0">
+                <a:solidFill>
+                  <a:srgbClr val="000066"/>
+                </a:solidFill>
+                <a:latin typeface="微軟正黑體" pitchFamily="34" charset="-120"/>
+                <a:ea typeface="微軟正黑體" pitchFamily="34" charset="-120"/>
+              </a:rPr>
+              <a:t>世</a:t>
+            </a:r>
+            <a:r>
+              <a:rPr lang="zh-TW" altLang="en-US" sz="5400" b="1" dirty="0">
+                <a:solidFill>
+                  <a:srgbClr val="000066"/>
+                </a:solidFill>
+                <a:latin typeface="微軟正黑體" pitchFamily="34" charset="-120"/>
+                <a:ea typeface="微軟正黑體" pitchFamily="34" charset="-120"/>
+              </a:rPr>
+              <a:t>尊崇</a:t>
+            </a:r>
+            <a:r>
+              <a:rPr lang="zh-TW" altLang="en-US" sz="5400" b="1" dirty="0">
+                <a:solidFill>
+                  <a:srgbClr val="000066"/>
+                </a:solidFill>
+                <a:latin typeface="微軟正黑體" pitchFamily="34" charset="-120"/>
+                <a:ea typeface="微軟正黑體" pitchFamily="34" charset="-120"/>
+              </a:rPr>
+              <a:t>愛戴</a:t>
+            </a:r>
+            <a:endParaRPr lang="en-US" altLang="zh-TW" sz="5400" b="1" dirty="0">
               <a:solidFill>
                 <a:srgbClr val="000066"/>
               </a:solidFill>
@@ -3892,6 +4100,26 @@
               <a:buNone/>
             </a:pPr>
             <a:r>
+              <a:rPr lang="zh-TW" altLang="en-US" sz="5400" b="1" dirty="0">
+                <a:solidFill>
+                  <a:srgbClr val="000066"/>
+                </a:solidFill>
+                <a:latin typeface="微軟正黑體" pitchFamily="34" charset="-120"/>
+                <a:ea typeface="微軟正黑體" pitchFamily="34" charset="-120"/>
+              </a:rPr>
+              <a:t>為要</a:t>
+            </a:r>
+            <a:r>
+              <a:rPr lang="zh-TW" altLang="en-US" sz="5400" b="1" dirty="0">
+                <a:solidFill>
+                  <a:srgbClr val="000066"/>
+                </a:solidFill>
+                <a:latin typeface="微軟正黑體" pitchFamily="34" charset="-120"/>
+                <a:ea typeface="微軟正黑體" pitchFamily="34" charset="-120"/>
+              </a:rPr>
+              <a:t>訴說 </a:t>
+            </a:r>
+            <a:r>
               <a:rPr lang="zh-TW" altLang="en-US" sz="5400" b="1" dirty="0" smtClean="0">
                 <a:solidFill>
                   <a:srgbClr val="000066"/>
@@ -3899,59 +4127,17 @@
                 <a:latin typeface="微軟正黑體" pitchFamily="34" charset="-120"/>
                 <a:ea typeface="微軟正黑體" pitchFamily="34" charset="-120"/>
               </a:rPr>
-              <a:t>萬世</a:t>
-            </a:r>
-            <a:r>
-              <a:rPr lang="zh-TW" altLang="en-US" sz="5400" b="1" dirty="0">
-                <a:solidFill>
-                  <a:srgbClr val="000066"/>
-                </a:solidFill>
-                <a:latin typeface="微軟正黑體" pitchFamily="34" charset="-120"/>
-                <a:ea typeface="微軟正黑體" pitchFamily="34" charset="-120"/>
-              </a:rPr>
-              <a:t>尊崇</a:t>
-            </a:r>
-            <a:r>
-              <a:rPr lang="zh-TW" altLang="en-US" sz="5400" b="1" dirty="0" smtClean="0">
-                <a:solidFill>
-                  <a:srgbClr val="000066"/>
-                </a:solidFill>
-                <a:latin typeface="微軟正黑體" pitchFamily="34" charset="-120"/>
-                <a:ea typeface="微軟正黑體" pitchFamily="34" charset="-120"/>
-              </a:rPr>
-              <a:t>愛戴</a:t>
-            </a:r>
-            <a:endParaRPr lang="en-US" altLang="zh-TW" sz="5400" b="1" dirty="0" smtClean="0">
-              <a:solidFill>
-                <a:srgbClr val="000066"/>
-              </a:solidFill>
-              <a:latin typeface="微軟正黑體" pitchFamily="34" charset="-120"/>
-              <a:ea typeface="微軟正黑體" pitchFamily="34" charset="-120"/>
-            </a:endParaRPr>
-          </a:p>
-          <a:p>
-            <a:pPr algn="ctr">
-              <a:buNone/>
-            </a:pPr>
-            <a:r>
-              <a:rPr lang="zh-TW" altLang="en-US" sz="5400" b="1" dirty="0" smtClean="0">
-                <a:solidFill>
-                  <a:srgbClr val="000066"/>
-                </a:solidFill>
-                <a:latin typeface="微軟正黑體" pitchFamily="34" charset="-120"/>
-                <a:ea typeface="微軟正黑體" pitchFamily="34" charset="-120"/>
-              </a:rPr>
-              <a:t>為要</a:t>
-            </a:r>
-            <a:r>
-              <a:rPr lang="zh-TW" altLang="en-US" sz="5400" b="1" dirty="0">
-                <a:solidFill>
-                  <a:srgbClr val="000066"/>
-                </a:solidFill>
-                <a:latin typeface="微軟正黑體" pitchFamily="34" charset="-120"/>
-                <a:ea typeface="微軟正黑體" pitchFamily="34" charset="-120"/>
-              </a:rPr>
-              <a:t>訴說 祢的愛</a:t>
+              <a:t> 祢</a:t>
+            </a:r>
+            <a:r>
+              <a:rPr lang="zh-TW" altLang="en-US" sz="5400" b="1" dirty="0">
+                <a:solidFill>
+                  <a:srgbClr val="000066"/>
+                </a:solidFill>
+                <a:latin typeface="微軟正黑體" pitchFamily="34" charset="-120"/>
+                <a:ea typeface="微軟正黑體" pitchFamily="34" charset="-120"/>
+              </a:rPr>
+              <a:t>的愛</a:t>
             </a:r>
           </a:p>
         </p:txBody>
@@ -4040,7 +4226,7 @@
         </p:nvSpPr>
         <p:spPr>
           <a:xfrm>
-            <a:off x="0" y="1600200"/>
+            <a:off x="1524000" y="1600201"/>
             <a:ext cx="9144000" cy="4525963"/>
           </a:xfrm>
         </p:spPr>
@@ -4061,19 +4247,19 @@
                 <a:latin typeface="微軟正黑體" pitchFamily="34" charset="-120"/>
                 <a:ea typeface="微軟正黑體" pitchFamily="34" charset="-120"/>
               </a:rPr>
-              <a:t>哈利路亞 哈利路</a:t>
-            </a:r>
-            <a:r>
-              <a:rPr lang="zh-TW" altLang="en-US" sz="5400" b="1" dirty="0" smtClean="0">
-                <a:solidFill>
-                  <a:srgbClr val="000066"/>
-                </a:solidFill>
-                <a:latin typeface="微軟正黑體" pitchFamily="34" charset="-120"/>
-                <a:ea typeface="微軟正黑體" pitchFamily="34" charset="-120"/>
-              </a:rPr>
-              <a:t>亞</a:t>
-            </a:r>
-            <a:endParaRPr lang="en-US" altLang="zh-TW" sz="5400" b="1" dirty="0" smtClean="0">
+              <a:t>我們獻上全心的</a:t>
+            </a:r>
+            <a:r>
+              <a:rPr lang="zh-TW" altLang="en-US" sz="5400" b="1" dirty="0">
+                <a:solidFill>
+                  <a:srgbClr val="000066"/>
+                </a:solidFill>
+                <a:latin typeface="微軟正黑體" pitchFamily="34" charset="-120"/>
+                <a:ea typeface="微軟正黑體" pitchFamily="34" charset="-120"/>
+              </a:rPr>
+              <a:t>讚美</a:t>
+            </a:r>
+            <a:endParaRPr lang="en-US" altLang="zh-TW" sz="5400" b="1" dirty="0">
               <a:solidFill>
                 <a:srgbClr val="000066"/>
               </a:solidFill>
@@ -4086,7 +4272,489 @@
               <a:buNone/>
             </a:pPr>
             <a:r>
-              <a:rPr lang="zh-TW" altLang="en-US" sz="5400" b="1" dirty="0" smtClean="0">
+              <a:rPr lang="zh-TW" altLang="en-US" sz="5400" b="1" dirty="0">
+                <a:solidFill>
+                  <a:srgbClr val="000066"/>
+                </a:solidFill>
+                <a:latin typeface="微軟正黑體" pitchFamily="34" charset="-120"/>
+                <a:ea typeface="微軟正黑體" pitchFamily="34" charset="-120"/>
+              </a:rPr>
+              <a:t>歸於</a:t>
+            </a:r>
+            <a:r>
+              <a:rPr lang="zh-TW" altLang="en-US" sz="5400" b="1" dirty="0">
+                <a:solidFill>
+                  <a:srgbClr val="000066"/>
+                </a:solidFill>
+                <a:latin typeface="微軟正黑體" pitchFamily="34" charset="-120"/>
+                <a:ea typeface="微軟正黑體" pitchFamily="34" charset="-120"/>
+              </a:rPr>
+              <a:t>至高全能大</a:t>
+            </a:r>
+            <a:r>
+              <a:rPr lang="zh-TW" altLang="en-US" sz="5400" b="1" dirty="0">
+                <a:solidFill>
+                  <a:srgbClr val="000066"/>
+                </a:solidFill>
+                <a:latin typeface="微軟正黑體" pitchFamily="34" charset="-120"/>
+                <a:ea typeface="微軟正黑體" pitchFamily="34" charset="-120"/>
+              </a:rPr>
+              <a:t>君王</a:t>
+            </a:r>
+            <a:endParaRPr lang="en-US" altLang="zh-TW" sz="5400" b="1" dirty="0">
+              <a:solidFill>
+                <a:srgbClr val="000066"/>
+              </a:solidFill>
+              <a:latin typeface="微軟正黑體" pitchFamily="34" charset="-120"/>
+              <a:ea typeface="微軟正黑體" pitchFamily="34" charset="-120"/>
+            </a:endParaRPr>
+          </a:p>
+          <a:p>
+            <a:pPr algn="ctr">
+              <a:buNone/>
+            </a:pPr>
+            <a:r>
+              <a:rPr lang="zh-TW" altLang="en-US" sz="5400" b="1" dirty="0">
+                <a:solidFill>
+                  <a:srgbClr val="000066"/>
+                </a:solidFill>
+                <a:latin typeface="微軟正黑體" pitchFamily="34" charset="-120"/>
+                <a:ea typeface="微軟正黑體" pitchFamily="34" charset="-120"/>
+              </a:rPr>
+              <a:t>我們</a:t>
+            </a:r>
+            <a:r>
+              <a:rPr lang="zh-TW" altLang="en-US" sz="5400" b="1" dirty="0">
+                <a:solidFill>
+                  <a:srgbClr val="000066"/>
+                </a:solidFill>
+                <a:latin typeface="微軟正黑體" pitchFamily="34" charset="-120"/>
+                <a:ea typeface="微軟正黑體" pitchFamily="34" charset="-120"/>
+              </a:rPr>
+              <a:t>的聲音 述說祢的</a:t>
+            </a:r>
+            <a:r>
+              <a:rPr lang="zh-TW" altLang="en-US" sz="5400" b="1" dirty="0">
+                <a:solidFill>
+                  <a:srgbClr val="000066"/>
+                </a:solidFill>
+                <a:latin typeface="微軟正黑體" pitchFamily="34" charset="-120"/>
+                <a:ea typeface="微軟正黑體" pitchFamily="34" charset="-120"/>
+              </a:rPr>
+              <a:t>榮耀</a:t>
+            </a:r>
+            <a:endParaRPr lang="en-US" altLang="zh-TW" sz="5400" b="1" dirty="0">
+              <a:solidFill>
+                <a:srgbClr val="000066"/>
+              </a:solidFill>
+              <a:latin typeface="微軟正黑體" pitchFamily="34" charset="-120"/>
+              <a:ea typeface="微軟正黑體" pitchFamily="34" charset="-120"/>
+            </a:endParaRPr>
+          </a:p>
+          <a:p>
+            <a:pPr algn="ctr">
+              <a:buNone/>
+            </a:pPr>
+            <a:r>
+              <a:rPr lang="zh-TW" altLang="en-US" sz="5400" b="1" dirty="0">
+                <a:solidFill>
+                  <a:srgbClr val="000066"/>
+                </a:solidFill>
+                <a:latin typeface="微軟正黑體" pitchFamily="34" charset="-120"/>
+                <a:ea typeface="微軟正黑體" pitchFamily="34" charset="-120"/>
+              </a:rPr>
+              <a:t>祢</a:t>
+            </a:r>
+            <a:r>
+              <a:rPr lang="zh-TW" altLang="en-US" sz="5400" b="1" dirty="0">
+                <a:solidFill>
+                  <a:srgbClr val="000066"/>
+                </a:solidFill>
+                <a:latin typeface="微軟正黑體" pitchFamily="34" charset="-120"/>
+                <a:ea typeface="微軟正黑體" pitchFamily="34" charset="-120"/>
+              </a:rPr>
+              <a:t>的慈愛 直到永遠</a:t>
+            </a:r>
+          </a:p>
+        </p:txBody>
+      </p:sp>
+    </p:spTree>
+    <p:extLst>
+      <p:ext uri="{BB962C8B-B14F-4D97-AF65-F5344CB8AC3E}">
+        <p14:creationId xmlns:p14="http://schemas.microsoft.com/office/powerpoint/2010/main" val="3317553505"/>
+      </p:ext>
+    </p:extLst>
+  </p:cSld>
+  <p:clrMapOvr>
+    <a:masterClrMapping/>
+  </p:clrMapOvr>
+</p:sld>
+</file>
+
+<file path=ppt/slides/slide6.xml><?xml version="1.0" encoding="utf-8"?>
+<p:sld xmlns:a="http://schemas.openxmlformats.org/drawingml/2006/main" xmlns:r="http://schemas.openxmlformats.org/officeDocument/2006/relationships" xmlns:p="http://schemas.openxmlformats.org/presentationml/2006/main">
+  <p:cSld>
+    <p:spTree>
+      <p:nvGrpSpPr>
+        <p:cNvPr id="1" name=""/>
+        <p:cNvGrpSpPr/>
+        <p:nvPr/>
+      </p:nvGrpSpPr>
+      <p:grpSpPr>
+        <a:xfrm>
+          <a:off x="0" y="0"/>
+          <a:ext cx="0" cy="0"/>
+          <a:chOff x="0" y="0"/>
+          <a:chExt cx="0" cy="0"/>
+        </a:xfrm>
+      </p:grpSpPr>
+      <p:sp>
+        <p:nvSpPr>
+          <p:cNvPr id="4" name="標題 3"/>
+          <p:cNvSpPr>
+            <a:spLocks noGrp="1"/>
+          </p:cNvSpPr>
+          <p:nvPr>
+            <p:ph type="title"/>
+          </p:nvPr>
+        </p:nvSpPr>
+        <p:spPr/>
+        <p:txBody>
+          <a:bodyPr>
+            <a:normAutofit/>
+          </a:bodyPr>
+          <a:lstStyle/>
+          <a:p>
+            <a:r>
+              <a:rPr lang="zh-TW" altLang="en-US" b="1" dirty="0">
+                <a:solidFill>
+                  <a:srgbClr val="000066"/>
+                </a:solidFill>
+                <a:latin typeface="微軟正黑體" pitchFamily="34" charset="-120"/>
+                <a:ea typeface="微軟正黑體" pitchFamily="34" charset="-120"/>
+              </a:rPr>
+              <a:t>我們獻</a:t>
+            </a:r>
+            <a:r>
+              <a:rPr lang="zh-TW" altLang="en-US" b="1" dirty="0" smtClean="0">
+                <a:solidFill>
+                  <a:srgbClr val="000066"/>
+                </a:solidFill>
+                <a:latin typeface="微軟正黑體" pitchFamily="34" charset="-120"/>
+                <a:ea typeface="微軟正黑體" pitchFamily="34" charset="-120"/>
+              </a:rPr>
+              <a:t>上</a:t>
+            </a:r>
+            <a:endParaRPr lang="zh-TW" altLang="en-US" b="1" dirty="0">
+              <a:solidFill>
+                <a:srgbClr val="000066"/>
+              </a:solidFill>
+              <a:latin typeface="微軟正黑體" pitchFamily="34" charset="-120"/>
+              <a:ea typeface="微軟正黑體" pitchFamily="34" charset="-120"/>
+            </a:endParaRPr>
+          </a:p>
+        </p:txBody>
+      </p:sp>
+      <p:sp>
+        <p:nvSpPr>
+          <p:cNvPr id="5" name="內容版面配置區 4"/>
+          <p:cNvSpPr>
+            <a:spLocks noGrp="1"/>
+          </p:cNvSpPr>
+          <p:nvPr>
+            <p:ph idx="1"/>
+          </p:nvPr>
+        </p:nvSpPr>
+        <p:spPr>
+          <a:xfrm>
+            <a:off x="1524000" y="1600201"/>
+            <a:ext cx="9144000" cy="4525963"/>
+          </a:xfrm>
+        </p:spPr>
+        <p:txBody>
+          <a:bodyPr>
+            <a:noAutofit/>
+          </a:bodyPr>
+          <a:lstStyle/>
+          <a:p>
+            <a:pPr algn="ctr">
+              <a:buNone/>
+            </a:pPr>
+            <a:r>
+              <a:rPr lang="zh-TW" altLang="en-US" sz="5400" b="1" dirty="0">
+                <a:solidFill>
+                  <a:srgbClr val="000066"/>
+                </a:solidFill>
+                <a:latin typeface="微軟正黑體" pitchFamily="34" charset="-120"/>
+                <a:ea typeface="微軟正黑體" pitchFamily="34" charset="-120"/>
+              </a:rPr>
+              <a:t>我們獻上生命的敬</a:t>
+            </a:r>
+            <a:r>
+              <a:rPr lang="zh-TW" altLang="en-US" sz="5400" b="1" dirty="0">
+                <a:solidFill>
+                  <a:srgbClr val="000066"/>
+                </a:solidFill>
+                <a:latin typeface="微軟正黑體" pitchFamily="34" charset="-120"/>
+                <a:ea typeface="微軟正黑體" pitchFamily="34" charset="-120"/>
+              </a:rPr>
+              <a:t>拜</a:t>
+            </a:r>
+            <a:endParaRPr lang="en-US" altLang="zh-TW" sz="5400" b="1" dirty="0">
+              <a:solidFill>
+                <a:srgbClr val="000066"/>
+              </a:solidFill>
+              <a:latin typeface="微軟正黑體" pitchFamily="34" charset="-120"/>
+              <a:ea typeface="微軟正黑體" pitchFamily="34" charset="-120"/>
+            </a:endParaRPr>
+          </a:p>
+          <a:p>
+            <a:pPr algn="ctr">
+              <a:buNone/>
+            </a:pPr>
+            <a:r>
+              <a:rPr lang="zh-TW" altLang="en-US" sz="5400" b="1" dirty="0">
+                <a:solidFill>
+                  <a:srgbClr val="000066"/>
+                </a:solidFill>
+                <a:latin typeface="微軟正黑體" pitchFamily="34" charset="-120"/>
+                <a:ea typeface="微軟正黑體" pitchFamily="34" charset="-120"/>
+              </a:rPr>
+              <a:t>渴慕</a:t>
+            </a:r>
+            <a:r>
+              <a:rPr lang="zh-TW" altLang="en-US" sz="5400" b="1" dirty="0">
+                <a:solidFill>
+                  <a:srgbClr val="000066"/>
+                </a:solidFill>
+                <a:latin typeface="微軟正黑體" pitchFamily="34" charset="-120"/>
+                <a:ea typeface="微軟正黑體" pitchFamily="34" charset="-120"/>
+              </a:rPr>
+              <a:t>能夠更多親近</a:t>
+            </a:r>
+            <a:r>
+              <a:rPr lang="zh-TW" altLang="en-US" sz="5400" b="1" dirty="0">
+                <a:solidFill>
+                  <a:srgbClr val="000066"/>
+                </a:solidFill>
+                <a:latin typeface="微軟正黑體" pitchFamily="34" charset="-120"/>
+                <a:ea typeface="微軟正黑體" pitchFamily="34" charset="-120"/>
+              </a:rPr>
+              <a:t>祢</a:t>
+            </a:r>
+            <a:endParaRPr lang="en-US" altLang="zh-TW" sz="5400" b="1" dirty="0">
+              <a:solidFill>
+                <a:srgbClr val="000066"/>
+              </a:solidFill>
+              <a:latin typeface="微軟正黑體" pitchFamily="34" charset="-120"/>
+              <a:ea typeface="微軟正黑體" pitchFamily="34" charset="-120"/>
+            </a:endParaRPr>
+          </a:p>
+          <a:p>
+            <a:pPr algn="ctr">
+              <a:buNone/>
+            </a:pPr>
+            <a:r>
+              <a:rPr lang="zh-TW" altLang="en-US" sz="5400" b="1" dirty="0">
+                <a:solidFill>
+                  <a:srgbClr val="000066"/>
+                </a:solidFill>
+                <a:latin typeface="微軟正黑體" pitchFamily="34" charset="-120"/>
+                <a:ea typeface="微軟正黑體" pitchFamily="34" charset="-120"/>
+              </a:rPr>
+              <a:t>蒙恩</a:t>
+            </a:r>
+            <a:r>
+              <a:rPr lang="zh-TW" altLang="en-US" sz="5400" b="1" dirty="0">
+                <a:solidFill>
+                  <a:srgbClr val="000066"/>
+                </a:solidFill>
+                <a:latin typeface="微軟正黑體" pitchFamily="34" charset="-120"/>
+                <a:ea typeface="微軟正黑體" pitchFamily="34" charset="-120"/>
+              </a:rPr>
+              <a:t>的兒女 歌頌祢的</a:t>
+            </a:r>
+            <a:r>
+              <a:rPr lang="zh-TW" altLang="en-US" sz="5400" b="1" dirty="0">
+                <a:solidFill>
+                  <a:srgbClr val="000066"/>
+                </a:solidFill>
+                <a:latin typeface="微軟正黑體" pitchFamily="34" charset="-120"/>
+                <a:ea typeface="微軟正黑體" pitchFamily="34" charset="-120"/>
+              </a:rPr>
+              <a:t>美好</a:t>
+            </a:r>
+            <a:endParaRPr lang="en-US" altLang="zh-TW" sz="5400" b="1" dirty="0">
+              <a:solidFill>
+                <a:srgbClr val="000066"/>
+              </a:solidFill>
+              <a:latin typeface="微軟正黑體" pitchFamily="34" charset="-120"/>
+              <a:ea typeface="微軟正黑體" pitchFamily="34" charset="-120"/>
+            </a:endParaRPr>
+          </a:p>
+          <a:p>
+            <a:pPr algn="ctr">
+              <a:buNone/>
+            </a:pPr>
+            <a:r>
+              <a:rPr lang="zh-TW" altLang="en-US" sz="5400" b="1" dirty="0">
+                <a:solidFill>
+                  <a:srgbClr val="000066"/>
+                </a:solidFill>
+                <a:latin typeface="微軟正黑體" pitchFamily="34" charset="-120"/>
+                <a:ea typeface="微軟正黑體" pitchFamily="34" charset="-120"/>
+              </a:rPr>
+              <a:t>歡迎</a:t>
+            </a:r>
+            <a:r>
+              <a:rPr lang="zh-TW" altLang="en-US" sz="5400" b="1" dirty="0">
+                <a:solidFill>
+                  <a:srgbClr val="000066"/>
+                </a:solidFill>
+                <a:latin typeface="微軟正黑體" pitchFamily="34" charset="-120"/>
+                <a:ea typeface="微軟正黑體" pitchFamily="34" charset="-120"/>
+              </a:rPr>
+              <a:t>祢的國度 降臨這土地</a:t>
+            </a:r>
+          </a:p>
+        </p:txBody>
+      </p:sp>
+    </p:spTree>
+    <p:extLst>
+      <p:ext uri="{BB962C8B-B14F-4D97-AF65-F5344CB8AC3E}">
+        <p14:creationId xmlns:p14="http://schemas.microsoft.com/office/powerpoint/2010/main" val="3865549422"/>
+      </p:ext>
+    </p:extLst>
+  </p:cSld>
+  <p:clrMapOvr>
+    <a:masterClrMapping/>
+  </p:clrMapOvr>
+</p:sld>
+</file>
+
+<file path=ppt/slides/slide7.xml><?xml version="1.0" encoding="utf-8"?>
+<p:sld xmlns:a="http://schemas.openxmlformats.org/drawingml/2006/main" xmlns:r="http://schemas.openxmlformats.org/officeDocument/2006/relationships" xmlns:p="http://schemas.openxmlformats.org/presentationml/2006/main">
+  <p:cSld>
+    <p:spTree>
+      <p:nvGrpSpPr>
+        <p:cNvPr id="1" name=""/>
+        <p:cNvGrpSpPr/>
+        <p:nvPr/>
+      </p:nvGrpSpPr>
+      <p:grpSpPr>
+        <a:xfrm>
+          <a:off x="0" y="0"/>
+          <a:ext cx="0" cy="0"/>
+          <a:chOff x="0" y="0"/>
+          <a:chExt cx="0" cy="0"/>
+        </a:xfrm>
+      </p:grpSpPr>
+      <p:sp>
+        <p:nvSpPr>
+          <p:cNvPr id="4" name="標題 3"/>
+          <p:cNvSpPr>
+            <a:spLocks noGrp="1"/>
+          </p:cNvSpPr>
+          <p:nvPr>
+            <p:ph type="title"/>
+          </p:nvPr>
+        </p:nvSpPr>
+        <p:spPr/>
+        <p:txBody>
+          <a:bodyPr>
+            <a:normAutofit/>
+          </a:bodyPr>
+          <a:lstStyle/>
+          <a:p>
+            <a:r>
+              <a:rPr lang="zh-TW" altLang="en-US" b="1" dirty="0">
+                <a:solidFill>
+                  <a:srgbClr val="000066"/>
+                </a:solidFill>
+                <a:latin typeface="微軟正黑體" pitchFamily="34" charset="-120"/>
+                <a:ea typeface="微軟正黑體" pitchFamily="34" charset="-120"/>
+              </a:rPr>
+              <a:t>我們獻</a:t>
+            </a:r>
+            <a:r>
+              <a:rPr lang="zh-TW" altLang="en-US" b="1" dirty="0" smtClean="0">
+                <a:solidFill>
+                  <a:srgbClr val="000066"/>
+                </a:solidFill>
+                <a:latin typeface="微軟正黑體" pitchFamily="34" charset="-120"/>
+                <a:ea typeface="微軟正黑體" pitchFamily="34" charset="-120"/>
+              </a:rPr>
+              <a:t>上</a:t>
+            </a:r>
+            <a:endParaRPr lang="zh-TW" altLang="en-US" b="1" dirty="0">
+              <a:solidFill>
+                <a:srgbClr val="000066"/>
+              </a:solidFill>
+              <a:latin typeface="微軟正黑體" pitchFamily="34" charset="-120"/>
+              <a:ea typeface="微軟正黑體" pitchFamily="34" charset="-120"/>
+            </a:endParaRPr>
+          </a:p>
+        </p:txBody>
+      </p:sp>
+      <p:sp>
+        <p:nvSpPr>
+          <p:cNvPr id="5" name="內容版面配置區 4"/>
+          <p:cNvSpPr>
+            <a:spLocks noGrp="1"/>
+          </p:cNvSpPr>
+          <p:nvPr>
+            <p:ph idx="1"/>
+          </p:nvPr>
+        </p:nvSpPr>
+        <p:spPr>
+          <a:xfrm>
+            <a:off x="1524000" y="1600201"/>
+            <a:ext cx="9144000" cy="4525963"/>
+          </a:xfrm>
+        </p:spPr>
+        <p:txBody>
+          <a:bodyPr>
+            <a:noAutofit/>
+          </a:bodyPr>
+          <a:lstStyle/>
+          <a:p>
+            <a:pPr algn="ctr">
+              <a:buNone/>
+            </a:pPr>
+            <a:r>
+              <a:rPr lang="zh-TW" altLang="en-US" sz="5400" b="1" dirty="0">
+                <a:solidFill>
+                  <a:srgbClr val="000066"/>
+                </a:solidFill>
+                <a:latin typeface="微軟正黑體" pitchFamily="34" charset="-120"/>
+                <a:ea typeface="微軟正黑體" pitchFamily="34" charset="-120"/>
+              </a:rPr>
+              <a:t>哈利路亞 哈利路</a:t>
+            </a:r>
+            <a:r>
+              <a:rPr lang="zh-TW" altLang="en-US" sz="5400" b="1" dirty="0">
+                <a:solidFill>
+                  <a:srgbClr val="000066"/>
+                </a:solidFill>
+                <a:latin typeface="微軟正黑體" pitchFamily="34" charset="-120"/>
+                <a:ea typeface="微軟正黑體" pitchFamily="34" charset="-120"/>
+              </a:rPr>
+              <a:t>亞</a:t>
+            </a:r>
+            <a:endParaRPr lang="en-US" altLang="zh-TW" sz="5400" b="1" dirty="0">
+              <a:solidFill>
+                <a:srgbClr val="000066"/>
+              </a:solidFill>
+              <a:latin typeface="微軟正黑體" pitchFamily="34" charset="-120"/>
+              <a:ea typeface="微軟正黑體" pitchFamily="34" charset="-120"/>
+            </a:endParaRPr>
+          </a:p>
+          <a:p>
+            <a:pPr algn="ctr">
+              <a:buNone/>
+            </a:pPr>
+            <a:r>
+              <a:rPr lang="zh-TW" altLang="en-US" sz="5400" b="1" dirty="0">
                 <a:solidFill>
                   <a:srgbClr val="000066"/>
                 </a:solidFill>

--- a/我們獻上.pptx
+++ b/我們獻上.pptx
@@ -5,13 +5,24 @@
     <p:sldMasterId id="2147483660" r:id="rId1"/>
   </p:sldMasterIdLst>
   <p:sldIdLst>
-    <p:sldId id="256" r:id="rId2"/>
-    <p:sldId id="257" r:id="rId3"/>
-    <p:sldId id="258" r:id="rId4"/>
-    <p:sldId id="259" r:id="rId5"/>
-    <p:sldId id="261" r:id="rId6"/>
-    <p:sldId id="262" r:id="rId7"/>
-    <p:sldId id="260" r:id="rId8"/>
+    <p:sldId id="263" r:id="rId2"/>
+    <p:sldId id="264" r:id="rId3"/>
+    <p:sldId id="265" r:id="rId4"/>
+    <p:sldId id="266" r:id="rId5"/>
+    <p:sldId id="267" r:id="rId6"/>
+    <p:sldId id="268" r:id="rId7"/>
+    <p:sldId id="269" r:id="rId8"/>
+    <p:sldId id="270" r:id="rId9"/>
+    <p:sldId id="271" r:id="rId10"/>
+    <p:sldId id="272" r:id="rId11"/>
+    <p:sldId id="273" r:id="rId12"/>
+    <p:sldId id="274" r:id="rId13"/>
+    <p:sldId id="275" r:id="rId14"/>
+    <p:sldId id="276" r:id="rId15"/>
+    <p:sldId id="277" r:id="rId16"/>
+    <p:sldId id="278" r:id="rId17"/>
+    <p:sldId id="279" r:id="rId18"/>
+    <p:sldId id="280" r:id="rId19"/>
   </p:sldIdLst>
   <p:sldSz cx="12192000" cy="6858000"/>
   <p:notesSz cx="6858000" cy="9144000"/>
@@ -310,7 +321,7 @@
           <a:p>
             <a:fld id="{F64B101B-5B87-4A49-B942-DEC712B6B7B9}" type="datetimeFigureOut">
               <a:rPr lang="zh-TW" altLang="en-US" smtClean="0"/>
-              <a:t>2020/8/15</a:t>
+              <a:t>2023/11/18</a:t>
             </a:fld>
             <a:endParaRPr lang="zh-TW" altLang="en-US"/>
           </a:p>
@@ -475,7 +486,7 @@
           <a:p>
             <a:fld id="{F64B101B-5B87-4A49-B942-DEC712B6B7B9}" type="datetimeFigureOut">
               <a:rPr lang="zh-TW" altLang="en-US" smtClean="0"/>
-              <a:t>2020/8/15</a:t>
+              <a:t>2023/11/18</a:t>
             </a:fld>
             <a:endParaRPr lang="zh-TW" altLang="en-US"/>
           </a:p>
@@ -650,7 +661,7 @@
           <a:p>
             <a:fld id="{F64B101B-5B87-4A49-B942-DEC712B6B7B9}" type="datetimeFigureOut">
               <a:rPr lang="zh-TW" altLang="en-US" smtClean="0"/>
-              <a:t>2020/8/15</a:t>
+              <a:t>2023/11/18</a:t>
             </a:fld>
             <a:endParaRPr lang="zh-TW" altLang="en-US"/>
           </a:p>
@@ -815,7 +826,7 @@
           <a:p>
             <a:fld id="{F64B101B-5B87-4A49-B942-DEC712B6B7B9}" type="datetimeFigureOut">
               <a:rPr lang="zh-TW" altLang="en-US" smtClean="0"/>
-              <a:t>2020/8/15</a:t>
+              <a:t>2023/11/18</a:t>
             </a:fld>
             <a:endParaRPr lang="zh-TW" altLang="en-US"/>
           </a:p>
@@ -1056,7 +1067,7 @@
           <a:p>
             <a:fld id="{F64B101B-5B87-4A49-B942-DEC712B6B7B9}" type="datetimeFigureOut">
               <a:rPr lang="zh-TW" altLang="en-US" smtClean="0"/>
-              <a:t>2020/8/15</a:t>
+              <a:t>2023/11/18</a:t>
             </a:fld>
             <a:endParaRPr lang="zh-TW" altLang="en-US"/>
           </a:p>
@@ -1339,7 +1350,7 @@
           <a:p>
             <a:fld id="{F64B101B-5B87-4A49-B942-DEC712B6B7B9}" type="datetimeFigureOut">
               <a:rPr lang="zh-TW" altLang="en-US" smtClean="0"/>
-              <a:t>2020/8/15</a:t>
+              <a:t>2023/11/18</a:t>
             </a:fld>
             <a:endParaRPr lang="zh-TW" altLang="en-US"/>
           </a:p>
@@ -1756,7 +1767,7 @@
           <a:p>
             <a:fld id="{F64B101B-5B87-4A49-B942-DEC712B6B7B9}" type="datetimeFigureOut">
               <a:rPr lang="zh-TW" altLang="en-US" smtClean="0"/>
-              <a:t>2020/8/15</a:t>
+              <a:t>2023/11/18</a:t>
             </a:fld>
             <a:endParaRPr lang="zh-TW" altLang="en-US"/>
           </a:p>
@@ -1869,7 +1880,7 @@
           <a:p>
             <a:fld id="{F64B101B-5B87-4A49-B942-DEC712B6B7B9}" type="datetimeFigureOut">
               <a:rPr lang="zh-TW" altLang="en-US" smtClean="0"/>
-              <a:t>2020/8/15</a:t>
+              <a:t>2023/11/18</a:t>
             </a:fld>
             <a:endParaRPr lang="zh-TW" altLang="en-US"/>
           </a:p>
@@ -1959,7 +1970,7 @@
           <a:p>
             <a:fld id="{F64B101B-5B87-4A49-B942-DEC712B6B7B9}" type="datetimeFigureOut">
               <a:rPr lang="zh-TW" altLang="en-US" smtClean="0"/>
-              <a:t>2020/8/15</a:t>
+              <a:t>2023/11/18</a:t>
             </a:fld>
             <a:endParaRPr lang="zh-TW" altLang="en-US"/>
           </a:p>
@@ -2231,7 +2242,7 @@
           <a:p>
             <a:fld id="{F64B101B-5B87-4A49-B942-DEC712B6B7B9}" type="datetimeFigureOut">
               <a:rPr lang="zh-TW" altLang="en-US" smtClean="0"/>
-              <a:t>2020/8/15</a:t>
+              <a:t>2023/11/18</a:t>
             </a:fld>
             <a:endParaRPr lang="zh-TW" altLang="en-US"/>
           </a:p>
@@ -2483,7 +2494,7 @@
           <a:p>
             <a:fld id="{F64B101B-5B87-4A49-B942-DEC712B6B7B9}" type="datetimeFigureOut">
               <a:rPr lang="zh-TW" altLang="en-US" smtClean="0"/>
-              <a:t>2020/8/15</a:t>
+              <a:t>2023/11/18</a:t>
             </a:fld>
             <a:endParaRPr lang="zh-TW" altLang="en-US"/>
           </a:p>
@@ -2696,7 +2707,7 @@
           <a:p>
             <a:fld id="{F64B101B-5B87-4A49-B942-DEC712B6B7B9}" type="datetimeFigureOut">
               <a:rPr lang="zh-TW" altLang="en-US" smtClean="0"/>
-              <a:t>2020/8/15</a:t>
+              <a:t>2023/11/18</a:t>
             </a:fld>
             <a:endParaRPr lang="zh-TW" altLang="en-US"/>
           </a:p>
@@ -3076,34 +3087,121 @@
             <p:ph type="title"/>
           </p:nvPr>
         </p:nvSpPr>
-        <p:spPr/>
+        <p:spPr>
+          <a:xfrm>
+            <a:off x="0" y="2660915"/>
+            <a:ext cx="12192000" cy="1143000"/>
+          </a:xfrm>
+        </p:spPr>
         <p:txBody>
           <a:bodyPr>
+            <a:noAutofit/>
+          </a:bodyPr>
+          <a:lstStyle/>
+          <a:p>
+            <a:r>
+              <a:rPr lang="zh-TW" altLang="en-US" sz="7200" b="1" i="1" dirty="0">
+                <a:solidFill>
+                  <a:srgbClr val="000066"/>
+                </a:solidFill>
+                <a:effectLst>
+                  <a:outerShdw blurRad="38100" dist="38100" dir="2700000" algn="tl">
+                    <a:srgbClr val="000000">
+                      <a:alpha val="43137"/>
+                    </a:srgbClr>
+                  </a:outerShdw>
+                </a:effectLst>
+                <a:latin typeface="微軟正黑體" pitchFamily="34" charset="-120"/>
+                <a:ea typeface="微軟正黑體" pitchFamily="34" charset="-120"/>
+              </a:rPr>
+              <a:t>我</a:t>
+            </a:r>
+            <a:r>
+              <a:rPr lang="zh-TW" altLang="en-US" sz="7200" b="1" i="1" dirty="0">
+                <a:solidFill>
+                  <a:srgbClr val="000066"/>
+                </a:solidFill>
+                <a:effectLst>
+                  <a:outerShdw blurRad="38100" dist="38100" dir="2700000" algn="tl">
+                    <a:srgbClr val="000000">
+                      <a:alpha val="43137"/>
+                    </a:srgbClr>
+                  </a:outerShdw>
+                </a:effectLst>
+                <a:latin typeface="微軟正黑體" pitchFamily="34" charset="-120"/>
+                <a:ea typeface="微軟正黑體" pitchFamily="34" charset="-120"/>
+              </a:rPr>
+              <a:t>們獻上</a:t>
+            </a:r>
+          </a:p>
+        </p:txBody>
+      </p:sp>
+    </p:spTree>
+    <p:extLst>
+      <p:ext uri="{BB962C8B-B14F-4D97-AF65-F5344CB8AC3E}">
+        <p14:creationId xmlns:p14="http://schemas.microsoft.com/office/powerpoint/2010/main" val="802629273"/>
+      </p:ext>
+    </p:extLst>
+  </p:cSld>
+  <p:clrMapOvr>
+    <a:masterClrMapping/>
+  </p:clrMapOvr>
+</p:sld>
+</file>
+
+<file path=ppt/slides/slide10.xml><?xml version="1.0" encoding="utf-8"?>
+<p:sld xmlns:a="http://schemas.openxmlformats.org/drawingml/2006/main" xmlns:r="http://schemas.openxmlformats.org/officeDocument/2006/relationships" xmlns:p="http://schemas.openxmlformats.org/presentationml/2006/main">
+  <p:cSld>
+    <p:spTree>
+      <p:nvGrpSpPr>
+        <p:cNvPr id="1" name=""/>
+        <p:cNvGrpSpPr/>
+        <p:nvPr/>
+      </p:nvGrpSpPr>
+      <p:grpSpPr>
+        <a:xfrm>
+          <a:off x="0" y="0"/>
+          <a:ext cx="0" cy="0"/>
+          <a:chOff x="0" y="0"/>
+          <a:chExt cx="0" cy="0"/>
+        </a:xfrm>
+      </p:grpSpPr>
+      <p:sp>
+        <p:nvSpPr>
+          <p:cNvPr id="5" name="內容版面配置區 4"/>
+          <p:cNvSpPr>
+            <a:spLocks noGrp="1"/>
+          </p:cNvSpPr>
+          <p:nvPr>
+            <p:ph idx="1"/>
+          </p:nvPr>
+        </p:nvSpPr>
+        <p:spPr>
+          <a:xfrm>
+            <a:off x="0" y="2084851"/>
+            <a:ext cx="12192000" cy="2404863"/>
+          </a:xfrm>
+        </p:spPr>
+        <p:txBody>
+          <a:bodyPr anchor="ctr">
             <a:normAutofit/>
           </a:bodyPr>
           <a:lstStyle/>
           <a:p>
-            <a:r>
-              <a:rPr lang="zh-TW" altLang="en-US" b="1" dirty="0">
+            <a:pPr algn="ctr">
+              <a:buNone/>
+            </a:pPr>
+            <a:r>
+              <a:rPr lang="zh-TW" altLang="en-US" sz="6400" b="1" dirty="0">
                 <a:solidFill>
                   <a:srgbClr val="000066"/>
                 </a:solidFill>
                 <a:latin typeface="微軟正黑體" pitchFamily="34" charset="-120"/>
                 <a:ea typeface="微軟正黑體" pitchFamily="34" charset="-120"/>
               </a:rPr>
-              <a:t>我們獻</a:t>
-            </a:r>
-            <a:r>
-              <a:rPr lang="zh-TW" altLang="en-US" b="1" dirty="0" smtClean="0">
-                <a:solidFill>
-                  <a:srgbClr val="000066"/>
-                </a:solidFill>
-                <a:latin typeface="微軟正黑體" pitchFamily="34" charset="-120"/>
-                <a:ea typeface="微軟正黑體" pitchFamily="34" charset="-120"/>
-              </a:rPr>
-              <a:t>上</a:t>
-            </a:r>
-            <a:endParaRPr lang="zh-TW" altLang="en-US" b="1" dirty="0">
+              <a:t>我們獻上全心的讚美</a:t>
+            </a:r>
+            <a:endParaRPr lang="en-US" altLang="zh-TW" sz="6400" b="1" dirty="0">
               <a:solidFill>
                 <a:srgbClr val="000066"/>
               </a:solidFill>
@@ -3111,64 +3209,21 @@
               <a:ea typeface="微軟正黑體" pitchFamily="34" charset="-120"/>
             </a:endParaRPr>
           </a:p>
-        </p:txBody>
-      </p:sp>
-      <p:sp>
-        <p:nvSpPr>
-          <p:cNvPr id="5" name="內容版面配置區 4"/>
-          <p:cNvSpPr>
-            <a:spLocks noGrp="1"/>
-          </p:cNvSpPr>
-          <p:nvPr>
-            <p:ph idx="1"/>
-          </p:nvPr>
-        </p:nvSpPr>
-        <p:spPr>
-          <a:xfrm>
-            <a:off x="1524000" y="1600201"/>
-            <a:ext cx="9144000" cy="4525963"/>
-          </a:xfrm>
-        </p:spPr>
-        <p:txBody>
-          <a:bodyPr>
-            <a:noAutofit/>
-          </a:bodyPr>
-          <a:lstStyle/>
           <a:p>
             <a:pPr algn="ctr">
               <a:buNone/>
             </a:pPr>
             <a:r>
-              <a:rPr lang="zh-TW" altLang="en-US" sz="5400" b="1" dirty="0">
+              <a:rPr lang="zh-TW" altLang="en-US" sz="6400" b="1" dirty="0">
                 <a:solidFill>
                   <a:srgbClr val="000066"/>
                 </a:solidFill>
                 <a:latin typeface="微軟正黑體" pitchFamily="34" charset="-120"/>
                 <a:ea typeface="微軟正黑體" pitchFamily="34" charset="-120"/>
               </a:rPr>
-              <a:t>在祢的寶座前 </a:t>
-            </a:r>
-            <a:r>
-              <a:rPr lang="zh-TW" altLang="en-US" sz="5400" b="1" dirty="0" smtClean="0">
-                <a:solidFill>
-                  <a:srgbClr val="000066"/>
-                </a:solidFill>
-                <a:latin typeface="微軟正黑體" pitchFamily="34" charset="-120"/>
-                <a:ea typeface="微軟正黑體" pitchFamily="34" charset="-120"/>
-              </a:rPr>
-              <a:t> 天</a:t>
-            </a:r>
-            <a:r>
-              <a:rPr lang="zh-TW" altLang="en-US" sz="5400" b="1" dirty="0">
-                <a:solidFill>
-                  <a:srgbClr val="000066"/>
-                </a:solidFill>
-                <a:latin typeface="微軟正黑體" pitchFamily="34" charset="-120"/>
-                <a:ea typeface="微軟正黑體" pitchFamily="34" charset="-120"/>
-              </a:rPr>
-              <a:t>使聚集讚美</a:t>
-            </a:r>
-            <a:endParaRPr lang="en-US" altLang="zh-TW" sz="5400" b="1" dirty="0">
+              <a:t>歸於至高全能大君王</a:t>
+            </a:r>
+            <a:endParaRPr lang="en-US" altLang="zh-TW" sz="6400" b="1" dirty="0">
               <a:solidFill>
                 <a:srgbClr val="000066"/>
               </a:solidFill>
@@ -3176,41 +3231,136 @@
               <a:ea typeface="微軟正黑體" pitchFamily="34" charset="-120"/>
             </a:endParaRPr>
           </a:p>
+        </p:txBody>
+      </p:sp>
+      <p:sp>
+        <p:nvSpPr>
+          <p:cNvPr id="3" name="TextBox 2"/>
+          <p:cNvSpPr txBox="1"/>
+          <p:nvPr/>
+        </p:nvSpPr>
+        <p:spPr>
+          <a:xfrm>
+            <a:off x="0" y="5157192"/>
+            <a:ext cx="12192000" cy="666786"/>
+          </a:xfrm>
+          <a:prstGeom prst="rect">
+            <a:avLst/>
+          </a:prstGeom>
+          <a:noFill/>
+        </p:spPr>
+        <p:txBody>
+          <a:bodyPr wrap="square" rtlCol="0">
+            <a:spAutoFit/>
+          </a:bodyPr>
+          <a:lstStyle/>
+          <a:p>
+            <a:pPr algn="ctr"/>
+            <a:r>
+              <a:rPr lang="en-US" sz="3733" b="1" dirty="0">
+                <a:solidFill>
+                  <a:srgbClr val="000066"/>
+                </a:solidFill>
+                <a:latin typeface="Microsoft JhengHei" panose="020B0604030504040204" pitchFamily="34" charset="-120"/>
+                <a:ea typeface="Microsoft JhengHei" panose="020B0604030504040204" pitchFamily="34" charset="-120"/>
+              </a:rPr>
+              <a:t>( </a:t>
+            </a:r>
+            <a:r>
+              <a:rPr lang="zh-CN" altLang="en-US" sz="3733" b="1" dirty="0">
+                <a:solidFill>
+                  <a:srgbClr val="000066"/>
+                </a:solidFill>
+                <a:latin typeface="Microsoft JhengHei" panose="020B0604030504040204" pitchFamily="34" charset="-120"/>
+                <a:ea typeface="Microsoft JhengHei" panose="020B0604030504040204" pitchFamily="34" charset="-120"/>
+              </a:rPr>
+              <a:t>副歌</a:t>
+            </a:r>
+            <a:r>
+              <a:rPr lang="en-US" sz="3733" b="1" dirty="0">
+                <a:solidFill>
+                  <a:srgbClr val="000066"/>
+                </a:solidFill>
+                <a:latin typeface="Microsoft JhengHei" panose="020B0604030504040204" pitchFamily="34" charset="-120"/>
+                <a:ea typeface="Microsoft JhengHei" panose="020B0604030504040204" pitchFamily="34" charset="-120"/>
+              </a:rPr>
+              <a:t> )</a:t>
+            </a:r>
+            <a:endParaRPr lang="vi-VN" sz="3733" b="1" dirty="0">
+              <a:solidFill>
+                <a:srgbClr val="000066"/>
+              </a:solidFill>
+              <a:ea typeface="Microsoft JhengHei" panose="020B0604030504040204" pitchFamily="34" charset="-120"/>
+            </a:endParaRPr>
+          </a:p>
+        </p:txBody>
+      </p:sp>
+    </p:spTree>
+    <p:extLst>
+      <p:ext uri="{BB962C8B-B14F-4D97-AF65-F5344CB8AC3E}">
+        <p14:creationId xmlns:p14="http://schemas.microsoft.com/office/powerpoint/2010/main" val="3206698189"/>
+      </p:ext>
+    </p:extLst>
+  </p:cSld>
+  <p:clrMapOvr>
+    <a:masterClrMapping/>
+  </p:clrMapOvr>
+</p:sld>
+</file>
+
+<file path=ppt/slides/slide11.xml><?xml version="1.0" encoding="utf-8"?>
+<p:sld xmlns:a="http://schemas.openxmlformats.org/drawingml/2006/main" xmlns:r="http://schemas.openxmlformats.org/officeDocument/2006/relationships" xmlns:p="http://schemas.openxmlformats.org/presentationml/2006/main">
+  <p:cSld>
+    <p:spTree>
+      <p:nvGrpSpPr>
+        <p:cNvPr id="1" name=""/>
+        <p:cNvGrpSpPr/>
+        <p:nvPr/>
+      </p:nvGrpSpPr>
+      <p:grpSpPr>
+        <a:xfrm>
+          <a:off x="0" y="0"/>
+          <a:ext cx="0" cy="0"/>
+          <a:chOff x="0" y="0"/>
+          <a:chExt cx="0" cy="0"/>
+        </a:xfrm>
+      </p:grpSpPr>
+      <p:sp>
+        <p:nvSpPr>
+          <p:cNvPr id="5" name="內容版面配置區 4"/>
+          <p:cNvSpPr>
+            <a:spLocks noGrp="1"/>
+          </p:cNvSpPr>
+          <p:nvPr>
+            <p:ph idx="1"/>
+          </p:nvPr>
+        </p:nvSpPr>
+        <p:spPr>
+          <a:xfrm>
+            <a:off x="0" y="2084851"/>
+            <a:ext cx="12192000" cy="2404863"/>
+          </a:xfrm>
+        </p:spPr>
+        <p:txBody>
+          <a:bodyPr anchor="ctr">
+            <a:normAutofit/>
+          </a:bodyPr>
+          <a:lstStyle/>
           <a:p>
             <a:pPr algn="ctr">
               <a:buNone/>
             </a:pPr>
             <a:r>
-              <a:rPr lang="zh-TW" altLang="en-US" sz="5400" b="1" dirty="0">
+              <a:rPr lang="zh-TW" altLang="en-US" sz="6400" b="1" dirty="0">
                 <a:solidFill>
                   <a:srgbClr val="000066"/>
                 </a:solidFill>
                 <a:latin typeface="微軟正黑體" pitchFamily="34" charset="-120"/>
                 <a:ea typeface="微軟正黑體" pitchFamily="34" charset="-120"/>
               </a:rPr>
-              <a:t>榮耀 </a:t>
-            </a:r>
-            <a:r>
-              <a:rPr lang="zh-TW" altLang="en-US" sz="5400" b="1" dirty="0" smtClean="0">
-                <a:solidFill>
-                  <a:srgbClr val="000066"/>
-                </a:solidFill>
-                <a:latin typeface="微軟正黑體" pitchFamily="34" charset="-120"/>
-                <a:ea typeface="微軟正黑體" pitchFamily="34" charset="-120"/>
-              </a:rPr>
-              <a:t> 永</a:t>
-            </a:r>
-            <a:r>
-              <a:rPr lang="zh-TW" altLang="en-US" sz="5400" b="1" dirty="0">
-                <a:solidFill>
-                  <a:srgbClr val="000066"/>
-                </a:solidFill>
-                <a:latin typeface="微軟正黑體" pitchFamily="34" charset="-120"/>
-                <a:ea typeface="微軟正黑體" pitchFamily="34" charset="-120"/>
-              </a:rPr>
-              <a:t>遠屬於祢</a:t>
-            </a:r>
-            <a:endParaRPr lang="en-US" altLang="zh-TW" sz="5400" b="1" dirty="0">
+              <a:t>我們的聲音  述說祢的榮耀</a:t>
+            </a:r>
+            <a:endParaRPr lang="en-US" altLang="zh-TW" sz="6400" b="1" dirty="0">
               <a:solidFill>
                 <a:srgbClr val="000066"/>
               </a:solidFill>
@@ -3223,36 +3373,16 @@
               <a:buNone/>
             </a:pPr>
             <a:r>
-              <a:rPr lang="zh-TW" altLang="en-US" sz="5400" b="1" dirty="0">
+              <a:rPr lang="zh-TW" altLang="en-US" sz="6400" b="1" dirty="0">
                 <a:solidFill>
                   <a:srgbClr val="000066"/>
                 </a:solidFill>
                 <a:latin typeface="微軟正黑體" pitchFamily="34" charset="-120"/>
                 <a:ea typeface="微軟正黑體" pitchFamily="34" charset="-120"/>
               </a:rPr>
-              <a:t>萬國萬口萬邦 </a:t>
-            </a:r>
-            <a:r>
-              <a:rPr lang="zh-TW" altLang="en-US" sz="5400" b="1" dirty="0" smtClean="0">
-                <a:solidFill>
-                  <a:srgbClr val="000066"/>
-                </a:solidFill>
-                <a:latin typeface="微軟正黑體" pitchFamily="34" charset="-120"/>
-                <a:ea typeface="微軟正黑體" pitchFamily="34" charset="-120"/>
-              </a:rPr>
-              <a:t> 穿</a:t>
-            </a:r>
-            <a:r>
-              <a:rPr lang="zh-TW" altLang="en-US" sz="5400" b="1" dirty="0">
-                <a:solidFill>
-                  <a:srgbClr val="000066"/>
-                </a:solidFill>
-                <a:latin typeface="微軟正黑體" pitchFamily="34" charset="-120"/>
-                <a:ea typeface="微軟正黑體" pitchFamily="34" charset="-120"/>
-              </a:rPr>
-              <a:t>著潔白衣裳</a:t>
-            </a:r>
-            <a:endParaRPr lang="en-US" altLang="zh-TW" sz="5400" b="1" dirty="0">
+              <a:t>祢的慈愛  直到永遠</a:t>
+            </a:r>
+            <a:endParaRPr lang="zh-TW" altLang="en-US" sz="6400" b="1" dirty="0">
               <a:solidFill>
                 <a:srgbClr val="000066"/>
               </a:solidFill>
@@ -3260,41 +3390,136 @@
               <a:ea typeface="微軟正黑體" pitchFamily="34" charset="-120"/>
             </a:endParaRPr>
           </a:p>
+        </p:txBody>
+      </p:sp>
+      <p:sp>
+        <p:nvSpPr>
+          <p:cNvPr id="3" name="TextBox 2"/>
+          <p:cNvSpPr txBox="1"/>
+          <p:nvPr/>
+        </p:nvSpPr>
+        <p:spPr>
+          <a:xfrm>
+            <a:off x="0" y="5157192"/>
+            <a:ext cx="12192000" cy="666786"/>
+          </a:xfrm>
+          <a:prstGeom prst="rect">
+            <a:avLst/>
+          </a:prstGeom>
+          <a:noFill/>
+        </p:spPr>
+        <p:txBody>
+          <a:bodyPr wrap="square" rtlCol="0">
+            <a:spAutoFit/>
+          </a:bodyPr>
+          <a:lstStyle/>
+          <a:p>
+            <a:pPr algn="ctr"/>
+            <a:r>
+              <a:rPr lang="en-US" sz="3733" b="1" dirty="0">
+                <a:solidFill>
+                  <a:srgbClr val="000066"/>
+                </a:solidFill>
+                <a:latin typeface="Microsoft JhengHei" panose="020B0604030504040204" pitchFamily="34" charset="-120"/>
+                <a:ea typeface="Microsoft JhengHei" panose="020B0604030504040204" pitchFamily="34" charset="-120"/>
+              </a:rPr>
+              <a:t>( </a:t>
+            </a:r>
+            <a:r>
+              <a:rPr lang="zh-CN" altLang="en-US" sz="3733" b="1" dirty="0">
+                <a:solidFill>
+                  <a:srgbClr val="000066"/>
+                </a:solidFill>
+                <a:latin typeface="Microsoft JhengHei" panose="020B0604030504040204" pitchFamily="34" charset="-120"/>
+                <a:ea typeface="Microsoft JhengHei" panose="020B0604030504040204" pitchFamily="34" charset="-120"/>
+              </a:rPr>
+              <a:t>副歌</a:t>
+            </a:r>
+            <a:r>
+              <a:rPr lang="en-US" sz="3733" b="1" dirty="0">
+                <a:solidFill>
+                  <a:srgbClr val="000066"/>
+                </a:solidFill>
+                <a:latin typeface="Microsoft JhengHei" panose="020B0604030504040204" pitchFamily="34" charset="-120"/>
+                <a:ea typeface="Microsoft JhengHei" panose="020B0604030504040204" pitchFamily="34" charset="-120"/>
+              </a:rPr>
+              <a:t> )</a:t>
+            </a:r>
+            <a:endParaRPr lang="vi-VN" sz="3733" b="1" dirty="0">
+              <a:solidFill>
+                <a:srgbClr val="000066"/>
+              </a:solidFill>
+              <a:ea typeface="Microsoft JhengHei" panose="020B0604030504040204" pitchFamily="34" charset="-120"/>
+            </a:endParaRPr>
+          </a:p>
+        </p:txBody>
+      </p:sp>
+    </p:spTree>
+    <p:extLst>
+      <p:ext uri="{BB962C8B-B14F-4D97-AF65-F5344CB8AC3E}">
+        <p14:creationId xmlns:p14="http://schemas.microsoft.com/office/powerpoint/2010/main" val="2937387270"/>
+      </p:ext>
+    </p:extLst>
+  </p:cSld>
+  <p:clrMapOvr>
+    <a:masterClrMapping/>
+  </p:clrMapOvr>
+</p:sld>
+</file>
+
+<file path=ppt/slides/slide12.xml><?xml version="1.0" encoding="utf-8"?>
+<p:sld xmlns:a="http://schemas.openxmlformats.org/drawingml/2006/main" xmlns:r="http://schemas.openxmlformats.org/officeDocument/2006/relationships" xmlns:p="http://schemas.openxmlformats.org/presentationml/2006/main">
+  <p:cSld>
+    <p:spTree>
+      <p:nvGrpSpPr>
+        <p:cNvPr id="1" name=""/>
+        <p:cNvGrpSpPr/>
+        <p:nvPr/>
+      </p:nvGrpSpPr>
+      <p:grpSpPr>
+        <a:xfrm>
+          <a:off x="0" y="0"/>
+          <a:ext cx="0" cy="0"/>
+          <a:chOff x="0" y="0"/>
+          <a:chExt cx="0" cy="0"/>
+        </a:xfrm>
+      </p:grpSpPr>
+      <p:sp>
+        <p:nvSpPr>
+          <p:cNvPr id="5" name="內容版面配置區 4"/>
+          <p:cNvSpPr>
+            <a:spLocks noGrp="1"/>
+          </p:cNvSpPr>
+          <p:nvPr>
+            <p:ph idx="1"/>
+          </p:nvPr>
+        </p:nvSpPr>
+        <p:spPr>
+          <a:xfrm>
+            <a:off x="0" y="2084851"/>
+            <a:ext cx="12192000" cy="2404863"/>
+          </a:xfrm>
+        </p:spPr>
+        <p:txBody>
+          <a:bodyPr anchor="ctr">
+            <a:normAutofit/>
+          </a:bodyPr>
+          <a:lstStyle/>
           <a:p>
             <a:pPr algn="ctr">
               <a:buNone/>
             </a:pPr>
             <a:r>
-              <a:rPr lang="zh-TW" altLang="en-US" sz="5400" b="1" dirty="0">
+              <a:rPr lang="zh-TW" altLang="en-US" sz="6400" b="1" dirty="0">
                 <a:solidFill>
                   <a:srgbClr val="000066"/>
                 </a:solidFill>
                 <a:latin typeface="微軟正黑體" pitchFamily="34" charset="-120"/>
                 <a:ea typeface="微軟正黑體" pitchFamily="34" charset="-120"/>
               </a:rPr>
-              <a:t>我們前</a:t>
-            </a:r>
-            <a:r>
-              <a:rPr lang="zh-TW" altLang="en-US" sz="5400" b="1" dirty="0" smtClean="0">
-                <a:solidFill>
-                  <a:srgbClr val="000066"/>
-                </a:solidFill>
-                <a:latin typeface="微軟正黑體" pitchFamily="34" charset="-120"/>
-                <a:ea typeface="微軟正黑體" pitchFamily="34" charset="-120"/>
-              </a:rPr>
-              <a:t>來  </a:t>
-            </a:r>
-            <a:r>
-              <a:rPr lang="zh-TW" altLang="en-US" sz="5400" b="1" dirty="0">
-                <a:solidFill>
-                  <a:srgbClr val="000066"/>
-                </a:solidFill>
-                <a:latin typeface="微軟正黑體" pitchFamily="34" charset="-120"/>
-                <a:ea typeface="微軟正黑體" pitchFamily="34" charset="-120"/>
-              </a:rPr>
-              <a:t>向主歌唱</a:t>
-            </a:r>
-            <a:endParaRPr lang="zh-TW" altLang="en-US" sz="5400" b="1" dirty="0">
+              <a:t>我們獻上生命的敬拜</a:t>
+            </a:r>
+            <a:endParaRPr lang="en-US" altLang="zh-TW" sz="6400" b="1" dirty="0">
               <a:solidFill>
                 <a:srgbClr val="000066"/>
               </a:solidFill>
@@ -3302,9 +3527,1052 @@
               <a:ea typeface="微軟正黑體" pitchFamily="34" charset="-120"/>
             </a:endParaRPr>
           </a:p>
+          <a:p>
+            <a:pPr algn="ctr">
+              <a:buNone/>
+            </a:pPr>
+            <a:r>
+              <a:rPr lang="zh-TW" altLang="en-US" sz="6400" b="1" dirty="0">
+                <a:solidFill>
+                  <a:srgbClr val="000066"/>
+                </a:solidFill>
+                <a:latin typeface="微軟正黑體" pitchFamily="34" charset="-120"/>
+                <a:ea typeface="微軟正黑體" pitchFamily="34" charset="-120"/>
+              </a:rPr>
+              <a:t>渴慕能夠更多親近祢</a:t>
+            </a:r>
+            <a:endParaRPr lang="en-US" altLang="zh-TW" sz="6400" b="1" dirty="0">
+              <a:solidFill>
+                <a:srgbClr val="000066"/>
+              </a:solidFill>
+              <a:latin typeface="微軟正黑體" pitchFamily="34" charset="-120"/>
+              <a:ea typeface="微軟正黑體" pitchFamily="34" charset="-120"/>
+            </a:endParaRPr>
+          </a:p>
+        </p:txBody>
+      </p:sp>
+      <p:sp>
+        <p:nvSpPr>
+          <p:cNvPr id="3" name="TextBox 2"/>
+          <p:cNvSpPr txBox="1"/>
+          <p:nvPr/>
+        </p:nvSpPr>
+        <p:spPr>
+          <a:xfrm>
+            <a:off x="0" y="5157192"/>
+            <a:ext cx="12192000" cy="666786"/>
+          </a:xfrm>
+          <a:prstGeom prst="rect">
+            <a:avLst/>
+          </a:prstGeom>
+          <a:noFill/>
+        </p:spPr>
+        <p:txBody>
+          <a:bodyPr wrap="square" rtlCol="0">
+            <a:spAutoFit/>
+          </a:bodyPr>
+          <a:lstStyle/>
+          <a:p>
+            <a:pPr algn="ctr"/>
+            <a:r>
+              <a:rPr lang="en-US" sz="3733" b="1" dirty="0">
+                <a:solidFill>
+                  <a:srgbClr val="000066"/>
+                </a:solidFill>
+                <a:latin typeface="Microsoft JhengHei" panose="020B0604030504040204" pitchFamily="34" charset="-120"/>
+                <a:ea typeface="Microsoft JhengHei" panose="020B0604030504040204" pitchFamily="34" charset="-120"/>
+              </a:rPr>
+              <a:t>( </a:t>
+            </a:r>
+            <a:r>
+              <a:rPr lang="zh-CN" altLang="en-US" sz="3733" b="1" dirty="0">
+                <a:solidFill>
+                  <a:srgbClr val="000066"/>
+                </a:solidFill>
+                <a:latin typeface="Microsoft JhengHei" panose="020B0604030504040204" pitchFamily="34" charset="-120"/>
+                <a:ea typeface="Microsoft JhengHei" panose="020B0604030504040204" pitchFamily="34" charset="-120"/>
+              </a:rPr>
+              <a:t>副歌</a:t>
+            </a:r>
+            <a:r>
+              <a:rPr lang="en-US" sz="3733" b="1" dirty="0">
+                <a:solidFill>
+                  <a:srgbClr val="000066"/>
+                </a:solidFill>
+                <a:latin typeface="Microsoft JhengHei" panose="020B0604030504040204" pitchFamily="34" charset="-120"/>
+                <a:ea typeface="Microsoft JhengHei" panose="020B0604030504040204" pitchFamily="34" charset="-120"/>
+              </a:rPr>
+              <a:t> )</a:t>
+            </a:r>
+            <a:endParaRPr lang="vi-VN" sz="3733" b="1" dirty="0">
+              <a:solidFill>
+                <a:srgbClr val="000066"/>
+              </a:solidFill>
+              <a:ea typeface="Microsoft JhengHei" panose="020B0604030504040204" pitchFamily="34" charset="-120"/>
+            </a:endParaRPr>
+          </a:p>
         </p:txBody>
       </p:sp>
     </p:spTree>
+    <p:extLst>
+      <p:ext uri="{BB962C8B-B14F-4D97-AF65-F5344CB8AC3E}">
+        <p14:creationId xmlns:p14="http://schemas.microsoft.com/office/powerpoint/2010/main" val="3230738001"/>
+      </p:ext>
+    </p:extLst>
+  </p:cSld>
+  <p:clrMapOvr>
+    <a:masterClrMapping/>
+  </p:clrMapOvr>
+</p:sld>
+</file>
+
+<file path=ppt/slides/slide13.xml><?xml version="1.0" encoding="utf-8"?>
+<p:sld xmlns:a="http://schemas.openxmlformats.org/drawingml/2006/main" xmlns:r="http://schemas.openxmlformats.org/officeDocument/2006/relationships" xmlns:p="http://schemas.openxmlformats.org/presentationml/2006/main">
+  <p:cSld>
+    <p:spTree>
+      <p:nvGrpSpPr>
+        <p:cNvPr id="1" name=""/>
+        <p:cNvGrpSpPr/>
+        <p:nvPr/>
+      </p:nvGrpSpPr>
+      <p:grpSpPr>
+        <a:xfrm>
+          <a:off x="0" y="0"/>
+          <a:ext cx="0" cy="0"/>
+          <a:chOff x="0" y="0"/>
+          <a:chExt cx="0" cy="0"/>
+        </a:xfrm>
+      </p:grpSpPr>
+      <p:sp>
+        <p:nvSpPr>
+          <p:cNvPr id="5" name="內容版面配置區 4"/>
+          <p:cNvSpPr>
+            <a:spLocks noGrp="1"/>
+          </p:cNvSpPr>
+          <p:nvPr>
+            <p:ph idx="1"/>
+          </p:nvPr>
+        </p:nvSpPr>
+        <p:spPr>
+          <a:xfrm>
+            <a:off x="0" y="2084851"/>
+            <a:ext cx="12192000" cy="2404863"/>
+          </a:xfrm>
+        </p:spPr>
+        <p:txBody>
+          <a:bodyPr anchor="ctr">
+            <a:normAutofit/>
+          </a:bodyPr>
+          <a:lstStyle/>
+          <a:p>
+            <a:pPr algn="ctr">
+              <a:buNone/>
+            </a:pPr>
+            <a:r>
+              <a:rPr lang="zh-TW" altLang="en-US" sz="6400" b="1" dirty="0">
+                <a:solidFill>
+                  <a:srgbClr val="000066"/>
+                </a:solidFill>
+                <a:latin typeface="微軟正黑體" pitchFamily="34" charset="-120"/>
+                <a:ea typeface="微軟正黑體" pitchFamily="34" charset="-120"/>
+              </a:rPr>
+              <a:t>蒙恩的兒女  歌頌祢的美好</a:t>
+            </a:r>
+            <a:endParaRPr lang="en-US" altLang="zh-TW" sz="6400" b="1" dirty="0">
+              <a:solidFill>
+                <a:srgbClr val="000066"/>
+              </a:solidFill>
+              <a:latin typeface="微軟正黑體" pitchFamily="34" charset="-120"/>
+              <a:ea typeface="微軟正黑體" pitchFamily="34" charset="-120"/>
+            </a:endParaRPr>
+          </a:p>
+          <a:p>
+            <a:pPr algn="ctr">
+              <a:buNone/>
+            </a:pPr>
+            <a:r>
+              <a:rPr lang="zh-TW" altLang="en-US" sz="6400" b="1" dirty="0">
+                <a:solidFill>
+                  <a:srgbClr val="000066"/>
+                </a:solidFill>
+                <a:latin typeface="微軟正黑體" pitchFamily="34" charset="-120"/>
+                <a:ea typeface="微軟正黑體" pitchFamily="34" charset="-120"/>
+              </a:rPr>
+              <a:t>歡迎祢的國度降臨</a:t>
+            </a:r>
+            <a:endParaRPr lang="zh-TW" altLang="en-US" sz="6400" b="1" dirty="0">
+              <a:solidFill>
+                <a:srgbClr val="000066"/>
+              </a:solidFill>
+              <a:latin typeface="微軟正黑體" pitchFamily="34" charset="-120"/>
+              <a:ea typeface="微軟正黑體" pitchFamily="34" charset="-120"/>
+            </a:endParaRPr>
+          </a:p>
+        </p:txBody>
+      </p:sp>
+      <p:sp>
+        <p:nvSpPr>
+          <p:cNvPr id="3" name="TextBox 2"/>
+          <p:cNvSpPr txBox="1"/>
+          <p:nvPr/>
+        </p:nvSpPr>
+        <p:spPr>
+          <a:xfrm>
+            <a:off x="0" y="5157192"/>
+            <a:ext cx="12192000" cy="666786"/>
+          </a:xfrm>
+          <a:prstGeom prst="rect">
+            <a:avLst/>
+          </a:prstGeom>
+          <a:noFill/>
+        </p:spPr>
+        <p:txBody>
+          <a:bodyPr wrap="square" rtlCol="0">
+            <a:spAutoFit/>
+          </a:bodyPr>
+          <a:lstStyle/>
+          <a:p>
+            <a:pPr algn="ctr"/>
+            <a:r>
+              <a:rPr lang="en-US" sz="3733" b="1" dirty="0">
+                <a:solidFill>
+                  <a:srgbClr val="000066"/>
+                </a:solidFill>
+                <a:latin typeface="Microsoft JhengHei" panose="020B0604030504040204" pitchFamily="34" charset="-120"/>
+                <a:ea typeface="Microsoft JhengHei" panose="020B0604030504040204" pitchFamily="34" charset="-120"/>
+              </a:rPr>
+              <a:t>( </a:t>
+            </a:r>
+            <a:r>
+              <a:rPr lang="zh-CN" altLang="en-US" sz="3733" b="1" dirty="0">
+                <a:solidFill>
+                  <a:srgbClr val="000066"/>
+                </a:solidFill>
+                <a:latin typeface="Microsoft JhengHei" panose="020B0604030504040204" pitchFamily="34" charset="-120"/>
+                <a:ea typeface="Microsoft JhengHei" panose="020B0604030504040204" pitchFamily="34" charset="-120"/>
+              </a:rPr>
+              <a:t>副歌</a:t>
+            </a:r>
+            <a:r>
+              <a:rPr lang="en-US" sz="3733" b="1" dirty="0">
+                <a:solidFill>
+                  <a:srgbClr val="000066"/>
+                </a:solidFill>
+                <a:latin typeface="Microsoft JhengHei" panose="020B0604030504040204" pitchFamily="34" charset="-120"/>
+                <a:ea typeface="Microsoft JhengHei" panose="020B0604030504040204" pitchFamily="34" charset="-120"/>
+              </a:rPr>
+              <a:t> )</a:t>
+            </a:r>
+            <a:endParaRPr lang="vi-VN" sz="3733" b="1" dirty="0">
+              <a:solidFill>
+                <a:srgbClr val="000066"/>
+              </a:solidFill>
+              <a:ea typeface="Microsoft JhengHei" panose="020B0604030504040204" pitchFamily="34" charset="-120"/>
+            </a:endParaRPr>
+          </a:p>
+        </p:txBody>
+      </p:sp>
+    </p:spTree>
+    <p:extLst>
+      <p:ext uri="{BB962C8B-B14F-4D97-AF65-F5344CB8AC3E}">
+        <p14:creationId xmlns:p14="http://schemas.microsoft.com/office/powerpoint/2010/main" val="3381648909"/>
+      </p:ext>
+    </p:extLst>
+  </p:cSld>
+  <p:clrMapOvr>
+    <a:masterClrMapping/>
+  </p:clrMapOvr>
+</p:sld>
+</file>
+
+<file path=ppt/slides/slide14.xml><?xml version="1.0" encoding="utf-8"?>
+<p:sld xmlns:a="http://schemas.openxmlformats.org/drawingml/2006/main" xmlns:r="http://schemas.openxmlformats.org/officeDocument/2006/relationships" xmlns:p="http://schemas.openxmlformats.org/presentationml/2006/main">
+  <p:cSld>
+    <p:spTree>
+      <p:nvGrpSpPr>
+        <p:cNvPr id="1" name=""/>
+        <p:cNvGrpSpPr/>
+        <p:nvPr/>
+      </p:nvGrpSpPr>
+      <p:grpSpPr>
+        <a:xfrm>
+          <a:off x="0" y="0"/>
+          <a:ext cx="0" cy="0"/>
+          <a:chOff x="0" y="0"/>
+          <a:chExt cx="0" cy="0"/>
+        </a:xfrm>
+      </p:grpSpPr>
+      <p:sp>
+        <p:nvSpPr>
+          <p:cNvPr id="5" name="內容版面配置區 4"/>
+          <p:cNvSpPr>
+            <a:spLocks noGrp="1"/>
+          </p:cNvSpPr>
+          <p:nvPr>
+            <p:ph idx="1"/>
+          </p:nvPr>
+        </p:nvSpPr>
+        <p:spPr>
+          <a:xfrm>
+            <a:off x="0" y="2084851"/>
+            <a:ext cx="12192000" cy="2404863"/>
+          </a:xfrm>
+        </p:spPr>
+        <p:txBody>
+          <a:bodyPr anchor="ctr">
+            <a:normAutofit/>
+          </a:bodyPr>
+          <a:lstStyle/>
+          <a:p>
+            <a:pPr algn="ctr">
+              <a:buNone/>
+            </a:pPr>
+            <a:r>
+              <a:rPr lang="zh-TW" altLang="en-US" sz="6400" b="1" dirty="0">
+                <a:solidFill>
+                  <a:srgbClr val="000066"/>
+                </a:solidFill>
+                <a:latin typeface="微軟正黑體" pitchFamily="34" charset="-120"/>
+                <a:ea typeface="微軟正黑體" pitchFamily="34" charset="-120"/>
+              </a:rPr>
+              <a:t>哈利路亞  哈利路亞</a:t>
+            </a:r>
+            <a:endParaRPr lang="en-US" altLang="zh-TW" sz="6400" b="1" dirty="0">
+              <a:solidFill>
+                <a:srgbClr val="000066"/>
+              </a:solidFill>
+              <a:latin typeface="微軟正黑體" pitchFamily="34" charset="-120"/>
+              <a:ea typeface="微軟正黑體" pitchFamily="34" charset="-120"/>
+            </a:endParaRPr>
+          </a:p>
+          <a:p>
+            <a:pPr algn="ctr">
+              <a:buNone/>
+            </a:pPr>
+            <a:r>
+              <a:rPr lang="zh-TW" altLang="en-US" sz="6400" b="1" dirty="0">
+                <a:solidFill>
+                  <a:srgbClr val="000066"/>
+                </a:solidFill>
+                <a:latin typeface="微軟正黑體" pitchFamily="34" charset="-120"/>
+                <a:ea typeface="微軟正黑體" pitchFamily="34" charset="-120"/>
+              </a:rPr>
+              <a:t>哈利路亞  榮耀都歸於祢</a:t>
+            </a:r>
+            <a:endParaRPr lang="zh-TW" altLang="en-US" sz="6400" b="1" dirty="0">
+              <a:solidFill>
+                <a:srgbClr val="000066"/>
+              </a:solidFill>
+              <a:latin typeface="微軟正黑體" pitchFamily="34" charset="-120"/>
+              <a:ea typeface="微軟正黑體" pitchFamily="34" charset="-120"/>
+            </a:endParaRPr>
+          </a:p>
+        </p:txBody>
+      </p:sp>
+      <p:sp>
+        <p:nvSpPr>
+          <p:cNvPr id="3" name="TextBox 2"/>
+          <p:cNvSpPr txBox="1"/>
+          <p:nvPr/>
+        </p:nvSpPr>
+        <p:spPr>
+          <a:xfrm>
+            <a:off x="0" y="5157192"/>
+            <a:ext cx="12192000" cy="666786"/>
+          </a:xfrm>
+          <a:prstGeom prst="rect">
+            <a:avLst/>
+          </a:prstGeom>
+          <a:noFill/>
+        </p:spPr>
+        <p:txBody>
+          <a:bodyPr wrap="square" rtlCol="0">
+            <a:spAutoFit/>
+          </a:bodyPr>
+          <a:lstStyle/>
+          <a:p>
+            <a:pPr algn="ctr"/>
+            <a:r>
+              <a:rPr lang="en-US" sz="3733" b="1" dirty="0">
+                <a:solidFill>
+                  <a:srgbClr val="000066"/>
+                </a:solidFill>
+                <a:latin typeface="Microsoft JhengHei" panose="020B0604030504040204" pitchFamily="34" charset="-120"/>
+                <a:ea typeface="Microsoft JhengHei" panose="020B0604030504040204" pitchFamily="34" charset="-120"/>
+              </a:rPr>
+              <a:t>( </a:t>
+            </a:r>
+            <a:r>
+              <a:rPr lang="zh-CN" altLang="en-US" sz="3733" b="1" dirty="0">
+                <a:solidFill>
+                  <a:srgbClr val="000066"/>
+                </a:solidFill>
+                <a:latin typeface="Microsoft JhengHei" panose="020B0604030504040204" pitchFamily="34" charset="-120"/>
+                <a:ea typeface="Microsoft JhengHei" panose="020B0604030504040204" pitchFamily="34" charset="-120"/>
+              </a:rPr>
+              <a:t>橋</a:t>
+            </a:r>
+            <a:r>
+              <a:rPr lang="en-US" sz="3733" b="1" dirty="0">
+                <a:solidFill>
+                  <a:srgbClr val="000066"/>
+                </a:solidFill>
+                <a:latin typeface="Microsoft JhengHei" panose="020B0604030504040204" pitchFamily="34" charset="-120"/>
+                <a:ea typeface="Microsoft JhengHei" panose="020B0604030504040204" pitchFamily="34" charset="-120"/>
+              </a:rPr>
+              <a:t> )</a:t>
+            </a:r>
+            <a:endParaRPr lang="vi-VN" sz="3733" b="1" dirty="0">
+              <a:solidFill>
+                <a:srgbClr val="000066"/>
+              </a:solidFill>
+              <a:ea typeface="Microsoft JhengHei" panose="020B0604030504040204" pitchFamily="34" charset="-120"/>
+            </a:endParaRPr>
+          </a:p>
+        </p:txBody>
+      </p:sp>
+    </p:spTree>
+    <p:extLst>
+      <p:ext uri="{BB962C8B-B14F-4D97-AF65-F5344CB8AC3E}">
+        <p14:creationId xmlns:p14="http://schemas.microsoft.com/office/powerpoint/2010/main" val="1756594308"/>
+      </p:ext>
+    </p:extLst>
+  </p:cSld>
+  <p:clrMapOvr>
+    <a:masterClrMapping/>
+  </p:clrMapOvr>
+</p:sld>
+</file>
+
+<file path=ppt/slides/slide15.xml><?xml version="1.0" encoding="utf-8"?>
+<p:sld xmlns:a="http://schemas.openxmlformats.org/drawingml/2006/main" xmlns:r="http://schemas.openxmlformats.org/officeDocument/2006/relationships" xmlns:p="http://schemas.openxmlformats.org/presentationml/2006/main">
+  <p:cSld>
+    <p:spTree>
+      <p:nvGrpSpPr>
+        <p:cNvPr id="1" name=""/>
+        <p:cNvGrpSpPr/>
+        <p:nvPr/>
+      </p:nvGrpSpPr>
+      <p:grpSpPr>
+        <a:xfrm>
+          <a:off x="0" y="0"/>
+          <a:ext cx="0" cy="0"/>
+          <a:chOff x="0" y="0"/>
+          <a:chExt cx="0" cy="0"/>
+        </a:xfrm>
+      </p:grpSpPr>
+      <p:sp>
+        <p:nvSpPr>
+          <p:cNvPr id="5" name="內容版面配置區 4"/>
+          <p:cNvSpPr>
+            <a:spLocks noGrp="1"/>
+          </p:cNvSpPr>
+          <p:nvPr>
+            <p:ph idx="1"/>
+          </p:nvPr>
+        </p:nvSpPr>
+        <p:spPr>
+          <a:xfrm>
+            <a:off x="0" y="2084851"/>
+            <a:ext cx="12192000" cy="2404863"/>
+          </a:xfrm>
+        </p:spPr>
+        <p:txBody>
+          <a:bodyPr anchor="ctr">
+            <a:normAutofit/>
+          </a:bodyPr>
+          <a:lstStyle/>
+          <a:p>
+            <a:pPr algn="ctr">
+              <a:buNone/>
+            </a:pPr>
+            <a:r>
+              <a:rPr lang="zh-TW" altLang="en-US" sz="6400" b="1" dirty="0">
+                <a:solidFill>
+                  <a:srgbClr val="000066"/>
+                </a:solidFill>
+                <a:latin typeface="微軟正黑體" pitchFamily="34" charset="-120"/>
+                <a:ea typeface="微軟正黑體" pitchFamily="34" charset="-120"/>
+              </a:rPr>
+              <a:t>我們獻上全心的讚美</a:t>
+            </a:r>
+            <a:endParaRPr lang="en-US" altLang="zh-TW" sz="6400" b="1" dirty="0">
+              <a:solidFill>
+                <a:srgbClr val="000066"/>
+              </a:solidFill>
+              <a:latin typeface="微軟正黑體" pitchFamily="34" charset="-120"/>
+              <a:ea typeface="微軟正黑體" pitchFamily="34" charset="-120"/>
+            </a:endParaRPr>
+          </a:p>
+          <a:p>
+            <a:pPr algn="ctr">
+              <a:buNone/>
+            </a:pPr>
+            <a:r>
+              <a:rPr lang="zh-TW" altLang="en-US" sz="6400" b="1" dirty="0">
+                <a:solidFill>
+                  <a:srgbClr val="000066"/>
+                </a:solidFill>
+                <a:latin typeface="微軟正黑體" pitchFamily="34" charset="-120"/>
+                <a:ea typeface="微軟正黑體" pitchFamily="34" charset="-120"/>
+              </a:rPr>
+              <a:t>歸於至高全能大君王</a:t>
+            </a:r>
+            <a:endParaRPr lang="en-US" altLang="zh-TW" sz="6400" b="1" dirty="0">
+              <a:solidFill>
+                <a:srgbClr val="000066"/>
+              </a:solidFill>
+              <a:latin typeface="微軟正黑體" pitchFamily="34" charset="-120"/>
+              <a:ea typeface="微軟正黑體" pitchFamily="34" charset="-120"/>
+            </a:endParaRPr>
+          </a:p>
+        </p:txBody>
+      </p:sp>
+      <p:sp>
+        <p:nvSpPr>
+          <p:cNvPr id="3" name="TextBox 2"/>
+          <p:cNvSpPr txBox="1"/>
+          <p:nvPr/>
+        </p:nvSpPr>
+        <p:spPr>
+          <a:xfrm>
+            <a:off x="0" y="5157192"/>
+            <a:ext cx="12192000" cy="666786"/>
+          </a:xfrm>
+          <a:prstGeom prst="rect">
+            <a:avLst/>
+          </a:prstGeom>
+          <a:noFill/>
+        </p:spPr>
+        <p:txBody>
+          <a:bodyPr wrap="square" rtlCol="0">
+            <a:spAutoFit/>
+          </a:bodyPr>
+          <a:lstStyle/>
+          <a:p>
+            <a:pPr algn="ctr"/>
+            <a:r>
+              <a:rPr lang="en-US" sz="3733" b="1" dirty="0">
+                <a:solidFill>
+                  <a:srgbClr val="000066"/>
+                </a:solidFill>
+                <a:latin typeface="Microsoft JhengHei" panose="020B0604030504040204" pitchFamily="34" charset="-120"/>
+                <a:ea typeface="Microsoft JhengHei" panose="020B0604030504040204" pitchFamily="34" charset="-120"/>
+              </a:rPr>
+              <a:t>( </a:t>
+            </a:r>
+            <a:r>
+              <a:rPr lang="zh-CN" altLang="en-US" sz="3733" b="1" dirty="0">
+                <a:solidFill>
+                  <a:srgbClr val="000066"/>
+                </a:solidFill>
+                <a:latin typeface="Microsoft JhengHei" panose="020B0604030504040204" pitchFamily="34" charset="-120"/>
+                <a:ea typeface="Microsoft JhengHei" panose="020B0604030504040204" pitchFamily="34" charset="-120"/>
+              </a:rPr>
+              <a:t>副歌</a:t>
+            </a:r>
+            <a:r>
+              <a:rPr lang="en-US" sz="3733" b="1" dirty="0">
+                <a:solidFill>
+                  <a:srgbClr val="000066"/>
+                </a:solidFill>
+                <a:latin typeface="Microsoft JhengHei" panose="020B0604030504040204" pitchFamily="34" charset="-120"/>
+                <a:ea typeface="Microsoft JhengHei" panose="020B0604030504040204" pitchFamily="34" charset="-120"/>
+              </a:rPr>
+              <a:t> )</a:t>
+            </a:r>
+            <a:endParaRPr lang="vi-VN" sz="3733" b="1" dirty="0">
+              <a:solidFill>
+                <a:srgbClr val="000066"/>
+              </a:solidFill>
+              <a:ea typeface="Microsoft JhengHei" panose="020B0604030504040204" pitchFamily="34" charset="-120"/>
+            </a:endParaRPr>
+          </a:p>
+        </p:txBody>
+      </p:sp>
+    </p:spTree>
+    <p:extLst>
+      <p:ext uri="{BB962C8B-B14F-4D97-AF65-F5344CB8AC3E}">
+        <p14:creationId xmlns:p14="http://schemas.microsoft.com/office/powerpoint/2010/main" val="2671280811"/>
+      </p:ext>
+    </p:extLst>
+  </p:cSld>
+  <p:clrMapOvr>
+    <a:masterClrMapping/>
+  </p:clrMapOvr>
+</p:sld>
+</file>
+
+<file path=ppt/slides/slide16.xml><?xml version="1.0" encoding="utf-8"?>
+<p:sld xmlns:a="http://schemas.openxmlformats.org/drawingml/2006/main" xmlns:r="http://schemas.openxmlformats.org/officeDocument/2006/relationships" xmlns:p="http://schemas.openxmlformats.org/presentationml/2006/main">
+  <p:cSld>
+    <p:spTree>
+      <p:nvGrpSpPr>
+        <p:cNvPr id="1" name=""/>
+        <p:cNvGrpSpPr/>
+        <p:nvPr/>
+      </p:nvGrpSpPr>
+      <p:grpSpPr>
+        <a:xfrm>
+          <a:off x="0" y="0"/>
+          <a:ext cx="0" cy="0"/>
+          <a:chOff x="0" y="0"/>
+          <a:chExt cx="0" cy="0"/>
+        </a:xfrm>
+      </p:grpSpPr>
+      <p:sp>
+        <p:nvSpPr>
+          <p:cNvPr id="5" name="內容版面配置區 4"/>
+          <p:cNvSpPr>
+            <a:spLocks noGrp="1"/>
+          </p:cNvSpPr>
+          <p:nvPr>
+            <p:ph idx="1"/>
+          </p:nvPr>
+        </p:nvSpPr>
+        <p:spPr>
+          <a:xfrm>
+            <a:off x="0" y="2084851"/>
+            <a:ext cx="12192000" cy="2404863"/>
+          </a:xfrm>
+        </p:spPr>
+        <p:txBody>
+          <a:bodyPr anchor="ctr">
+            <a:normAutofit/>
+          </a:bodyPr>
+          <a:lstStyle/>
+          <a:p>
+            <a:pPr algn="ctr">
+              <a:buNone/>
+            </a:pPr>
+            <a:r>
+              <a:rPr lang="zh-TW" altLang="en-US" sz="6400" b="1" dirty="0">
+                <a:solidFill>
+                  <a:srgbClr val="000066"/>
+                </a:solidFill>
+                <a:latin typeface="微軟正黑體" pitchFamily="34" charset="-120"/>
+                <a:ea typeface="微軟正黑體" pitchFamily="34" charset="-120"/>
+              </a:rPr>
+              <a:t>我們的聲音  述說祢的榮耀</a:t>
+            </a:r>
+            <a:endParaRPr lang="en-US" altLang="zh-TW" sz="6400" b="1" dirty="0">
+              <a:solidFill>
+                <a:srgbClr val="000066"/>
+              </a:solidFill>
+              <a:latin typeface="微軟正黑體" pitchFamily="34" charset="-120"/>
+              <a:ea typeface="微軟正黑體" pitchFamily="34" charset="-120"/>
+            </a:endParaRPr>
+          </a:p>
+          <a:p>
+            <a:pPr algn="ctr">
+              <a:buNone/>
+            </a:pPr>
+            <a:r>
+              <a:rPr lang="zh-TW" altLang="en-US" sz="6400" b="1" dirty="0">
+                <a:solidFill>
+                  <a:srgbClr val="000066"/>
+                </a:solidFill>
+                <a:latin typeface="微軟正黑體" pitchFamily="34" charset="-120"/>
+                <a:ea typeface="微軟正黑體" pitchFamily="34" charset="-120"/>
+              </a:rPr>
+              <a:t>祢的慈愛  直到永遠</a:t>
+            </a:r>
+            <a:endParaRPr lang="zh-TW" altLang="en-US" sz="6400" b="1" dirty="0">
+              <a:solidFill>
+                <a:srgbClr val="000066"/>
+              </a:solidFill>
+              <a:latin typeface="微軟正黑體" pitchFamily="34" charset="-120"/>
+              <a:ea typeface="微軟正黑體" pitchFamily="34" charset="-120"/>
+            </a:endParaRPr>
+          </a:p>
+        </p:txBody>
+      </p:sp>
+      <p:sp>
+        <p:nvSpPr>
+          <p:cNvPr id="3" name="TextBox 2"/>
+          <p:cNvSpPr txBox="1"/>
+          <p:nvPr/>
+        </p:nvSpPr>
+        <p:spPr>
+          <a:xfrm>
+            <a:off x="0" y="5157192"/>
+            <a:ext cx="12192000" cy="666786"/>
+          </a:xfrm>
+          <a:prstGeom prst="rect">
+            <a:avLst/>
+          </a:prstGeom>
+          <a:noFill/>
+        </p:spPr>
+        <p:txBody>
+          <a:bodyPr wrap="square" rtlCol="0">
+            <a:spAutoFit/>
+          </a:bodyPr>
+          <a:lstStyle/>
+          <a:p>
+            <a:pPr algn="ctr"/>
+            <a:r>
+              <a:rPr lang="en-US" sz="3733" b="1" dirty="0">
+                <a:solidFill>
+                  <a:srgbClr val="000066"/>
+                </a:solidFill>
+                <a:latin typeface="Microsoft JhengHei" panose="020B0604030504040204" pitchFamily="34" charset="-120"/>
+                <a:ea typeface="Microsoft JhengHei" panose="020B0604030504040204" pitchFamily="34" charset="-120"/>
+              </a:rPr>
+              <a:t>( </a:t>
+            </a:r>
+            <a:r>
+              <a:rPr lang="zh-CN" altLang="en-US" sz="3733" b="1" dirty="0">
+                <a:solidFill>
+                  <a:srgbClr val="000066"/>
+                </a:solidFill>
+                <a:latin typeface="Microsoft JhengHei" panose="020B0604030504040204" pitchFamily="34" charset="-120"/>
+                <a:ea typeface="Microsoft JhengHei" panose="020B0604030504040204" pitchFamily="34" charset="-120"/>
+              </a:rPr>
+              <a:t>副歌</a:t>
+            </a:r>
+            <a:r>
+              <a:rPr lang="en-US" sz="3733" b="1" dirty="0">
+                <a:solidFill>
+                  <a:srgbClr val="000066"/>
+                </a:solidFill>
+                <a:latin typeface="Microsoft JhengHei" panose="020B0604030504040204" pitchFamily="34" charset="-120"/>
+                <a:ea typeface="Microsoft JhengHei" panose="020B0604030504040204" pitchFamily="34" charset="-120"/>
+              </a:rPr>
+              <a:t> )</a:t>
+            </a:r>
+            <a:endParaRPr lang="vi-VN" sz="3733" b="1" dirty="0">
+              <a:solidFill>
+                <a:srgbClr val="000066"/>
+              </a:solidFill>
+              <a:ea typeface="Microsoft JhengHei" panose="020B0604030504040204" pitchFamily="34" charset="-120"/>
+            </a:endParaRPr>
+          </a:p>
+        </p:txBody>
+      </p:sp>
+    </p:spTree>
+    <p:extLst>
+      <p:ext uri="{BB962C8B-B14F-4D97-AF65-F5344CB8AC3E}">
+        <p14:creationId xmlns:p14="http://schemas.microsoft.com/office/powerpoint/2010/main" val="584916693"/>
+      </p:ext>
+    </p:extLst>
+  </p:cSld>
+  <p:clrMapOvr>
+    <a:masterClrMapping/>
+  </p:clrMapOvr>
+</p:sld>
+</file>
+
+<file path=ppt/slides/slide17.xml><?xml version="1.0" encoding="utf-8"?>
+<p:sld xmlns:a="http://schemas.openxmlformats.org/drawingml/2006/main" xmlns:r="http://schemas.openxmlformats.org/officeDocument/2006/relationships" xmlns:p="http://schemas.openxmlformats.org/presentationml/2006/main">
+  <p:cSld>
+    <p:spTree>
+      <p:nvGrpSpPr>
+        <p:cNvPr id="1" name=""/>
+        <p:cNvGrpSpPr/>
+        <p:nvPr/>
+      </p:nvGrpSpPr>
+      <p:grpSpPr>
+        <a:xfrm>
+          <a:off x="0" y="0"/>
+          <a:ext cx="0" cy="0"/>
+          <a:chOff x="0" y="0"/>
+          <a:chExt cx="0" cy="0"/>
+        </a:xfrm>
+      </p:grpSpPr>
+      <p:sp>
+        <p:nvSpPr>
+          <p:cNvPr id="5" name="內容版面配置區 4"/>
+          <p:cNvSpPr>
+            <a:spLocks noGrp="1"/>
+          </p:cNvSpPr>
+          <p:nvPr>
+            <p:ph idx="1"/>
+          </p:nvPr>
+        </p:nvSpPr>
+        <p:spPr>
+          <a:xfrm>
+            <a:off x="0" y="2084851"/>
+            <a:ext cx="12192000" cy="2404863"/>
+          </a:xfrm>
+        </p:spPr>
+        <p:txBody>
+          <a:bodyPr anchor="ctr">
+            <a:normAutofit/>
+          </a:bodyPr>
+          <a:lstStyle/>
+          <a:p>
+            <a:pPr algn="ctr">
+              <a:buNone/>
+            </a:pPr>
+            <a:r>
+              <a:rPr lang="zh-TW" altLang="en-US" sz="6400" b="1" dirty="0">
+                <a:solidFill>
+                  <a:srgbClr val="000066"/>
+                </a:solidFill>
+                <a:latin typeface="微軟正黑體" pitchFamily="34" charset="-120"/>
+                <a:ea typeface="微軟正黑體" pitchFamily="34" charset="-120"/>
+              </a:rPr>
+              <a:t>我們獻上生命的敬拜</a:t>
+            </a:r>
+            <a:endParaRPr lang="en-US" altLang="zh-TW" sz="6400" b="1" dirty="0">
+              <a:solidFill>
+                <a:srgbClr val="000066"/>
+              </a:solidFill>
+              <a:latin typeface="微軟正黑體" pitchFamily="34" charset="-120"/>
+              <a:ea typeface="微軟正黑體" pitchFamily="34" charset="-120"/>
+            </a:endParaRPr>
+          </a:p>
+          <a:p>
+            <a:pPr algn="ctr">
+              <a:buNone/>
+            </a:pPr>
+            <a:r>
+              <a:rPr lang="zh-TW" altLang="en-US" sz="6400" b="1" dirty="0">
+                <a:solidFill>
+                  <a:srgbClr val="000066"/>
+                </a:solidFill>
+                <a:latin typeface="微軟正黑體" pitchFamily="34" charset="-120"/>
+                <a:ea typeface="微軟正黑體" pitchFamily="34" charset="-120"/>
+              </a:rPr>
+              <a:t>渴慕能夠更多親近祢</a:t>
+            </a:r>
+            <a:endParaRPr lang="en-US" altLang="zh-TW" sz="6400" b="1" dirty="0">
+              <a:solidFill>
+                <a:srgbClr val="000066"/>
+              </a:solidFill>
+              <a:latin typeface="微軟正黑體" pitchFamily="34" charset="-120"/>
+              <a:ea typeface="微軟正黑體" pitchFamily="34" charset="-120"/>
+            </a:endParaRPr>
+          </a:p>
+        </p:txBody>
+      </p:sp>
+      <p:sp>
+        <p:nvSpPr>
+          <p:cNvPr id="3" name="TextBox 2"/>
+          <p:cNvSpPr txBox="1"/>
+          <p:nvPr/>
+        </p:nvSpPr>
+        <p:spPr>
+          <a:xfrm>
+            <a:off x="0" y="5157192"/>
+            <a:ext cx="12192000" cy="666786"/>
+          </a:xfrm>
+          <a:prstGeom prst="rect">
+            <a:avLst/>
+          </a:prstGeom>
+          <a:noFill/>
+        </p:spPr>
+        <p:txBody>
+          <a:bodyPr wrap="square" rtlCol="0">
+            <a:spAutoFit/>
+          </a:bodyPr>
+          <a:lstStyle/>
+          <a:p>
+            <a:pPr algn="ctr"/>
+            <a:r>
+              <a:rPr lang="en-US" sz="3733" b="1" dirty="0">
+                <a:solidFill>
+                  <a:srgbClr val="000066"/>
+                </a:solidFill>
+                <a:latin typeface="Microsoft JhengHei" panose="020B0604030504040204" pitchFamily="34" charset="-120"/>
+                <a:ea typeface="Microsoft JhengHei" panose="020B0604030504040204" pitchFamily="34" charset="-120"/>
+              </a:rPr>
+              <a:t>( </a:t>
+            </a:r>
+            <a:r>
+              <a:rPr lang="zh-CN" altLang="en-US" sz="3733" b="1" dirty="0">
+                <a:solidFill>
+                  <a:srgbClr val="000066"/>
+                </a:solidFill>
+                <a:latin typeface="Microsoft JhengHei" panose="020B0604030504040204" pitchFamily="34" charset="-120"/>
+                <a:ea typeface="Microsoft JhengHei" panose="020B0604030504040204" pitchFamily="34" charset="-120"/>
+              </a:rPr>
+              <a:t>副歌</a:t>
+            </a:r>
+            <a:r>
+              <a:rPr lang="en-US" sz="3733" b="1" dirty="0">
+                <a:solidFill>
+                  <a:srgbClr val="000066"/>
+                </a:solidFill>
+                <a:latin typeface="Microsoft JhengHei" panose="020B0604030504040204" pitchFamily="34" charset="-120"/>
+                <a:ea typeface="Microsoft JhengHei" panose="020B0604030504040204" pitchFamily="34" charset="-120"/>
+              </a:rPr>
+              <a:t> )</a:t>
+            </a:r>
+            <a:endParaRPr lang="vi-VN" sz="3733" b="1" dirty="0">
+              <a:solidFill>
+                <a:srgbClr val="000066"/>
+              </a:solidFill>
+              <a:ea typeface="Microsoft JhengHei" panose="020B0604030504040204" pitchFamily="34" charset="-120"/>
+            </a:endParaRPr>
+          </a:p>
+        </p:txBody>
+      </p:sp>
+    </p:spTree>
+    <p:extLst>
+      <p:ext uri="{BB962C8B-B14F-4D97-AF65-F5344CB8AC3E}">
+        <p14:creationId xmlns:p14="http://schemas.microsoft.com/office/powerpoint/2010/main" val="3304834228"/>
+      </p:ext>
+    </p:extLst>
+  </p:cSld>
+  <p:clrMapOvr>
+    <a:masterClrMapping/>
+  </p:clrMapOvr>
+</p:sld>
+</file>
+
+<file path=ppt/slides/slide18.xml><?xml version="1.0" encoding="utf-8"?>
+<p:sld xmlns:a="http://schemas.openxmlformats.org/drawingml/2006/main" xmlns:r="http://schemas.openxmlformats.org/officeDocument/2006/relationships" xmlns:p="http://schemas.openxmlformats.org/presentationml/2006/main">
+  <p:cSld>
+    <p:spTree>
+      <p:nvGrpSpPr>
+        <p:cNvPr id="1" name=""/>
+        <p:cNvGrpSpPr/>
+        <p:nvPr/>
+      </p:nvGrpSpPr>
+      <p:grpSpPr>
+        <a:xfrm>
+          <a:off x="0" y="0"/>
+          <a:ext cx="0" cy="0"/>
+          <a:chOff x="0" y="0"/>
+          <a:chExt cx="0" cy="0"/>
+        </a:xfrm>
+      </p:grpSpPr>
+      <p:sp>
+        <p:nvSpPr>
+          <p:cNvPr id="5" name="內容版面配置區 4"/>
+          <p:cNvSpPr>
+            <a:spLocks noGrp="1"/>
+          </p:cNvSpPr>
+          <p:nvPr>
+            <p:ph idx="1"/>
+          </p:nvPr>
+        </p:nvSpPr>
+        <p:spPr>
+          <a:xfrm>
+            <a:off x="0" y="2084851"/>
+            <a:ext cx="12192000" cy="2404863"/>
+          </a:xfrm>
+        </p:spPr>
+        <p:txBody>
+          <a:bodyPr anchor="ctr">
+            <a:normAutofit/>
+          </a:bodyPr>
+          <a:lstStyle/>
+          <a:p>
+            <a:pPr algn="ctr">
+              <a:buNone/>
+            </a:pPr>
+            <a:r>
+              <a:rPr lang="zh-TW" altLang="en-US" sz="6400" b="1" dirty="0">
+                <a:solidFill>
+                  <a:srgbClr val="000066"/>
+                </a:solidFill>
+                <a:latin typeface="微軟正黑體" pitchFamily="34" charset="-120"/>
+                <a:ea typeface="微軟正黑體" pitchFamily="34" charset="-120"/>
+              </a:rPr>
+              <a:t>蒙恩的兒女  歌頌祢的美好</a:t>
+            </a:r>
+            <a:endParaRPr lang="en-US" altLang="zh-TW" sz="6400" b="1" dirty="0">
+              <a:solidFill>
+                <a:srgbClr val="000066"/>
+              </a:solidFill>
+              <a:latin typeface="微軟正黑體" pitchFamily="34" charset="-120"/>
+              <a:ea typeface="微軟正黑體" pitchFamily="34" charset="-120"/>
+            </a:endParaRPr>
+          </a:p>
+          <a:p>
+            <a:pPr algn="ctr">
+              <a:buNone/>
+            </a:pPr>
+            <a:r>
+              <a:rPr lang="zh-TW" altLang="en-US" sz="6400" b="1" dirty="0">
+                <a:solidFill>
+                  <a:srgbClr val="000066"/>
+                </a:solidFill>
+                <a:latin typeface="微軟正黑體" pitchFamily="34" charset="-120"/>
+                <a:ea typeface="微軟正黑體" pitchFamily="34" charset="-120"/>
+              </a:rPr>
+              <a:t>歡迎祢的國度  降臨這土地</a:t>
+            </a:r>
+            <a:endParaRPr lang="zh-TW" altLang="en-US" sz="6400" b="1" dirty="0">
+              <a:solidFill>
+                <a:srgbClr val="000066"/>
+              </a:solidFill>
+              <a:latin typeface="微軟正黑體" pitchFamily="34" charset="-120"/>
+              <a:ea typeface="微軟正黑體" pitchFamily="34" charset="-120"/>
+            </a:endParaRPr>
+          </a:p>
+        </p:txBody>
+      </p:sp>
+      <p:sp>
+        <p:nvSpPr>
+          <p:cNvPr id="3" name="TextBox 2"/>
+          <p:cNvSpPr txBox="1"/>
+          <p:nvPr/>
+        </p:nvSpPr>
+        <p:spPr>
+          <a:xfrm>
+            <a:off x="0" y="5157192"/>
+            <a:ext cx="12192000" cy="666786"/>
+          </a:xfrm>
+          <a:prstGeom prst="rect">
+            <a:avLst/>
+          </a:prstGeom>
+          <a:noFill/>
+        </p:spPr>
+        <p:txBody>
+          <a:bodyPr wrap="square" rtlCol="0">
+            <a:spAutoFit/>
+          </a:bodyPr>
+          <a:lstStyle/>
+          <a:p>
+            <a:pPr algn="ctr"/>
+            <a:r>
+              <a:rPr lang="en-US" sz="3733" b="1" dirty="0">
+                <a:solidFill>
+                  <a:srgbClr val="000066"/>
+                </a:solidFill>
+                <a:latin typeface="Microsoft JhengHei" panose="020B0604030504040204" pitchFamily="34" charset="-120"/>
+                <a:ea typeface="Microsoft JhengHei" panose="020B0604030504040204" pitchFamily="34" charset="-120"/>
+              </a:rPr>
+              <a:t>( </a:t>
+            </a:r>
+            <a:r>
+              <a:rPr lang="zh-CN" altLang="en-US" sz="3733" b="1" dirty="0">
+                <a:solidFill>
+                  <a:srgbClr val="000066"/>
+                </a:solidFill>
+                <a:latin typeface="Microsoft JhengHei" panose="020B0604030504040204" pitchFamily="34" charset="-120"/>
+                <a:ea typeface="Microsoft JhengHei" panose="020B0604030504040204" pitchFamily="34" charset="-120"/>
+              </a:rPr>
+              <a:t>副歌</a:t>
+            </a:r>
+            <a:r>
+              <a:rPr lang="en-US" sz="3733" b="1" dirty="0">
+                <a:solidFill>
+                  <a:srgbClr val="000066"/>
+                </a:solidFill>
+                <a:latin typeface="Microsoft JhengHei" panose="020B0604030504040204" pitchFamily="34" charset="-120"/>
+                <a:ea typeface="Microsoft JhengHei" panose="020B0604030504040204" pitchFamily="34" charset="-120"/>
+              </a:rPr>
+              <a:t> )</a:t>
+            </a:r>
+            <a:endParaRPr lang="vi-VN" sz="3733" b="1" dirty="0">
+              <a:solidFill>
+                <a:srgbClr val="000066"/>
+              </a:solidFill>
+              <a:ea typeface="Microsoft JhengHei" panose="020B0604030504040204" pitchFamily="34" charset="-120"/>
+            </a:endParaRPr>
+          </a:p>
+        </p:txBody>
+      </p:sp>
+    </p:spTree>
+    <p:extLst>
+      <p:ext uri="{BB962C8B-B14F-4D97-AF65-F5344CB8AC3E}">
+        <p14:creationId xmlns:p14="http://schemas.microsoft.com/office/powerpoint/2010/main" val="1946881529"/>
+      </p:ext>
+    </p:extLst>
   </p:cSld>
   <p:clrMapOvr>
     <a:masterClrMapping/>
@@ -3331,42 +4599,40 @@
       </p:grpSpPr>
       <p:sp>
         <p:nvSpPr>
-          <p:cNvPr id="4" name="標題 3"/>
-          <p:cNvSpPr>
-            <a:spLocks noGrp="1"/>
-          </p:cNvSpPr>
-          <p:nvPr>
-            <p:ph type="title"/>
-          </p:nvPr>
-        </p:nvSpPr>
-        <p:spPr/>
-        <p:txBody>
-          <a:bodyPr>
+          <p:cNvPr id="5" name="內容版面配置區 4"/>
+          <p:cNvSpPr>
+            <a:spLocks noGrp="1"/>
+          </p:cNvSpPr>
+          <p:nvPr>
+            <p:ph idx="1"/>
+          </p:nvPr>
+        </p:nvSpPr>
+        <p:spPr>
+          <a:xfrm>
+            <a:off x="0" y="2084851"/>
+            <a:ext cx="12192000" cy="2404863"/>
+          </a:xfrm>
+        </p:spPr>
+        <p:txBody>
+          <a:bodyPr anchor="ctr">
             <a:normAutofit/>
           </a:bodyPr>
           <a:lstStyle/>
           <a:p>
-            <a:r>
-              <a:rPr lang="zh-TW" altLang="en-US" b="1" dirty="0">
+            <a:pPr algn="ctr">
+              <a:buNone/>
+            </a:pPr>
+            <a:r>
+              <a:rPr lang="zh-TW" altLang="en-US" sz="6400" b="1" dirty="0">
                 <a:solidFill>
                   <a:srgbClr val="000066"/>
                 </a:solidFill>
                 <a:latin typeface="微軟正黑體" pitchFamily="34" charset="-120"/>
                 <a:ea typeface="微軟正黑體" pitchFamily="34" charset="-120"/>
               </a:rPr>
-              <a:t>我們獻</a:t>
-            </a:r>
-            <a:r>
-              <a:rPr lang="zh-TW" altLang="en-US" b="1" dirty="0" smtClean="0">
-                <a:solidFill>
-                  <a:srgbClr val="000066"/>
-                </a:solidFill>
-                <a:latin typeface="微軟正黑體" pitchFamily="34" charset="-120"/>
-                <a:ea typeface="微軟正黑體" pitchFamily="34" charset="-120"/>
-              </a:rPr>
-              <a:t>上</a:t>
-            </a:r>
-            <a:endParaRPr lang="zh-TW" altLang="en-US" b="1" dirty="0">
+              <a:t>在祢的寶座前  天使聚集讚美</a:t>
+            </a:r>
+            <a:endParaRPr lang="en-US" altLang="zh-TW" sz="6400" b="1" dirty="0">
               <a:solidFill>
                 <a:srgbClr val="000066"/>
               </a:solidFill>
@@ -3374,54 +4640,21 @@
               <a:ea typeface="微軟正黑體" pitchFamily="34" charset="-120"/>
             </a:endParaRPr>
           </a:p>
-        </p:txBody>
-      </p:sp>
-      <p:sp>
-        <p:nvSpPr>
-          <p:cNvPr id="5" name="內容版面配置區 4"/>
-          <p:cNvSpPr>
-            <a:spLocks noGrp="1"/>
-          </p:cNvSpPr>
-          <p:nvPr>
-            <p:ph idx="1"/>
-          </p:nvPr>
-        </p:nvSpPr>
-        <p:spPr>
-          <a:xfrm>
-            <a:off x="1524000" y="1600201"/>
-            <a:ext cx="9144000" cy="4525963"/>
-          </a:xfrm>
-        </p:spPr>
-        <p:txBody>
-          <a:bodyPr>
-            <a:noAutofit/>
-          </a:bodyPr>
-          <a:lstStyle/>
           <a:p>
             <a:pPr algn="ctr">
               <a:buNone/>
             </a:pPr>
             <a:r>
-              <a:rPr lang="zh-TW" altLang="en-US" sz="5400" b="1" dirty="0">
+              <a:rPr lang="zh-TW" altLang="en-US" sz="6400" b="1" dirty="0">
                 <a:solidFill>
                   <a:srgbClr val="000066"/>
                 </a:solidFill>
                 <a:latin typeface="微軟正黑體" pitchFamily="34" charset="-120"/>
                 <a:ea typeface="微軟正黑體" pitchFamily="34" charset="-120"/>
               </a:rPr>
-              <a:t>我們獻上全心的</a:t>
-            </a:r>
-            <a:r>
-              <a:rPr lang="zh-TW" altLang="en-US" sz="5400" b="1" dirty="0">
-                <a:solidFill>
-                  <a:srgbClr val="000066"/>
-                </a:solidFill>
-                <a:latin typeface="微軟正黑體" pitchFamily="34" charset="-120"/>
-                <a:ea typeface="微軟正黑體" pitchFamily="34" charset="-120"/>
-              </a:rPr>
-              <a:t>讚美</a:t>
-            </a:r>
-            <a:endParaRPr lang="en-US" altLang="zh-TW" sz="5400" b="1" dirty="0">
+              <a:t>榮耀  永遠屬於祢</a:t>
+            </a:r>
+            <a:endParaRPr lang="en-US" altLang="zh-TW" sz="6400" b="1" dirty="0">
               <a:solidFill>
                 <a:srgbClr val="000066"/>
               </a:solidFill>
@@ -3429,118 +4662,76 @@
               <a:ea typeface="微軟正黑體" pitchFamily="34" charset="-120"/>
             </a:endParaRPr>
           </a:p>
-          <a:p>
-            <a:pPr algn="ctr">
-              <a:buNone/>
-            </a:pPr>
-            <a:r>
-              <a:rPr lang="zh-TW" altLang="en-US" sz="5400" b="1" dirty="0">
-                <a:solidFill>
-                  <a:srgbClr val="000066"/>
-                </a:solidFill>
-                <a:latin typeface="微軟正黑體" pitchFamily="34" charset="-120"/>
-                <a:ea typeface="微軟正黑體" pitchFamily="34" charset="-120"/>
-              </a:rPr>
-              <a:t>歸於</a:t>
-            </a:r>
-            <a:r>
-              <a:rPr lang="zh-TW" altLang="en-US" sz="5400" b="1" dirty="0">
-                <a:solidFill>
-                  <a:srgbClr val="000066"/>
-                </a:solidFill>
-                <a:latin typeface="微軟正黑體" pitchFamily="34" charset="-120"/>
-                <a:ea typeface="微軟正黑體" pitchFamily="34" charset="-120"/>
-              </a:rPr>
-              <a:t>至高全能大</a:t>
-            </a:r>
-            <a:r>
-              <a:rPr lang="zh-TW" altLang="en-US" sz="5400" b="1" dirty="0">
-                <a:solidFill>
-                  <a:srgbClr val="000066"/>
-                </a:solidFill>
-                <a:latin typeface="微軟正黑體" pitchFamily="34" charset="-120"/>
-                <a:ea typeface="微軟正黑體" pitchFamily="34" charset="-120"/>
-              </a:rPr>
-              <a:t>君王</a:t>
-            </a:r>
-            <a:endParaRPr lang="en-US" altLang="zh-TW" sz="5400" b="1" dirty="0">
+        </p:txBody>
+      </p:sp>
+      <p:sp>
+        <p:nvSpPr>
+          <p:cNvPr id="3" name="TextBox 2"/>
+          <p:cNvSpPr txBox="1"/>
+          <p:nvPr/>
+        </p:nvSpPr>
+        <p:spPr>
+          <a:xfrm>
+            <a:off x="0" y="5157192"/>
+            <a:ext cx="12192000" cy="666786"/>
+          </a:xfrm>
+          <a:prstGeom prst="rect">
+            <a:avLst/>
+          </a:prstGeom>
+          <a:noFill/>
+        </p:spPr>
+        <p:txBody>
+          <a:bodyPr wrap="square" rtlCol="0">
+            <a:spAutoFit/>
+          </a:bodyPr>
+          <a:lstStyle/>
+          <a:p>
+            <a:pPr algn="ctr"/>
+            <a:r>
+              <a:rPr lang="en-US" sz="3733" b="1" dirty="0">
+                <a:solidFill>
+                  <a:srgbClr val="000066"/>
+                </a:solidFill>
+                <a:latin typeface="Microsoft JhengHei" panose="020B0604030504040204" pitchFamily="34" charset="-120"/>
+                <a:ea typeface="Microsoft JhengHei" panose="020B0604030504040204" pitchFamily="34" charset="-120"/>
+              </a:rPr>
+              <a:t>( </a:t>
+            </a:r>
+            <a:r>
+              <a:rPr lang="zh-CN" altLang="en-US" sz="3733" b="1" dirty="0">
+                <a:solidFill>
+                  <a:srgbClr val="000066"/>
+                </a:solidFill>
+                <a:latin typeface="Microsoft JhengHei" panose="020B0604030504040204" pitchFamily="34" charset="-120"/>
+                <a:ea typeface="Microsoft JhengHei" panose="020B0604030504040204" pitchFamily="34" charset="-120"/>
+              </a:rPr>
+              <a:t>正歌</a:t>
+            </a:r>
+            <a:r>
+              <a:rPr lang="en-US" sz="3733" b="1" dirty="0">
+                <a:solidFill>
+                  <a:srgbClr val="000066"/>
+                </a:solidFill>
+                <a:latin typeface="Microsoft JhengHei" panose="020B0604030504040204" pitchFamily="34" charset="-120"/>
+                <a:ea typeface="Microsoft JhengHei" panose="020B0604030504040204" pitchFamily="34" charset="-120"/>
+              </a:rPr>
+              <a:t> 1 )</a:t>
+            </a:r>
+            <a:endParaRPr lang="vi-VN" sz="3733" b="1" dirty="0">
               <a:solidFill>
                 <a:srgbClr val="000066"/>
               </a:solidFill>
-              <a:latin typeface="微軟正黑體" pitchFamily="34" charset="-120"/>
-              <a:ea typeface="微軟正黑體" pitchFamily="34" charset="-120"/>
+              <a:ea typeface="Microsoft JhengHei" panose="020B0604030504040204" pitchFamily="34" charset="-120"/>
             </a:endParaRPr>
           </a:p>
-          <a:p>
-            <a:pPr algn="ctr">
-              <a:buNone/>
-            </a:pPr>
-            <a:r>
-              <a:rPr lang="zh-TW" altLang="en-US" sz="5400" b="1" dirty="0">
-                <a:solidFill>
-                  <a:srgbClr val="000066"/>
-                </a:solidFill>
-                <a:latin typeface="微軟正黑體" pitchFamily="34" charset="-120"/>
-                <a:ea typeface="微軟正黑體" pitchFamily="34" charset="-120"/>
-              </a:rPr>
-              <a:t>我們</a:t>
-            </a:r>
-            <a:r>
-              <a:rPr lang="zh-TW" altLang="en-US" sz="5400" b="1" dirty="0">
-                <a:solidFill>
-                  <a:srgbClr val="000066"/>
-                </a:solidFill>
-                <a:latin typeface="微軟正黑體" pitchFamily="34" charset="-120"/>
-                <a:ea typeface="微軟正黑體" pitchFamily="34" charset="-120"/>
-              </a:rPr>
-              <a:t>的聲音 述說祢的</a:t>
-            </a:r>
-            <a:r>
-              <a:rPr lang="zh-TW" altLang="en-US" sz="5400" b="1" dirty="0">
-                <a:solidFill>
-                  <a:srgbClr val="000066"/>
-                </a:solidFill>
-                <a:latin typeface="微軟正黑體" pitchFamily="34" charset="-120"/>
-                <a:ea typeface="微軟正黑體" pitchFamily="34" charset="-120"/>
-              </a:rPr>
-              <a:t>榮耀</a:t>
-            </a:r>
-            <a:endParaRPr lang="en-US" altLang="zh-TW" sz="5400" b="1" dirty="0">
-              <a:solidFill>
-                <a:srgbClr val="000066"/>
-              </a:solidFill>
-              <a:latin typeface="微軟正黑體" pitchFamily="34" charset="-120"/>
-              <a:ea typeface="微軟正黑體" pitchFamily="34" charset="-120"/>
-            </a:endParaRPr>
-          </a:p>
-          <a:p>
-            <a:pPr algn="ctr">
-              <a:buNone/>
-            </a:pPr>
-            <a:r>
-              <a:rPr lang="zh-TW" altLang="en-US" sz="5400" b="1" dirty="0">
-                <a:solidFill>
-                  <a:srgbClr val="000066"/>
-                </a:solidFill>
-                <a:latin typeface="微軟正黑體" pitchFamily="34" charset="-120"/>
-                <a:ea typeface="微軟正黑體" pitchFamily="34" charset="-120"/>
-              </a:rPr>
-              <a:t>祢</a:t>
-            </a:r>
-            <a:r>
-              <a:rPr lang="zh-TW" altLang="en-US" sz="5400" b="1" dirty="0">
-                <a:solidFill>
-                  <a:srgbClr val="000066"/>
-                </a:solidFill>
-                <a:latin typeface="微軟正黑體" pitchFamily="34" charset="-120"/>
-                <a:ea typeface="微軟正黑體" pitchFamily="34" charset="-120"/>
-              </a:rPr>
-              <a:t>的慈愛 直到永遠</a:t>
-            </a:r>
-          </a:p>
         </p:txBody>
       </p:sp>
     </p:spTree>
+    <p:extLst>
+      <p:ext uri="{BB962C8B-B14F-4D97-AF65-F5344CB8AC3E}">
+        <p14:creationId xmlns:p14="http://schemas.microsoft.com/office/powerpoint/2010/main" val="1123119099"/>
+      </p:ext>
+    </p:extLst>
   </p:cSld>
   <p:clrMapOvr>
     <a:masterClrMapping/>
@@ -3567,42 +4758,40 @@
       </p:grpSpPr>
       <p:sp>
         <p:nvSpPr>
-          <p:cNvPr id="4" name="標題 3"/>
-          <p:cNvSpPr>
-            <a:spLocks noGrp="1"/>
-          </p:cNvSpPr>
-          <p:nvPr>
-            <p:ph type="title"/>
-          </p:nvPr>
-        </p:nvSpPr>
-        <p:spPr/>
-        <p:txBody>
-          <a:bodyPr>
+          <p:cNvPr id="5" name="內容版面配置區 4"/>
+          <p:cNvSpPr>
+            <a:spLocks noGrp="1"/>
+          </p:cNvSpPr>
+          <p:nvPr>
+            <p:ph idx="1"/>
+          </p:nvPr>
+        </p:nvSpPr>
+        <p:spPr>
+          <a:xfrm>
+            <a:off x="0" y="2084851"/>
+            <a:ext cx="12192000" cy="2404863"/>
+          </a:xfrm>
+        </p:spPr>
+        <p:txBody>
+          <a:bodyPr anchor="ctr">
             <a:normAutofit/>
           </a:bodyPr>
           <a:lstStyle/>
           <a:p>
-            <a:r>
-              <a:rPr lang="zh-TW" altLang="en-US" b="1" dirty="0">
+            <a:pPr algn="ctr">
+              <a:buNone/>
+            </a:pPr>
+            <a:r>
+              <a:rPr lang="zh-TW" altLang="en-US" sz="6400" b="1" dirty="0">
                 <a:solidFill>
                   <a:srgbClr val="000066"/>
                 </a:solidFill>
                 <a:latin typeface="微軟正黑體" pitchFamily="34" charset="-120"/>
                 <a:ea typeface="微軟正黑體" pitchFamily="34" charset="-120"/>
               </a:rPr>
-              <a:t>我們獻</a:t>
-            </a:r>
-            <a:r>
-              <a:rPr lang="zh-TW" altLang="en-US" b="1" dirty="0" smtClean="0">
-                <a:solidFill>
-                  <a:srgbClr val="000066"/>
-                </a:solidFill>
-                <a:latin typeface="微軟正黑體" pitchFamily="34" charset="-120"/>
-                <a:ea typeface="微軟正黑體" pitchFamily="34" charset="-120"/>
-              </a:rPr>
-              <a:t>上</a:t>
-            </a:r>
-            <a:endParaRPr lang="zh-TW" altLang="en-US" b="1" dirty="0">
+              <a:t>萬國萬口萬邦  穿著潔白衣裳</a:t>
+            </a:r>
+            <a:endParaRPr lang="en-US" altLang="zh-TW" sz="6400" b="1" dirty="0">
               <a:solidFill>
                 <a:srgbClr val="000066"/>
               </a:solidFill>
@@ -3610,54 +4799,21 @@
               <a:ea typeface="微軟正黑體" pitchFamily="34" charset="-120"/>
             </a:endParaRPr>
           </a:p>
-        </p:txBody>
-      </p:sp>
-      <p:sp>
-        <p:nvSpPr>
-          <p:cNvPr id="5" name="內容版面配置區 4"/>
-          <p:cNvSpPr>
-            <a:spLocks noGrp="1"/>
-          </p:cNvSpPr>
-          <p:nvPr>
-            <p:ph idx="1"/>
-          </p:nvPr>
-        </p:nvSpPr>
-        <p:spPr>
-          <a:xfrm>
-            <a:off x="1524000" y="1600201"/>
-            <a:ext cx="9144000" cy="4525963"/>
-          </a:xfrm>
-        </p:spPr>
-        <p:txBody>
-          <a:bodyPr>
-            <a:noAutofit/>
-          </a:bodyPr>
-          <a:lstStyle/>
           <a:p>
             <a:pPr algn="ctr">
               <a:buNone/>
             </a:pPr>
             <a:r>
-              <a:rPr lang="zh-TW" altLang="en-US" sz="5400" b="1" dirty="0">
+              <a:rPr lang="zh-TW" altLang="en-US" sz="6400" b="1" dirty="0">
                 <a:solidFill>
                   <a:srgbClr val="000066"/>
                 </a:solidFill>
                 <a:latin typeface="微軟正黑體" pitchFamily="34" charset="-120"/>
                 <a:ea typeface="微軟正黑體" pitchFamily="34" charset="-120"/>
               </a:rPr>
-              <a:t>我們獻上生命的敬</a:t>
-            </a:r>
-            <a:r>
-              <a:rPr lang="zh-TW" altLang="en-US" sz="5400" b="1" dirty="0">
-                <a:solidFill>
-                  <a:srgbClr val="000066"/>
-                </a:solidFill>
-                <a:latin typeface="微軟正黑體" pitchFamily="34" charset="-120"/>
-                <a:ea typeface="微軟正黑體" pitchFamily="34" charset="-120"/>
-              </a:rPr>
-              <a:t>拜</a:t>
-            </a:r>
-            <a:endParaRPr lang="en-US" altLang="zh-TW" sz="5400" b="1" dirty="0">
+              <a:t>我們前來  向主歌唱</a:t>
+            </a:r>
+            <a:endParaRPr lang="zh-TW" altLang="en-US" sz="6400" b="1" dirty="0">
               <a:solidFill>
                 <a:srgbClr val="000066"/>
               </a:solidFill>
@@ -3665,118 +4821,76 @@
               <a:ea typeface="微軟正黑體" pitchFamily="34" charset="-120"/>
             </a:endParaRPr>
           </a:p>
-          <a:p>
-            <a:pPr algn="ctr">
-              <a:buNone/>
-            </a:pPr>
-            <a:r>
-              <a:rPr lang="zh-TW" altLang="en-US" sz="5400" b="1" dirty="0">
-                <a:solidFill>
-                  <a:srgbClr val="000066"/>
-                </a:solidFill>
-                <a:latin typeface="微軟正黑體" pitchFamily="34" charset="-120"/>
-                <a:ea typeface="微軟正黑體" pitchFamily="34" charset="-120"/>
-              </a:rPr>
-              <a:t>渴慕</a:t>
-            </a:r>
-            <a:r>
-              <a:rPr lang="zh-TW" altLang="en-US" sz="5400" b="1" dirty="0">
-                <a:solidFill>
-                  <a:srgbClr val="000066"/>
-                </a:solidFill>
-                <a:latin typeface="微軟正黑體" pitchFamily="34" charset="-120"/>
-                <a:ea typeface="微軟正黑體" pitchFamily="34" charset="-120"/>
-              </a:rPr>
-              <a:t>能夠更多親近</a:t>
-            </a:r>
-            <a:r>
-              <a:rPr lang="zh-TW" altLang="en-US" sz="5400" b="1" dirty="0">
-                <a:solidFill>
-                  <a:srgbClr val="000066"/>
-                </a:solidFill>
-                <a:latin typeface="微軟正黑體" pitchFamily="34" charset="-120"/>
-                <a:ea typeface="微軟正黑體" pitchFamily="34" charset="-120"/>
-              </a:rPr>
-              <a:t>祢</a:t>
-            </a:r>
-            <a:endParaRPr lang="en-US" altLang="zh-TW" sz="5400" b="1" dirty="0">
+        </p:txBody>
+      </p:sp>
+      <p:sp>
+        <p:nvSpPr>
+          <p:cNvPr id="3" name="TextBox 2"/>
+          <p:cNvSpPr txBox="1"/>
+          <p:nvPr/>
+        </p:nvSpPr>
+        <p:spPr>
+          <a:xfrm>
+            <a:off x="0" y="5157192"/>
+            <a:ext cx="12192000" cy="666786"/>
+          </a:xfrm>
+          <a:prstGeom prst="rect">
+            <a:avLst/>
+          </a:prstGeom>
+          <a:noFill/>
+        </p:spPr>
+        <p:txBody>
+          <a:bodyPr wrap="square" rtlCol="0">
+            <a:spAutoFit/>
+          </a:bodyPr>
+          <a:lstStyle/>
+          <a:p>
+            <a:pPr algn="ctr"/>
+            <a:r>
+              <a:rPr lang="en-US" sz="3733" b="1" dirty="0">
+                <a:solidFill>
+                  <a:srgbClr val="000066"/>
+                </a:solidFill>
+                <a:latin typeface="Microsoft JhengHei" panose="020B0604030504040204" pitchFamily="34" charset="-120"/>
+                <a:ea typeface="Microsoft JhengHei" panose="020B0604030504040204" pitchFamily="34" charset="-120"/>
+              </a:rPr>
+              <a:t>( </a:t>
+            </a:r>
+            <a:r>
+              <a:rPr lang="zh-CN" altLang="en-US" sz="3733" b="1" dirty="0">
+                <a:solidFill>
+                  <a:srgbClr val="000066"/>
+                </a:solidFill>
+                <a:latin typeface="Microsoft JhengHei" panose="020B0604030504040204" pitchFamily="34" charset="-120"/>
+                <a:ea typeface="Microsoft JhengHei" panose="020B0604030504040204" pitchFamily="34" charset="-120"/>
+              </a:rPr>
+              <a:t>正歌</a:t>
+            </a:r>
+            <a:r>
+              <a:rPr lang="en-US" sz="3733" b="1" dirty="0">
+                <a:solidFill>
+                  <a:srgbClr val="000066"/>
+                </a:solidFill>
+                <a:latin typeface="Microsoft JhengHei" panose="020B0604030504040204" pitchFamily="34" charset="-120"/>
+                <a:ea typeface="Microsoft JhengHei" panose="020B0604030504040204" pitchFamily="34" charset="-120"/>
+              </a:rPr>
+              <a:t> 1 )</a:t>
+            </a:r>
+            <a:endParaRPr lang="vi-VN" sz="3733" b="1" dirty="0">
               <a:solidFill>
                 <a:srgbClr val="000066"/>
               </a:solidFill>
-              <a:latin typeface="微軟正黑體" pitchFamily="34" charset="-120"/>
-              <a:ea typeface="微軟正黑體" pitchFamily="34" charset="-120"/>
+              <a:ea typeface="Microsoft JhengHei" panose="020B0604030504040204" pitchFamily="34" charset="-120"/>
             </a:endParaRPr>
           </a:p>
-          <a:p>
-            <a:pPr algn="ctr">
-              <a:buNone/>
-            </a:pPr>
-            <a:r>
-              <a:rPr lang="zh-TW" altLang="en-US" sz="5400" b="1" dirty="0">
-                <a:solidFill>
-                  <a:srgbClr val="000066"/>
-                </a:solidFill>
-                <a:latin typeface="微軟正黑體" pitchFamily="34" charset="-120"/>
-                <a:ea typeface="微軟正黑體" pitchFamily="34" charset="-120"/>
-              </a:rPr>
-              <a:t>蒙恩</a:t>
-            </a:r>
-            <a:r>
-              <a:rPr lang="zh-TW" altLang="en-US" sz="5400" b="1" dirty="0">
-                <a:solidFill>
-                  <a:srgbClr val="000066"/>
-                </a:solidFill>
-                <a:latin typeface="微軟正黑體" pitchFamily="34" charset="-120"/>
-                <a:ea typeface="微軟正黑體" pitchFamily="34" charset="-120"/>
-              </a:rPr>
-              <a:t>的兒女 歌頌祢的</a:t>
-            </a:r>
-            <a:r>
-              <a:rPr lang="zh-TW" altLang="en-US" sz="5400" b="1" dirty="0">
-                <a:solidFill>
-                  <a:srgbClr val="000066"/>
-                </a:solidFill>
-                <a:latin typeface="微軟正黑體" pitchFamily="34" charset="-120"/>
-                <a:ea typeface="微軟正黑體" pitchFamily="34" charset="-120"/>
-              </a:rPr>
-              <a:t>美好</a:t>
-            </a:r>
-            <a:endParaRPr lang="en-US" altLang="zh-TW" sz="5400" b="1" dirty="0">
-              <a:solidFill>
-                <a:srgbClr val="000066"/>
-              </a:solidFill>
-              <a:latin typeface="微軟正黑體" pitchFamily="34" charset="-120"/>
-              <a:ea typeface="微軟正黑體" pitchFamily="34" charset="-120"/>
-            </a:endParaRPr>
-          </a:p>
-          <a:p>
-            <a:pPr algn="ctr">
-              <a:buNone/>
-            </a:pPr>
-            <a:r>
-              <a:rPr lang="zh-TW" altLang="en-US" sz="5400" b="1" dirty="0">
-                <a:solidFill>
-                  <a:srgbClr val="000066"/>
-                </a:solidFill>
-                <a:latin typeface="微軟正黑體" pitchFamily="34" charset="-120"/>
-                <a:ea typeface="微軟正黑體" pitchFamily="34" charset="-120"/>
-              </a:rPr>
-              <a:t>歡迎</a:t>
-            </a:r>
-            <a:r>
-              <a:rPr lang="zh-TW" altLang="en-US" sz="5400" b="1" dirty="0">
-                <a:solidFill>
-                  <a:srgbClr val="000066"/>
-                </a:solidFill>
-                <a:latin typeface="微軟正黑體" pitchFamily="34" charset="-120"/>
-                <a:ea typeface="微軟正黑體" pitchFamily="34" charset="-120"/>
-              </a:rPr>
-              <a:t>祢的國度 降臨這土地</a:t>
-            </a:r>
-          </a:p>
         </p:txBody>
       </p:sp>
     </p:spTree>
+    <p:extLst>
+      <p:ext uri="{BB962C8B-B14F-4D97-AF65-F5344CB8AC3E}">
+        <p14:creationId xmlns:p14="http://schemas.microsoft.com/office/powerpoint/2010/main" val="2589863663"/>
+      </p:ext>
+    </p:extLst>
   </p:cSld>
   <p:clrMapOvr>
     <a:masterClrMapping/>
@@ -3803,42 +4917,40 @@
       </p:grpSpPr>
       <p:sp>
         <p:nvSpPr>
-          <p:cNvPr id="4" name="標題 3"/>
-          <p:cNvSpPr>
-            <a:spLocks noGrp="1"/>
-          </p:cNvSpPr>
-          <p:nvPr>
-            <p:ph type="title"/>
-          </p:nvPr>
-        </p:nvSpPr>
-        <p:spPr/>
-        <p:txBody>
-          <a:bodyPr>
+          <p:cNvPr id="5" name="內容版面配置區 4"/>
+          <p:cNvSpPr>
+            <a:spLocks noGrp="1"/>
+          </p:cNvSpPr>
+          <p:nvPr>
+            <p:ph idx="1"/>
+          </p:nvPr>
+        </p:nvSpPr>
+        <p:spPr>
+          <a:xfrm>
+            <a:off x="0" y="2084851"/>
+            <a:ext cx="12192000" cy="2404863"/>
+          </a:xfrm>
+        </p:spPr>
+        <p:txBody>
+          <a:bodyPr anchor="ctr">
             <a:normAutofit/>
           </a:bodyPr>
           <a:lstStyle/>
           <a:p>
-            <a:r>
-              <a:rPr lang="zh-TW" altLang="en-US" b="1" dirty="0">
+            <a:pPr algn="ctr">
+              <a:buNone/>
+            </a:pPr>
+            <a:r>
+              <a:rPr lang="zh-TW" altLang="en-US" sz="6400" b="1" dirty="0">
                 <a:solidFill>
                   <a:srgbClr val="000066"/>
                 </a:solidFill>
                 <a:latin typeface="微軟正黑體" pitchFamily="34" charset="-120"/>
                 <a:ea typeface="微軟正黑體" pitchFamily="34" charset="-120"/>
               </a:rPr>
-              <a:t>我們獻</a:t>
-            </a:r>
-            <a:r>
-              <a:rPr lang="zh-TW" altLang="en-US" b="1" dirty="0" smtClean="0">
-                <a:solidFill>
-                  <a:srgbClr val="000066"/>
-                </a:solidFill>
-                <a:latin typeface="微軟正黑體" pitchFamily="34" charset="-120"/>
-                <a:ea typeface="微軟正黑體" pitchFamily="34" charset="-120"/>
-              </a:rPr>
-              <a:t>上</a:t>
-            </a:r>
-            <a:endParaRPr lang="zh-TW" altLang="en-US" b="1" dirty="0">
+              <a:t>我們獻上全心的讚美</a:t>
+            </a:r>
+            <a:endParaRPr lang="en-US" altLang="zh-TW" sz="6400" b="1" dirty="0">
               <a:solidFill>
                 <a:srgbClr val="000066"/>
               </a:solidFill>
@@ -3846,94 +4958,21 @@
               <a:ea typeface="微軟正黑體" pitchFamily="34" charset="-120"/>
             </a:endParaRPr>
           </a:p>
-        </p:txBody>
-      </p:sp>
-      <p:sp>
-        <p:nvSpPr>
-          <p:cNvPr id="5" name="內容版面配置區 4"/>
-          <p:cNvSpPr>
-            <a:spLocks noGrp="1"/>
-          </p:cNvSpPr>
-          <p:nvPr>
-            <p:ph idx="1"/>
-          </p:nvPr>
-        </p:nvSpPr>
-        <p:spPr>
-          <a:xfrm>
-            <a:off x="1524000" y="1600201"/>
-            <a:ext cx="9144000" cy="4525963"/>
-          </a:xfrm>
-        </p:spPr>
-        <p:txBody>
-          <a:bodyPr>
-            <a:noAutofit/>
-          </a:bodyPr>
-          <a:lstStyle/>
           <a:p>
             <a:pPr algn="ctr">
               <a:buNone/>
             </a:pPr>
             <a:r>
-              <a:rPr lang="zh-TW" altLang="en-US" sz="5400" b="1" dirty="0">
+              <a:rPr lang="zh-TW" altLang="en-US" sz="6400" b="1" dirty="0">
                 <a:solidFill>
                   <a:srgbClr val="000066"/>
                 </a:solidFill>
                 <a:latin typeface="微軟正黑體" pitchFamily="34" charset="-120"/>
                 <a:ea typeface="微軟正黑體" pitchFamily="34" charset="-120"/>
               </a:rPr>
-              <a:t>在祢的同在</a:t>
-            </a:r>
-            <a:r>
-              <a:rPr lang="zh-TW" altLang="en-US" sz="5400" b="1" dirty="0" smtClean="0">
-                <a:solidFill>
-                  <a:srgbClr val="000066"/>
-                </a:solidFill>
-                <a:latin typeface="微軟正黑體" pitchFamily="34" charset="-120"/>
-                <a:ea typeface="微軟正黑體" pitchFamily="34" charset="-120"/>
-              </a:rPr>
-              <a:t>裡</a:t>
-            </a:r>
-            <a:r>
-              <a:rPr lang="en-US" altLang="zh-TW" sz="5400" b="1" dirty="0" smtClean="0">
-                <a:solidFill>
-                  <a:srgbClr val="000066"/>
-                </a:solidFill>
-                <a:latin typeface="微軟正黑體" pitchFamily="34" charset="-120"/>
-                <a:ea typeface="微軟正黑體" pitchFamily="34" charset="-120"/>
-              </a:rPr>
-              <a:t>  </a:t>
-            </a:r>
-            <a:r>
-              <a:rPr lang="zh-TW" altLang="en-US" sz="5400" b="1" dirty="0" smtClean="0">
-                <a:solidFill>
-                  <a:srgbClr val="000066"/>
-                </a:solidFill>
-                <a:latin typeface="微軟正黑體" pitchFamily="34" charset="-120"/>
-                <a:ea typeface="微軟正黑體" pitchFamily="34" charset="-120"/>
-              </a:rPr>
-              <a:t>我</a:t>
-            </a:r>
-            <a:r>
-              <a:rPr lang="zh-TW" altLang="en-US" sz="5400" b="1" dirty="0">
-                <a:solidFill>
-                  <a:srgbClr val="000066"/>
-                </a:solidFill>
-                <a:latin typeface="微軟正黑體" pitchFamily="34" charset="-120"/>
-                <a:ea typeface="微軟正黑體" pitchFamily="34" charset="-120"/>
-              </a:rPr>
-              <a:t>們</a:t>
-            </a:r>
-            <a:r>
-              <a:rPr lang="zh-TW" altLang="en-US" sz="5400" b="1" dirty="0">
-                <a:solidFill>
-                  <a:srgbClr val="000066"/>
-                </a:solidFill>
-                <a:latin typeface="微軟正黑體" pitchFamily="34" charset="-120"/>
-                <a:ea typeface="微軟正黑體" pitchFamily="34" charset="-120"/>
-              </a:rPr>
-              <a:t>揚聲敬拜 </a:t>
-            </a:r>
-            <a:endParaRPr lang="en-US" altLang="zh-TW" sz="5400" b="1" dirty="0" smtClean="0">
+              <a:t>歸於至高全能大君王</a:t>
+            </a:r>
+            <a:endParaRPr lang="en-US" altLang="zh-TW" sz="6400" b="1" dirty="0">
               <a:solidFill>
                 <a:srgbClr val="000066"/>
               </a:solidFill>
@@ -3941,208 +4980,76 @@
               <a:ea typeface="微軟正黑體" pitchFamily="34" charset="-120"/>
             </a:endParaRPr>
           </a:p>
-          <a:p>
-            <a:pPr algn="ctr">
-              <a:buNone/>
-            </a:pPr>
-            <a:r>
-              <a:rPr lang="zh-TW" altLang="en-US" sz="5400" b="1" dirty="0" smtClean="0">
-                <a:solidFill>
-                  <a:srgbClr val="000066"/>
-                </a:solidFill>
-                <a:latin typeface="微軟正黑體" pitchFamily="34" charset="-120"/>
-                <a:ea typeface="微軟正黑體" pitchFamily="34" charset="-120"/>
-              </a:rPr>
-              <a:t>愛慕</a:t>
-            </a:r>
-            <a:r>
-              <a:rPr lang="en-US" altLang="zh-TW" sz="5400" b="1" dirty="0" smtClean="0">
-                <a:solidFill>
-                  <a:srgbClr val="000066"/>
-                </a:solidFill>
-                <a:latin typeface="微軟正黑體" pitchFamily="34" charset="-120"/>
-                <a:ea typeface="微軟正黑體" pitchFamily="34" charset="-120"/>
-              </a:rPr>
-              <a:t>  </a:t>
-            </a:r>
-            <a:r>
-              <a:rPr lang="zh-TW" altLang="en-US" sz="5400" b="1" dirty="0" smtClean="0">
-                <a:solidFill>
-                  <a:srgbClr val="000066"/>
-                </a:solidFill>
-                <a:latin typeface="微軟正黑體" pitchFamily="34" charset="-120"/>
-                <a:ea typeface="微軟正黑體" pitchFamily="34" charset="-120"/>
-              </a:rPr>
-              <a:t>頌</a:t>
-            </a:r>
-            <a:r>
-              <a:rPr lang="zh-TW" altLang="en-US" sz="5400" b="1" dirty="0">
-                <a:solidFill>
-                  <a:srgbClr val="000066"/>
-                </a:solidFill>
-                <a:latin typeface="微軟正黑體" pitchFamily="34" charset="-120"/>
-                <a:ea typeface="微軟正黑體" pitchFamily="34" charset="-120"/>
-              </a:rPr>
-              <a:t>讚</a:t>
-            </a:r>
-            <a:r>
-              <a:rPr lang="zh-TW" altLang="en-US" sz="5400" b="1" dirty="0">
-                <a:solidFill>
-                  <a:srgbClr val="000066"/>
-                </a:solidFill>
-                <a:latin typeface="微軟正黑體" pitchFamily="34" charset="-120"/>
-                <a:ea typeface="微軟正黑體" pitchFamily="34" charset="-120"/>
-              </a:rPr>
-              <a:t>不停息 </a:t>
-            </a:r>
-            <a:endParaRPr lang="en-US" altLang="zh-TW" sz="5400" b="1" dirty="0" smtClean="0">
+        </p:txBody>
+      </p:sp>
+      <p:sp>
+        <p:nvSpPr>
+          <p:cNvPr id="3" name="TextBox 2"/>
+          <p:cNvSpPr txBox="1"/>
+          <p:nvPr/>
+        </p:nvSpPr>
+        <p:spPr>
+          <a:xfrm>
+            <a:off x="0" y="5157192"/>
+            <a:ext cx="12192000" cy="666786"/>
+          </a:xfrm>
+          <a:prstGeom prst="rect">
+            <a:avLst/>
+          </a:prstGeom>
+          <a:noFill/>
+        </p:spPr>
+        <p:txBody>
+          <a:bodyPr wrap="square" rtlCol="0">
+            <a:spAutoFit/>
+          </a:bodyPr>
+          <a:lstStyle/>
+          <a:p>
+            <a:pPr algn="ctr"/>
+            <a:r>
+              <a:rPr lang="en-US" sz="3733" b="1" dirty="0">
+                <a:solidFill>
+                  <a:srgbClr val="000066"/>
+                </a:solidFill>
+                <a:latin typeface="Microsoft JhengHei" panose="020B0604030504040204" pitchFamily="34" charset="-120"/>
+                <a:ea typeface="Microsoft JhengHei" panose="020B0604030504040204" pitchFamily="34" charset="-120"/>
+              </a:rPr>
+              <a:t>( </a:t>
+            </a:r>
+            <a:r>
+              <a:rPr lang="zh-CN" altLang="en-US" sz="3733" b="1" dirty="0">
+                <a:solidFill>
+                  <a:srgbClr val="000066"/>
+                </a:solidFill>
+                <a:latin typeface="Microsoft JhengHei" panose="020B0604030504040204" pitchFamily="34" charset="-120"/>
+                <a:ea typeface="Microsoft JhengHei" panose="020B0604030504040204" pitchFamily="34" charset="-120"/>
+              </a:rPr>
+              <a:t>副歌</a:t>
+            </a:r>
+            <a:r>
+              <a:rPr lang="en-US" sz="3733" b="1" dirty="0">
+                <a:solidFill>
+                  <a:srgbClr val="000066"/>
+                </a:solidFill>
+                <a:latin typeface="Microsoft JhengHei" panose="020B0604030504040204" pitchFamily="34" charset="-120"/>
+                <a:ea typeface="Microsoft JhengHei" panose="020B0604030504040204" pitchFamily="34" charset="-120"/>
+              </a:rPr>
+              <a:t> )</a:t>
+            </a:r>
+            <a:endParaRPr lang="vi-VN" sz="3733" b="1" dirty="0">
               <a:solidFill>
                 <a:srgbClr val="000066"/>
               </a:solidFill>
-              <a:latin typeface="微軟正黑體" pitchFamily="34" charset="-120"/>
-              <a:ea typeface="微軟正黑體" pitchFamily="34" charset="-120"/>
+              <a:ea typeface="Microsoft JhengHei" panose="020B0604030504040204" pitchFamily="34" charset="-120"/>
             </a:endParaRPr>
           </a:p>
-          <a:p>
-            <a:pPr algn="ctr">
-              <a:buNone/>
-            </a:pPr>
-            <a:r>
-              <a:rPr lang="zh-TW" altLang="en-US" sz="5400" b="1" dirty="0" smtClean="0">
-                <a:solidFill>
-                  <a:srgbClr val="000066"/>
-                </a:solidFill>
-                <a:latin typeface="微軟正黑體" pitchFamily="34" charset="-120"/>
-                <a:ea typeface="微軟正黑體" pitchFamily="34" charset="-120"/>
-              </a:rPr>
-              <a:t>昔</a:t>
-            </a:r>
-            <a:r>
-              <a:rPr lang="zh-TW" altLang="en-US" sz="5400" b="1" dirty="0">
-                <a:solidFill>
-                  <a:srgbClr val="000066"/>
-                </a:solidFill>
-                <a:latin typeface="微軟正黑體" pitchFamily="34" charset="-120"/>
-                <a:ea typeface="微軟正黑體" pitchFamily="34" charset="-120"/>
-              </a:rPr>
-              <a:t>在今在永</a:t>
-            </a:r>
-            <a:r>
-              <a:rPr lang="zh-TW" altLang="en-US" sz="5400" b="1" dirty="0" smtClean="0">
-                <a:solidFill>
-                  <a:srgbClr val="000066"/>
-                </a:solidFill>
-                <a:latin typeface="微軟正黑體" pitchFamily="34" charset="-120"/>
-                <a:ea typeface="微軟正黑體" pitchFamily="34" charset="-120"/>
-              </a:rPr>
-              <a:t>在</a:t>
-            </a:r>
-            <a:r>
-              <a:rPr lang="en-US" altLang="zh-TW" sz="5400" b="1" dirty="0" smtClean="0">
-                <a:solidFill>
-                  <a:srgbClr val="000066"/>
-                </a:solidFill>
-                <a:latin typeface="微軟正黑體" pitchFamily="34" charset="-120"/>
-                <a:ea typeface="微軟正黑體" pitchFamily="34" charset="-120"/>
-              </a:rPr>
-              <a:t>  </a:t>
-            </a:r>
-            <a:r>
-              <a:rPr lang="zh-TW" altLang="en-US" sz="5400" b="1" dirty="0" smtClean="0">
-                <a:solidFill>
-                  <a:srgbClr val="000066"/>
-                </a:solidFill>
-                <a:latin typeface="微軟正黑體" pitchFamily="34" charset="-120"/>
-                <a:ea typeface="微軟正黑體" pitchFamily="34" charset="-120"/>
-              </a:rPr>
-              <a:t>萬</a:t>
-            </a:r>
-            <a:r>
-              <a:rPr lang="zh-TW" altLang="en-US" sz="5400" b="1" dirty="0">
-                <a:solidFill>
-                  <a:srgbClr val="000066"/>
-                </a:solidFill>
-                <a:latin typeface="微軟正黑體" pitchFamily="34" charset="-120"/>
-                <a:ea typeface="微軟正黑體" pitchFamily="34" charset="-120"/>
-              </a:rPr>
-              <a:t>世</a:t>
-            </a:r>
-            <a:r>
-              <a:rPr lang="zh-TW" altLang="en-US" sz="5400" b="1" dirty="0">
-                <a:solidFill>
-                  <a:srgbClr val="000066"/>
-                </a:solidFill>
-                <a:latin typeface="微軟正黑體" pitchFamily="34" charset="-120"/>
-                <a:ea typeface="微軟正黑體" pitchFamily="34" charset="-120"/>
-              </a:rPr>
-              <a:t>尊崇</a:t>
-            </a:r>
-            <a:r>
-              <a:rPr lang="zh-TW" altLang="en-US" sz="5400" b="1" dirty="0">
-                <a:solidFill>
-                  <a:srgbClr val="000066"/>
-                </a:solidFill>
-                <a:latin typeface="微軟正黑體" pitchFamily="34" charset="-120"/>
-                <a:ea typeface="微軟正黑體" pitchFamily="34" charset="-120"/>
-              </a:rPr>
-              <a:t>愛戴</a:t>
-            </a:r>
-            <a:endParaRPr lang="en-US" altLang="zh-TW" sz="5400" b="1" dirty="0">
-              <a:solidFill>
-                <a:srgbClr val="000066"/>
-              </a:solidFill>
-              <a:latin typeface="微軟正黑體" pitchFamily="34" charset="-120"/>
-              <a:ea typeface="微軟正黑體" pitchFamily="34" charset="-120"/>
-            </a:endParaRPr>
-          </a:p>
-          <a:p>
-            <a:pPr algn="ctr">
-              <a:buNone/>
-            </a:pPr>
-            <a:r>
-              <a:rPr lang="zh-TW" altLang="en-US" sz="5400" b="1" dirty="0">
-                <a:solidFill>
-                  <a:srgbClr val="000066"/>
-                </a:solidFill>
-                <a:latin typeface="微軟正黑體" pitchFamily="34" charset="-120"/>
-                <a:ea typeface="微軟正黑體" pitchFamily="34" charset="-120"/>
-              </a:rPr>
-              <a:t>為要</a:t>
-            </a:r>
-            <a:r>
-              <a:rPr lang="zh-TW" altLang="en-US" sz="5400" b="1" dirty="0">
-                <a:solidFill>
-                  <a:srgbClr val="000066"/>
-                </a:solidFill>
-                <a:latin typeface="微軟正黑體" pitchFamily="34" charset="-120"/>
-                <a:ea typeface="微軟正黑體" pitchFamily="34" charset="-120"/>
-              </a:rPr>
-              <a:t>訴說 </a:t>
-            </a:r>
-            <a:r>
-              <a:rPr lang="zh-TW" altLang="en-US" sz="5400" b="1" dirty="0" smtClean="0">
-                <a:solidFill>
-                  <a:srgbClr val="000066"/>
-                </a:solidFill>
-                <a:latin typeface="微軟正黑體" pitchFamily="34" charset="-120"/>
-                <a:ea typeface="微軟正黑體" pitchFamily="34" charset="-120"/>
-              </a:rPr>
-              <a:t> 祢</a:t>
-            </a:r>
-            <a:r>
-              <a:rPr lang="zh-TW" altLang="en-US" sz="5400" b="1" dirty="0">
-                <a:solidFill>
-                  <a:srgbClr val="000066"/>
-                </a:solidFill>
-                <a:latin typeface="微軟正黑體" pitchFamily="34" charset="-120"/>
-                <a:ea typeface="微軟正黑體" pitchFamily="34" charset="-120"/>
-              </a:rPr>
-              <a:t>的愛</a:t>
-            </a:r>
-          </a:p>
         </p:txBody>
       </p:sp>
     </p:spTree>
+    <p:extLst>
+      <p:ext uri="{BB962C8B-B14F-4D97-AF65-F5344CB8AC3E}">
+        <p14:creationId xmlns:p14="http://schemas.microsoft.com/office/powerpoint/2010/main" val="24633133"/>
+      </p:ext>
+    </p:extLst>
   </p:cSld>
   <p:clrMapOvr>
     <a:masterClrMapping/>
@@ -4169,42 +5076,40 @@
       </p:grpSpPr>
       <p:sp>
         <p:nvSpPr>
-          <p:cNvPr id="4" name="標題 3"/>
-          <p:cNvSpPr>
-            <a:spLocks noGrp="1"/>
-          </p:cNvSpPr>
-          <p:nvPr>
-            <p:ph type="title"/>
-          </p:nvPr>
-        </p:nvSpPr>
-        <p:spPr/>
-        <p:txBody>
-          <a:bodyPr>
+          <p:cNvPr id="5" name="內容版面配置區 4"/>
+          <p:cNvSpPr>
+            <a:spLocks noGrp="1"/>
+          </p:cNvSpPr>
+          <p:nvPr>
+            <p:ph idx="1"/>
+          </p:nvPr>
+        </p:nvSpPr>
+        <p:spPr>
+          <a:xfrm>
+            <a:off x="0" y="2084851"/>
+            <a:ext cx="12192000" cy="2404863"/>
+          </a:xfrm>
+        </p:spPr>
+        <p:txBody>
+          <a:bodyPr anchor="ctr">
             <a:normAutofit/>
           </a:bodyPr>
           <a:lstStyle/>
           <a:p>
-            <a:r>
-              <a:rPr lang="zh-TW" altLang="en-US" b="1" dirty="0">
+            <a:pPr algn="ctr">
+              <a:buNone/>
+            </a:pPr>
+            <a:r>
+              <a:rPr lang="zh-TW" altLang="en-US" sz="6400" b="1" dirty="0">
                 <a:solidFill>
                   <a:srgbClr val="000066"/>
                 </a:solidFill>
                 <a:latin typeface="微軟正黑體" pitchFamily="34" charset="-120"/>
                 <a:ea typeface="微軟正黑體" pitchFamily="34" charset="-120"/>
               </a:rPr>
-              <a:t>我們獻</a:t>
-            </a:r>
-            <a:r>
-              <a:rPr lang="zh-TW" altLang="en-US" b="1" dirty="0" smtClean="0">
-                <a:solidFill>
-                  <a:srgbClr val="000066"/>
-                </a:solidFill>
-                <a:latin typeface="微軟正黑體" pitchFamily="34" charset="-120"/>
-                <a:ea typeface="微軟正黑體" pitchFamily="34" charset="-120"/>
-              </a:rPr>
-              <a:t>上</a:t>
-            </a:r>
-            <a:endParaRPr lang="zh-TW" altLang="en-US" b="1" dirty="0">
+              <a:t>我們的聲音  述說祢的榮耀</a:t>
+            </a:r>
+            <a:endParaRPr lang="en-US" altLang="zh-TW" sz="6400" b="1" dirty="0">
               <a:solidFill>
                 <a:srgbClr val="000066"/>
               </a:solidFill>
@@ -4212,54 +5117,21 @@
               <a:ea typeface="微軟正黑體" pitchFamily="34" charset="-120"/>
             </a:endParaRPr>
           </a:p>
-        </p:txBody>
-      </p:sp>
-      <p:sp>
-        <p:nvSpPr>
-          <p:cNvPr id="5" name="內容版面配置區 4"/>
-          <p:cNvSpPr>
-            <a:spLocks noGrp="1"/>
-          </p:cNvSpPr>
-          <p:nvPr>
-            <p:ph idx="1"/>
-          </p:nvPr>
-        </p:nvSpPr>
-        <p:spPr>
-          <a:xfrm>
-            <a:off x="1524000" y="1600201"/>
-            <a:ext cx="9144000" cy="4525963"/>
-          </a:xfrm>
-        </p:spPr>
-        <p:txBody>
-          <a:bodyPr>
-            <a:noAutofit/>
-          </a:bodyPr>
-          <a:lstStyle/>
           <a:p>
             <a:pPr algn="ctr">
               <a:buNone/>
             </a:pPr>
             <a:r>
-              <a:rPr lang="zh-TW" altLang="en-US" sz="5400" b="1" dirty="0">
+              <a:rPr lang="zh-TW" altLang="en-US" sz="6400" b="1" dirty="0">
                 <a:solidFill>
                   <a:srgbClr val="000066"/>
                 </a:solidFill>
                 <a:latin typeface="微軟正黑體" pitchFamily="34" charset="-120"/>
                 <a:ea typeface="微軟正黑體" pitchFamily="34" charset="-120"/>
               </a:rPr>
-              <a:t>我們獻上全心的</a:t>
-            </a:r>
-            <a:r>
-              <a:rPr lang="zh-TW" altLang="en-US" sz="5400" b="1" dirty="0">
-                <a:solidFill>
-                  <a:srgbClr val="000066"/>
-                </a:solidFill>
-                <a:latin typeface="微軟正黑體" pitchFamily="34" charset="-120"/>
-                <a:ea typeface="微軟正黑體" pitchFamily="34" charset="-120"/>
-              </a:rPr>
-              <a:t>讚美</a:t>
-            </a:r>
-            <a:endParaRPr lang="en-US" altLang="zh-TW" sz="5400" b="1" dirty="0">
+              <a:t>祢的慈愛  直到永遠</a:t>
+            </a:r>
+            <a:endParaRPr lang="zh-TW" altLang="en-US" sz="6400" b="1" dirty="0">
               <a:solidFill>
                 <a:srgbClr val="000066"/>
               </a:solidFill>
@@ -4267,121 +5139,74 @@
               <a:ea typeface="微軟正黑體" pitchFamily="34" charset="-120"/>
             </a:endParaRPr>
           </a:p>
-          <a:p>
-            <a:pPr algn="ctr">
-              <a:buNone/>
-            </a:pPr>
-            <a:r>
-              <a:rPr lang="zh-TW" altLang="en-US" sz="5400" b="1" dirty="0">
-                <a:solidFill>
-                  <a:srgbClr val="000066"/>
-                </a:solidFill>
-                <a:latin typeface="微軟正黑體" pitchFamily="34" charset="-120"/>
-                <a:ea typeface="微軟正黑體" pitchFamily="34" charset="-120"/>
-              </a:rPr>
-              <a:t>歸於</a:t>
-            </a:r>
-            <a:r>
-              <a:rPr lang="zh-TW" altLang="en-US" sz="5400" b="1" dirty="0">
-                <a:solidFill>
-                  <a:srgbClr val="000066"/>
-                </a:solidFill>
-                <a:latin typeface="微軟正黑體" pitchFamily="34" charset="-120"/>
-                <a:ea typeface="微軟正黑體" pitchFamily="34" charset="-120"/>
-              </a:rPr>
-              <a:t>至高全能大</a:t>
-            </a:r>
-            <a:r>
-              <a:rPr lang="zh-TW" altLang="en-US" sz="5400" b="1" dirty="0">
-                <a:solidFill>
-                  <a:srgbClr val="000066"/>
-                </a:solidFill>
-                <a:latin typeface="微軟正黑體" pitchFamily="34" charset="-120"/>
-                <a:ea typeface="微軟正黑體" pitchFamily="34" charset="-120"/>
-              </a:rPr>
-              <a:t>君王</a:t>
-            </a:r>
-            <a:endParaRPr lang="en-US" altLang="zh-TW" sz="5400" b="1" dirty="0">
+        </p:txBody>
+      </p:sp>
+      <p:sp>
+        <p:nvSpPr>
+          <p:cNvPr id="3" name="TextBox 2"/>
+          <p:cNvSpPr txBox="1"/>
+          <p:nvPr/>
+        </p:nvSpPr>
+        <p:spPr>
+          <a:xfrm>
+            <a:off x="0" y="5157192"/>
+            <a:ext cx="12192000" cy="666786"/>
+          </a:xfrm>
+          <a:prstGeom prst="rect">
+            <a:avLst/>
+          </a:prstGeom>
+          <a:noFill/>
+        </p:spPr>
+        <p:txBody>
+          <a:bodyPr wrap="square" rtlCol="0">
+            <a:spAutoFit/>
+          </a:bodyPr>
+          <a:lstStyle/>
+          <a:p>
+            <a:pPr algn="ctr"/>
+            <a:r>
+              <a:rPr lang="en-US" sz="3733" b="1" dirty="0">
+                <a:solidFill>
+                  <a:srgbClr val="000066"/>
+                </a:solidFill>
+                <a:latin typeface="Microsoft JhengHei" panose="020B0604030504040204" pitchFamily="34" charset="-120"/>
+                <a:ea typeface="Microsoft JhengHei" panose="020B0604030504040204" pitchFamily="34" charset="-120"/>
+              </a:rPr>
+              <a:t>( </a:t>
+            </a:r>
+            <a:r>
+              <a:rPr lang="zh-CN" altLang="en-US" sz="3733" b="1" dirty="0">
+                <a:solidFill>
+                  <a:srgbClr val="000066"/>
+                </a:solidFill>
+                <a:latin typeface="Microsoft JhengHei" panose="020B0604030504040204" pitchFamily="34" charset="-120"/>
+                <a:ea typeface="Microsoft JhengHei" panose="020B0604030504040204" pitchFamily="34" charset="-120"/>
+              </a:rPr>
+              <a:t>副歌</a:t>
+            </a:r>
+            <a:r>
+              <a:rPr lang="en-US" sz="3733" b="1" dirty="0">
+                <a:solidFill>
+                  <a:srgbClr val="000066"/>
+                </a:solidFill>
+                <a:latin typeface="Microsoft JhengHei" panose="020B0604030504040204" pitchFamily="34" charset="-120"/>
+                <a:ea typeface="Microsoft JhengHei" panose="020B0604030504040204" pitchFamily="34" charset="-120"/>
+              </a:rPr>
+              <a:t> )</a:t>
+            </a:r>
+            <a:endParaRPr lang="vi-VN" sz="3733" b="1" dirty="0">
               <a:solidFill>
                 <a:srgbClr val="000066"/>
               </a:solidFill>
-              <a:latin typeface="微軟正黑體" pitchFamily="34" charset="-120"/>
-              <a:ea typeface="微軟正黑體" pitchFamily="34" charset="-120"/>
+              <a:ea typeface="Microsoft JhengHei" panose="020B0604030504040204" pitchFamily="34" charset="-120"/>
             </a:endParaRPr>
-          </a:p>
-          <a:p>
-            <a:pPr algn="ctr">
-              <a:buNone/>
-            </a:pPr>
-            <a:r>
-              <a:rPr lang="zh-TW" altLang="en-US" sz="5400" b="1" dirty="0">
-                <a:solidFill>
-                  <a:srgbClr val="000066"/>
-                </a:solidFill>
-                <a:latin typeface="微軟正黑體" pitchFamily="34" charset="-120"/>
-                <a:ea typeface="微軟正黑體" pitchFamily="34" charset="-120"/>
-              </a:rPr>
-              <a:t>我們</a:t>
-            </a:r>
-            <a:r>
-              <a:rPr lang="zh-TW" altLang="en-US" sz="5400" b="1" dirty="0">
-                <a:solidFill>
-                  <a:srgbClr val="000066"/>
-                </a:solidFill>
-                <a:latin typeface="微軟正黑體" pitchFamily="34" charset="-120"/>
-                <a:ea typeface="微軟正黑體" pitchFamily="34" charset="-120"/>
-              </a:rPr>
-              <a:t>的聲音 述說祢的</a:t>
-            </a:r>
-            <a:r>
-              <a:rPr lang="zh-TW" altLang="en-US" sz="5400" b="1" dirty="0">
-                <a:solidFill>
-                  <a:srgbClr val="000066"/>
-                </a:solidFill>
-                <a:latin typeface="微軟正黑體" pitchFamily="34" charset="-120"/>
-                <a:ea typeface="微軟正黑體" pitchFamily="34" charset="-120"/>
-              </a:rPr>
-              <a:t>榮耀</a:t>
-            </a:r>
-            <a:endParaRPr lang="en-US" altLang="zh-TW" sz="5400" b="1" dirty="0">
-              <a:solidFill>
-                <a:srgbClr val="000066"/>
-              </a:solidFill>
-              <a:latin typeface="微軟正黑體" pitchFamily="34" charset="-120"/>
-              <a:ea typeface="微軟正黑體" pitchFamily="34" charset="-120"/>
-            </a:endParaRPr>
-          </a:p>
-          <a:p>
-            <a:pPr algn="ctr">
-              <a:buNone/>
-            </a:pPr>
-            <a:r>
-              <a:rPr lang="zh-TW" altLang="en-US" sz="5400" b="1" dirty="0">
-                <a:solidFill>
-                  <a:srgbClr val="000066"/>
-                </a:solidFill>
-                <a:latin typeface="微軟正黑體" pitchFamily="34" charset="-120"/>
-                <a:ea typeface="微軟正黑體" pitchFamily="34" charset="-120"/>
-              </a:rPr>
-              <a:t>祢</a:t>
-            </a:r>
-            <a:r>
-              <a:rPr lang="zh-TW" altLang="en-US" sz="5400" b="1" dirty="0">
-                <a:solidFill>
-                  <a:srgbClr val="000066"/>
-                </a:solidFill>
-                <a:latin typeface="微軟正黑體" pitchFamily="34" charset="-120"/>
-                <a:ea typeface="微軟正黑體" pitchFamily="34" charset="-120"/>
-              </a:rPr>
-              <a:t>的慈愛 直到永遠</a:t>
-            </a:r>
           </a:p>
         </p:txBody>
       </p:sp>
     </p:spTree>
     <p:extLst>
       <p:ext uri="{BB962C8B-B14F-4D97-AF65-F5344CB8AC3E}">
-        <p14:creationId xmlns:p14="http://schemas.microsoft.com/office/powerpoint/2010/main" val="3317553505"/>
+        <p14:creationId xmlns:p14="http://schemas.microsoft.com/office/powerpoint/2010/main" val="2566629310"/>
       </p:ext>
     </p:extLst>
   </p:cSld>
@@ -4410,42 +5235,40 @@
       </p:grpSpPr>
       <p:sp>
         <p:nvSpPr>
-          <p:cNvPr id="4" name="標題 3"/>
-          <p:cNvSpPr>
-            <a:spLocks noGrp="1"/>
-          </p:cNvSpPr>
-          <p:nvPr>
-            <p:ph type="title"/>
-          </p:nvPr>
-        </p:nvSpPr>
-        <p:spPr/>
-        <p:txBody>
-          <a:bodyPr>
+          <p:cNvPr id="5" name="內容版面配置區 4"/>
+          <p:cNvSpPr>
+            <a:spLocks noGrp="1"/>
+          </p:cNvSpPr>
+          <p:nvPr>
+            <p:ph idx="1"/>
+          </p:nvPr>
+        </p:nvSpPr>
+        <p:spPr>
+          <a:xfrm>
+            <a:off x="0" y="2084851"/>
+            <a:ext cx="12192000" cy="2404863"/>
+          </a:xfrm>
+        </p:spPr>
+        <p:txBody>
+          <a:bodyPr anchor="ctr">
             <a:normAutofit/>
           </a:bodyPr>
           <a:lstStyle/>
           <a:p>
-            <a:r>
-              <a:rPr lang="zh-TW" altLang="en-US" b="1" dirty="0">
+            <a:pPr algn="ctr">
+              <a:buNone/>
+            </a:pPr>
+            <a:r>
+              <a:rPr lang="zh-TW" altLang="en-US" sz="6400" b="1" dirty="0">
                 <a:solidFill>
                   <a:srgbClr val="000066"/>
                 </a:solidFill>
                 <a:latin typeface="微軟正黑體" pitchFamily="34" charset="-120"/>
                 <a:ea typeface="微軟正黑體" pitchFamily="34" charset="-120"/>
               </a:rPr>
-              <a:t>我們獻</a:t>
-            </a:r>
-            <a:r>
-              <a:rPr lang="zh-TW" altLang="en-US" b="1" dirty="0" smtClean="0">
-                <a:solidFill>
-                  <a:srgbClr val="000066"/>
-                </a:solidFill>
-                <a:latin typeface="微軟正黑體" pitchFamily="34" charset="-120"/>
-                <a:ea typeface="微軟正黑體" pitchFamily="34" charset="-120"/>
-              </a:rPr>
-              <a:t>上</a:t>
-            </a:r>
-            <a:endParaRPr lang="zh-TW" altLang="en-US" b="1" dirty="0">
+              <a:t>我們獻上生命的敬拜</a:t>
+            </a:r>
+            <a:endParaRPr lang="en-US" altLang="zh-TW" sz="6400" b="1" dirty="0">
               <a:solidFill>
                 <a:srgbClr val="000066"/>
               </a:solidFill>
@@ -4453,54 +5276,21 @@
               <a:ea typeface="微軟正黑體" pitchFamily="34" charset="-120"/>
             </a:endParaRPr>
           </a:p>
-        </p:txBody>
-      </p:sp>
-      <p:sp>
-        <p:nvSpPr>
-          <p:cNvPr id="5" name="內容版面配置區 4"/>
-          <p:cNvSpPr>
-            <a:spLocks noGrp="1"/>
-          </p:cNvSpPr>
-          <p:nvPr>
-            <p:ph idx="1"/>
-          </p:nvPr>
-        </p:nvSpPr>
-        <p:spPr>
-          <a:xfrm>
-            <a:off x="1524000" y="1600201"/>
-            <a:ext cx="9144000" cy="4525963"/>
-          </a:xfrm>
-        </p:spPr>
-        <p:txBody>
-          <a:bodyPr>
-            <a:noAutofit/>
-          </a:bodyPr>
-          <a:lstStyle/>
           <a:p>
             <a:pPr algn="ctr">
               <a:buNone/>
             </a:pPr>
             <a:r>
-              <a:rPr lang="zh-TW" altLang="en-US" sz="5400" b="1" dirty="0">
+              <a:rPr lang="zh-TW" altLang="en-US" sz="6400" b="1" dirty="0">
                 <a:solidFill>
                   <a:srgbClr val="000066"/>
                 </a:solidFill>
                 <a:latin typeface="微軟正黑體" pitchFamily="34" charset="-120"/>
                 <a:ea typeface="微軟正黑體" pitchFamily="34" charset="-120"/>
               </a:rPr>
-              <a:t>我們獻上生命的敬</a:t>
-            </a:r>
-            <a:r>
-              <a:rPr lang="zh-TW" altLang="en-US" sz="5400" b="1" dirty="0">
-                <a:solidFill>
-                  <a:srgbClr val="000066"/>
-                </a:solidFill>
-                <a:latin typeface="微軟正黑體" pitchFamily="34" charset="-120"/>
-                <a:ea typeface="微軟正黑體" pitchFamily="34" charset="-120"/>
-              </a:rPr>
-              <a:t>拜</a:t>
-            </a:r>
-            <a:endParaRPr lang="en-US" altLang="zh-TW" sz="5400" b="1" dirty="0">
+              <a:t>渴慕能夠更多親近祢</a:t>
+            </a:r>
+            <a:endParaRPr lang="en-US" altLang="zh-TW" sz="6400" b="1" dirty="0">
               <a:solidFill>
                 <a:srgbClr val="000066"/>
               </a:solidFill>
@@ -4508,121 +5298,74 @@
               <a:ea typeface="微軟正黑體" pitchFamily="34" charset="-120"/>
             </a:endParaRPr>
           </a:p>
-          <a:p>
-            <a:pPr algn="ctr">
-              <a:buNone/>
-            </a:pPr>
-            <a:r>
-              <a:rPr lang="zh-TW" altLang="en-US" sz="5400" b="1" dirty="0">
-                <a:solidFill>
-                  <a:srgbClr val="000066"/>
-                </a:solidFill>
-                <a:latin typeface="微軟正黑體" pitchFamily="34" charset="-120"/>
-                <a:ea typeface="微軟正黑體" pitchFamily="34" charset="-120"/>
-              </a:rPr>
-              <a:t>渴慕</a:t>
-            </a:r>
-            <a:r>
-              <a:rPr lang="zh-TW" altLang="en-US" sz="5400" b="1" dirty="0">
-                <a:solidFill>
-                  <a:srgbClr val="000066"/>
-                </a:solidFill>
-                <a:latin typeface="微軟正黑體" pitchFamily="34" charset="-120"/>
-                <a:ea typeface="微軟正黑體" pitchFamily="34" charset="-120"/>
-              </a:rPr>
-              <a:t>能夠更多親近</a:t>
-            </a:r>
-            <a:r>
-              <a:rPr lang="zh-TW" altLang="en-US" sz="5400" b="1" dirty="0">
-                <a:solidFill>
-                  <a:srgbClr val="000066"/>
-                </a:solidFill>
-                <a:latin typeface="微軟正黑體" pitchFamily="34" charset="-120"/>
-                <a:ea typeface="微軟正黑體" pitchFamily="34" charset="-120"/>
-              </a:rPr>
-              <a:t>祢</a:t>
-            </a:r>
-            <a:endParaRPr lang="en-US" altLang="zh-TW" sz="5400" b="1" dirty="0">
+        </p:txBody>
+      </p:sp>
+      <p:sp>
+        <p:nvSpPr>
+          <p:cNvPr id="3" name="TextBox 2"/>
+          <p:cNvSpPr txBox="1"/>
+          <p:nvPr/>
+        </p:nvSpPr>
+        <p:spPr>
+          <a:xfrm>
+            <a:off x="0" y="5157192"/>
+            <a:ext cx="12192000" cy="666786"/>
+          </a:xfrm>
+          <a:prstGeom prst="rect">
+            <a:avLst/>
+          </a:prstGeom>
+          <a:noFill/>
+        </p:spPr>
+        <p:txBody>
+          <a:bodyPr wrap="square" rtlCol="0">
+            <a:spAutoFit/>
+          </a:bodyPr>
+          <a:lstStyle/>
+          <a:p>
+            <a:pPr algn="ctr"/>
+            <a:r>
+              <a:rPr lang="en-US" sz="3733" b="1" dirty="0">
+                <a:solidFill>
+                  <a:srgbClr val="000066"/>
+                </a:solidFill>
+                <a:latin typeface="Microsoft JhengHei" panose="020B0604030504040204" pitchFamily="34" charset="-120"/>
+                <a:ea typeface="Microsoft JhengHei" panose="020B0604030504040204" pitchFamily="34" charset="-120"/>
+              </a:rPr>
+              <a:t>( </a:t>
+            </a:r>
+            <a:r>
+              <a:rPr lang="zh-CN" altLang="en-US" sz="3733" b="1" dirty="0">
+                <a:solidFill>
+                  <a:srgbClr val="000066"/>
+                </a:solidFill>
+                <a:latin typeface="Microsoft JhengHei" panose="020B0604030504040204" pitchFamily="34" charset="-120"/>
+                <a:ea typeface="Microsoft JhengHei" panose="020B0604030504040204" pitchFamily="34" charset="-120"/>
+              </a:rPr>
+              <a:t>副歌</a:t>
+            </a:r>
+            <a:r>
+              <a:rPr lang="en-US" sz="3733" b="1" dirty="0">
+                <a:solidFill>
+                  <a:srgbClr val="000066"/>
+                </a:solidFill>
+                <a:latin typeface="Microsoft JhengHei" panose="020B0604030504040204" pitchFamily="34" charset="-120"/>
+                <a:ea typeface="Microsoft JhengHei" panose="020B0604030504040204" pitchFamily="34" charset="-120"/>
+              </a:rPr>
+              <a:t> )</a:t>
+            </a:r>
+            <a:endParaRPr lang="vi-VN" sz="3733" b="1" dirty="0">
               <a:solidFill>
                 <a:srgbClr val="000066"/>
               </a:solidFill>
-              <a:latin typeface="微軟正黑體" pitchFamily="34" charset="-120"/>
-              <a:ea typeface="微軟正黑體" pitchFamily="34" charset="-120"/>
+              <a:ea typeface="Microsoft JhengHei" panose="020B0604030504040204" pitchFamily="34" charset="-120"/>
             </a:endParaRPr>
-          </a:p>
-          <a:p>
-            <a:pPr algn="ctr">
-              <a:buNone/>
-            </a:pPr>
-            <a:r>
-              <a:rPr lang="zh-TW" altLang="en-US" sz="5400" b="1" dirty="0">
-                <a:solidFill>
-                  <a:srgbClr val="000066"/>
-                </a:solidFill>
-                <a:latin typeface="微軟正黑體" pitchFamily="34" charset="-120"/>
-                <a:ea typeface="微軟正黑體" pitchFamily="34" charset="-120"/>
-              </a:rPr>
-              <a:t>蒙恩</a:t>
-            </a:r>
-            <a:r>
-              <a:rPr lang="zh-TW" altLang="en-US" sz="5400" b="1" dirty="0">
-                <a:solidFill>
-                  <a:srgbClr val="000066"/>
-                </a:solidFill>
-                <a:latin typeface="微軟正黑體" pitchFamily="34" charset="-120"/>
-                <a:ea typeface="微軟正黑體" pitchFamily="34" charset="-120"/>
-              </a:rPr>
-              <a:t>的兒女 歌頌祢的</a:t>
-            </a:r>
-            <a:r>
-              <a:rPr lang="zh-TW" altLang="en-US" sz="5400" b="1" dirty="0">
-                <a:solidFill>
-                  <a:srgbClr val="000066"/>
-                </a:solidFill>
-                <a:latin typeface="微軟正黑體" pitchFamily="34" charset="-120"/>
-                <a:ea typeface="微軟正黑體" pitchFamily="34" charset="-120"/>
-              </a:rPr>
-              <a:t>美好</a:t>
-            </a:r>
-            <a:endParaRPr lang="en-US" altLang="zh-TW" sz="5400" b="1" dirty="0">
-              <a:solidFill>
-                <a:srgbClr val="000066"/>
-              </a:solidFill>
-              <a:latin typeface="微軟正黑體" pitchFamily="34" charset="-120"/>
-              <a:ea typeface="微軟正黑體" pitchFamily="34" charset="-120"/>
-            </a:endParaRPr>
-          </a:p>
-          <a:p>
-            <a:pPr algn="ctr">
-              <a:buNone/>
-            </a:pPr>
-            <a:r>
-              <a:rPr lang="zh-TW" altLang="en-US" sz="5400" b="1" dirty="0">
-                <a:solidFill>
-                  <a:srgbClr val="000066"/>
-                </a:solidFill>
-                <a:latin typeface="微軟正黑體" pitchFamily="34" charset="-120"/>
-                <a:ea typeface="微軟正黑體" pitchFamily="34" charset="-120"/>
-              </a:rPr>
-              <a:t>歡迎</a:t>
-            </a:r>
-            <a:r>
-              <a:rPr lang="zh-TW" altLang="en-US" sz="5400" b="1" dirty="0">
-                <a:solidFill>
-                  <a:srgbClr val="000066"/>
-                </a:solidFill>
-                <a:latin typeface="微軟正黑體" pitchFamily="34" charset="-120"/>
-                <a:ea typeface="微軟正黑體" pitchFamily="34" charset="-120"/>
-              </a:rPr>
-              <a:t>祢的國度 降臨這土地</a:t>
-            </a:r>
           </a:p>
         </p:txBody>
       </p:sp>
     </p:spTree>
     <p:extLst>
       <p:ext uri="{BB962C8B-B14F-4D97-AF65-F5344CB8AC3E}">
-        <p14:creationId xmlns:p14="http://schemas.microsoft.com/office/powerpoint/2010/main" val="3865549422"/>
+        <p14:creationId xmlns:p14="http://schemas.microsoft.com/office/powerpoint/2010/main" val="2581945065"/>
       </p:ext>
     </p:extLst>
   </p:cSld>
@@ -4651,42 +5394,40 @@
       </p:grpSpPr>
       <p:sp>
         <p:nvSpPr>
-          <p:cNvPr id="4" name="標題 3"/>
-          <p:cNvSpPr>
-            <a:spLocks noGrp="1"/>
-          </p:cNvSpPr>
-          <p:nvPr>
-            <p:ph type="title"/>
-          </p:nvPr>
-        </p:nvSpPr>
-        <p:spPr/>
-        <p:txBody>
-          <a:bodyPr>
+          <p:cNvPr id="5" name="內容版面配置區 4"/>
+          <p:cNvSpPr>
+            <a:spLocks noGrp="1"/>
+          </p:cNvSpPr>
+          <p:nvPr>
+            <p:ph idx="1"/>
+          </p:nvPr>
+        </p:nvSpPr>
+        <p:spPr>
+          <a:xfrm>
+            <a:off x="0" y="2084851"/>
+            <a:ext cx="12192000" cy="2404863"/>
+          </a:xfrm>
+        </p:spPr>
+        <p:txBody>
+          <a:bodyPr anchor="ctr">
             <a:normAutofit/>
           </a:bodyPr>
           <a:lstStyle/>
           <a:p>
-            <a:r>
-              <a:rPr lang="zh-TW" altLang="en-US" b="1" dirty="0">
+            <a:pPr algn="ctr">
+              <a:buNone/>
+            </a:pPr>
+            <a:r>
+              <a:rPr lang="zh-TW" altLang="en-US" sz="6400" b="1" dirty="0">
                 <a:solidFill>
                   <a:srgbClr val="000066"/>
                 </a:solidFill>
                 <a:latin typeface="微軟正黑體" pitchFamily="34" charset="-120"/>
                 <a:ea typeface="微軟正黑體" pitchFamily="34" charset="-120"/>
               </a:rPr>
-              <a:t>我們獻</a:t>
-            </a:r>
-            <a:r>
-              <a:rPr lang="zh-TW" altLang="en-US" b="1" dirty="0" smtClean="0">
-                <a:solidFill>
-                  <a:srgbClr val="000066"/>
-                </a:solidFill>
-                <a:latin typeface="微軟正黑體" pitchFamily="34" charset="-120"/>
-                <a:ea typeface="微軟正黑體" pitchFamily="34" charset="-120"/>
-              </a:rPr>
-              <a:t>上</a:t>
-            </a:r>
-            <a:endParaRPr lang="zh-TW" altLang="en-US" b="1" dirty="0">
+              <a:t>蒙恩的兒女  歌頌祢的美好</a:t>
+            </a:r>
+            <a:endParaRPr lang="en-US" altLang="zh-TW" sz="6400" b="1" dirty="0">
               <a:solidFill>
                 <a:srgbClr val="000066"/>
               </a:solidFill>
@@ -4694,54 +5435,21 @@
               <a:ea typeface="微軟正黑體" pitchFamily="34" charset="-120"/>
             </a:endParaRPr>
           </a:p>
-        </p:txBody>
-      </p:sp>
-      <p:sp>
-        <p:nvSpPr>
-          <p:cNvPr id="5" name="內容版面配置區 4"/>
-          <p:cNvSpPr>
-            <a:spLocks noGrp="1"/>
-          </p:cNvSpPr>
-          <p:nvPr>
-            <p:ph idx="1"/>
-          </p:nvPr>
-        </p:nvSpPr>
-        <p:spPr>
-          <a:xfrm>
-            <a:off x="1524000" y="1600201"/>
-            <a:ext cx="9144000" cy="4525963"/>
-          </a:xfrm>
-        </p:spPr>
-        <p:txBody>
-          <a:bodyPr>
-            <a:noAutofit/>
-          </a:bodyPr>
-          <a:lstStyle/>
           <a:p>
             <a:pPr algn="ctr">
               <a:buNone/>
             </a:pPr>
             <a:r>
-              <a:rPr lang="zh-TW" altLang="en-US" sz="5400" b="1" dirty="0">
+              <a:rPr lang="zh-TW" altLang="en-US" sz="6400" b="1" dirty="0">
                 <a:solidFill>
                   <a:srgbClr val="000066"/>
                 </a:solidFill>
                 <a:latin typeface="微軟正黑體" pitchFamily="34" charset="-120"/>
                 <a:ea typeface="微軟正黑體" pitchFamily="34" charset="-120"/>
               </a:rPr>
-              <a:t>哈利路亞 哈利路</a:t>
-            </a:r>
-            <a:r>
-              <a:rPr lang="zh-TW" altLang="en-US" sz="5400" b="1" dirty="0">
-                <a:solidFill>
-                  <a:srgbClr val="000066"/>
-                </a:solidFill>
-                <a:latin typeface="微軟正黑體" pitchFamily="34" charset="-120"/>
-                <a:ea typeface="微軟正黑體" pitchFamily="34" charset="-120"/>
-              </a:rPr>
-              <a:t>亞</a:t>
-            </a:r>
-            <a:endParaRPr lang="en-US" altLang="zh-TW" sz="5400" b="1" dirty="0">
+              <a:t>歡迎祢的國度  降臨這土地</a:t>
+            </a:r>
+            <a:endParaRPr lang="zh-TW" altLang="en-US" sz="6400" b="1" dirty="0">
               <a:solidFill>
                 <a:srgbClr val="000066"/>
               </a:solidFill>
@@ -4749,34 +5457,454 @@
               <a:ea typeface="微軟正黑體" pitchFamily="34" charset="-120"/>
             </a:endParaRPr>
           </a:p>
+        </p:txBody>
+      </p:sp>
+      <p:sp>
+        <p:nvSpPr>
+          <p:cNvPr id="3" name="TextBox 2"/>
+          <p:cNvSpPr txBox="1"/>
+          <p:nvPr/>
+        </p:nvSpPr>
+        <p:spPr>
+          <a:xfrm>
+            <a:off x="0" y="5157192"/>
+            <a:ext cx="12192000" cy="666786"/>
+          </a:xfrm>
+          <a:prstGeom prst="rect">
+            <a:avLst/>
+          </a:prstGeom>
+          <a:noFill/>
+        </p:spPr>
+        <p:txBody>
+          <a:bodyPr wrap="square" rtlCol="0">
+            <a:spAutoFit/>
+          </a:bodyPr>
+          <a:lstStyle/>
+          <a:p>
+            <a:pPr algn="ctr"/>
+            <a:r>
+              <a:rPr lang="en-US" sz="3733" b="1" dirty="0">
+                <a:solidFill>
+                  <a:srgbClr val="000066"/>
+                </a:solidFill>
+                <a:latin typeface="Microsoft JhengHei" panose="020B0604030504040204" pitchFamily="34" charset="-120"/>
+                <a:ea typeface="Microsoft JhengHei" panose="020B0604030504040204" pitchFamily="34" charset="-120"/>
+              </a:rPr>
+              <a:t>( </a:t>
+            </a:r>
+            <a:r>
+              <a:rPr lang="zh-CN" altLang="en-US" sz="3733" b="1" dirty="0">
+                <a:solidFill>
+                  <a:srgbClr val="000066"/>
+                </a:solidFill>
+                <a:latin typeface="Microsoft JhengHei" panose="020B0604030504040204" pitchFamily="34" charset="-120"/>
+                <a:ea typeface="Microsoft JhengHei" panose="020B0604030504040204" pitchFamily="34" charset="-120"/>
+              </a:rPr>
+              <a:t>副歌</a:t>
+            </a:r>
+            <a:r>
+              <a:rPr lang="en-US" sz="3733" b="1" dirty="0">
+                <a:solidFill>
+                  <a:srgbClr val="000066"/>
+                </a:solidFill>
+                <a:latin typeface="Microsoft JhengHei" panose="020B0604030504040204" pitchFamily="34" charset="-120"/>
+                <a:ea typeface="Microsoft JhengHei" panose="020B0604030504040204" pitchFamily="34" charset="-120"/>
+              </a:rPr>
+              <a:t> )</a:t>
+            </a:r>
+            <a:endParaRPr lang="vi-VN" sz="3733" b="1" dirty="0">
+              <a:solidFill>
+                <a:srgbClr val="000066"/>
+              </a:solidFill>
+              <a:ea typeface="Microsoft JhengHei" panose="020B0604030504040204" pitchFamily="34" charset="-120"/>
+            </a:endParaRPr>
+          </a:p>
+        </p:txBody>
+      </p:sp>
+    </p:spTree>
+    <p:extLst>
+      <p:ext uri="{BB962C8B-B14F-4D97-AF65-F5344CB8AC3E}">
+        <p14:creationId xmlns:p14="http://schemas.microsoft.com/office/powerpoint/2010/main" val="2911388506"/>
+      </p:ext>
+    </p:extLst>
+  </p:cSld>
+  <p:clrMapOvr>
+    <a:masterClrMapping/>
+  </p:clrMapOvr>
+</p:sld>
+</file>
+
+<file path=ppt/slides/slide8.xml><?xml version="1.0" encoding="utf-8"?>
+<p:sld xmlns:a="http://schemas.openxmlformats.org/drawingml/2006/main" xmlns:r="http://schemas.openxmlformats.org/officeDocument/2006/relationships" xmlns:p="http://schemas.openxmlformats.org/presentationml/2006/main">
+  <p:cSld>
+    <p:spTree>
+      <p:nvGrpSpPr>
+        <p:cNvPr id="1" name=""/>
+        <p:cNvGrpSpPr/>
+        <p:nvPr/>
+      </p:nvGrpSpPr>
+      <p:grpSpPr>
+        <a:xfrm>
+          <a:off x="0" y="0"/>
+          <a:ext cx="0" cy="0"/>
+          <a:chOff x="0" y="0"/>
+          <a:chExt cx="0" cy="0"/>
+        </a:xfrm>
+      </p:grpSpPr>
+      <p:sp>
+        <p:nvSpPr>
+          <p:cNvPr id="5" name="內容版面配置區 4"/>
+          <p:cNvSpPr>
+            <a:spLocks noGrp="1"/>
+          </p:cNvSpPr>
+          <p:nvPr>
+            <p:ph idx="1"/>
+          </p:nvPr>
+        </p:nvSpPr>
+        <p:spPr>
+          <a:xfrm>
+            <a:off x="0" y="2084851"/>
+            <a:ext cx="12192000" cy="2404863"/>
+          </a:xfrm>
+        </p:spPr>
+        <p:txBody>
+          <a:bodyPr anchor="ctr">
+            <a:normAutofit/>
+          </a:bodyPr>
+          <a:lstStyle/>
           <a:p>
             <a:pPr algn="ctr">
               <a:buNone/>
             </a:pPr>
             <a:r>
-              <a:rPr lang="zh-TW" altLang="en-US" sz="5400" b="1" dirty="0">
+              <a:rPr lang="zh-TW" altLang="en-US" sz="6400" b="1" dirty="0">
                 <a:solidFill>
                   <a:srgbClr val="000066"/>
                 </a:solidFill>
                 <a:latin typeface="微軟正黑體" pitchFamily="34" charset="-120"/>
                 <a:ea typeface="微軟正黑體" pitchFamily="34" charset="-120"/>
               </a:rPr>
-              <a:t>哈</a:t>
-            </a:r>
-            <a:r>
-              <a:rPr lang="zh-TW" altLang="en-US" sz="5400" b="1" dirty="0">
+              <a:t>在祢的同在裡</a:t>
+            </a:r>
+            <a:r>
+              <a:rPr lang="en-US" altLang="zh-TW" sz="6400" b="1" dirty="0">
                 <a:solidFill>
                   <a:srgbClr val="000066"/>
                 </a:solidFill>
                 <a:latin typeface="微軟正黑體" pitchFamily="34" charset="-120"/>
                 <a:ea typeface="微軟正黑體" pitchFamily="34" charset="-120"/>
               </a:rPr>
-              <a:t>利路亞 榮耀都歸於祢</a:t>
-            </a:r>
+              <a:t>  </a:t>
+            </a:r>
+            <a:r>
+              <a:rPr lang="zh-TW" altLang="en-US" sz="6400" b="1" dirty="0">
+                <a:solidFill>
+                  <a:srgbClr val="000066"/>
+                </a:solidFill>
+                <a:latin typeface="微軟正黑體" pitchFamily="34" charset="-120"/>
+                <a:ea typeface="微軟正黑體" pitchFamily="34" charset="-120"/>
+              </a:rPr>
+              <a:t>我們揚聲敬拜 </a:t>
+            </a:r>
+            <a:endParaRPr lang="en-US" altLang="zh-TW" sz="6400" b="1" dirty="0">
+              <a:solidFill>
+                <a:srgbClr val="000066"/>
+              </a:solidFill>
+              <a:latin typeface="微軟正黑體" pitchFamily="34" charset="-120"/>
+              <a:ea typeface="微軟正黑體" pitchFamily="34" charset="-120"/>
+            </a:endParaRPr>
+          </a:p>
+          <a:p>
+            <a:pPr algn="ctr">
+              <a:buNone/>
+            </a:pPr>
+            <a:r>
+              <a:rPr lang="zh-TW" altLang="en-US" sz="6400" b="1" dirty="0">
+                <a:solidFill>
+                  <a:srgbClr val="000066"/>
+                </a:solidFill>
+                <a:latin typeface="微軟正黑體" pitchFamily="34" charset="-120"/>
+                <a:ea typeface="微軟正黑體" pitchFamily="34" charset="-120"/>
+              </a:rPr>
+              <a:t>愛慕</a:t>
+            </a:r>
+            <a:r>
+              <a:rPr lang="en-US" altLang="zh-TW" sz="6400" b="1" dirty="0">
+                <a:solidFill>
+                  <a:srgbClr val="000066"/>
+                </a:solidFill>
+                <a:latin typeface="微軟正黑體" pitchFamily="34" charset="-120"/>
+                <a:ea typeface="微軟正黑體" pitchFamily="34" charset="-120"/>
+              </a:rPr>
+              <a:t>  </a:t>
+            </a:r>
+            <a:r>
+              <a:rPr lang="zh-TW" altLang="en-US" sz="6400" b="1" dirty="0">
+                <a:solidFill>
+                  <a:srgbClr val="000066"/>
+                </a:solidFill>
+                <a:latin typeface="微軟正黑體" pitchFamily="34" charset="-120"/>
+                <a:ea typeface="微軟正黑體" pitchFamily="34" charset="-120"/>
+              </a:rPr>
+              <a:t>頌讚不停息 </a:t>
+            </a:r>
+            <a:endParaRPr lang="en-US" altLang="zh-TW" sz="6400" b="1" dirty="0">
+              <a:solidFill>
+                <a:srgbClr val="000066"/>
+              </a:solidFill>
+              <a:latin typeface="微軟正黑體" pitchFamily="34" charset="-120"/>
+              <a:ea typeface="微軟正黑體" pitchFamily="34" charset="-120"/>
+            </a:endParaRPr>
+          </a:p>
+        </p:txBody>
+      </p:sp>
+      <p:sp>
+        <p:nvSpPr>
+          <p:cNvPr id="3" name="TextBox 2"/>
+          <p:cNvSpPr txBox="1"/>
+          <p:nvPr/>
+        </p:nvSpPr>
+        <p:spPr>
+          <a:xfrm>
+            <a:off x="0" y="5157192"/>
+            <a:ext cx="12192000" cy="666786"/>
+          </a:xfrm>
+          <a:prstGeom prst="rect">
+            <a:avLst/>
+          </a:prstGeom>
+          <a:noFill/>
+        </p:spPr>
+        <p:txBody>
+          <a:bodyPr wrap="square" rtlCol="0">
+            <a:spAutoFit/>
+          </a:bodyPr>
+          <a:lstStyle/>
+          <a:p>
+            <a:pPr algn="ctr"/>
+            <a:r>
+              <a:rPr lang="en-US" sz="3733" b="1" dirty="0">
+                <a:solidFill>
+                  <a:srgbClr val="000066"/>
+                </a:solidFill>
+                <a:latin typeface="Microsoft JhengHei" panose="020B0604030504040204" pitchFamily="34" charset="-120"/>
+                <a:ea typeface="Microsoft JhengHei" panose="020B0604030504040204" pitchFamily="34" charset="-120"/>
+              </a:rPr>
+              <a:t>( </a:t>
+            </a:r>
+            <a:r>
+              <a:rPr lang="zh-CN" altLang="en-US" sz="3733" b="1" dirty="0">
+                <a:solidFill>
+                  <a:srgbClr val="000066"/>
+                </a:solidFill>
+                <a:latin typeface="Microsoft JhengHei" panose="020B0604030504040204" pitchFamily="34" charset="-120"/>
+                <a:ea typeface="Microsoft JhengHei" panose="020B0604030504040204" pitchFamily="34" charset="-120"/>
+              </a:rPr>
+              <a:t>正歌</a:t>
+            </a:r>
+            <a:r>
+              <a:rPr lang="en-US" sz="3733" b="1" dirty="0">
+                <a:solidFill>
+                  <a:srgbClr val="000066"/>
+                </a:solidFill>
+                <a:latin typeface="Microsoft JhengHei" panose="020B0604030504040204" pitchFamily="34" charset="-120"/>
+                <a:ea typeface="Microsoft JhengHei" panose="020B0604030504040204" pitchFamily="34" charset="-120"/>
+              </a:rPr>
+              <a:t> 2 )</a:t>
+            </a:r>
+            <a:endParaRPr lang="vi-VN" sz="3733" b="1" dirty="0">
+              <a:solidFill>
+                <a:srgbClr val="000066"/>
+              </a:solidFill>
+              <a:ea typeface="Microsoft JhengHei" panose="020B0604030504040204" pitchFamily="34" charset="-120"/>
+            </a:endParaRPr>
           </a:p>
         </p:txBody>
       </p:sp>
     </p:spTree>
+    <p:extLst>
+      <p:ext uri="{BB962C8B-B14F-4D97-AF65-F5344CB8AC3E}">
+        <p14:creationId xmlns:p14="http://schemas.microsoft.com/office/powerpoint/2010/main" val="131602160"/>
+      </p:ext>
+    </p:extLst>
+  </p:cSld>
+  <p:clrMapOvr>
+    <a:masterClrMapping/>
+  </p:clrMapOvr>
+</p:sld>
+</file>
+
+<file path=ppt/slides/slide9.xml><?xml version="1.0" encoding="utf-8"?>
+<p:sld xmlns:a="http://schemas.openxmlformats.org/drawingml/2006/main" xmlns:r="http://schemas.openxmlformats.org/officeDocument/2006/relationships" xmlns:p="http://schemas.openxmlformats.org/presentationml/2006/main">
+  <p:cSld>
+    <p:spTree>
+      <p:nvGrpSpPr>
+        <p:cNvPr id="1" name=""/>
+        <p:cNvGrpSpPr/>
+        <p:nvPr/>
+      </p:nvGrpSpPr>
+      <p:grpSpPr>
+        <a:xfrm>
+          <a:off x="0" y="0"/>
+          <a:ext cx="0" cy="0"/>
+          <a:chOff x="0" y="0"/>
+          <a:chExt cx="0" cy="0"/>
+        </a:xfrm>
+      </p:grpSpPr>
+      <p:sp>
+        <p:nvSpPr>
+          <p:cNvPr id="5" name="內容版面配置區 4"/>
+          <p:cNvSpPr>
+            <a:spLocks noGrp="1"/>
+          </p:cNvSpPr>
+          <p:nvPr>
+            <p:ph idx="1"/>
+          </p:nvPr>
+        </p:nvSpPr>
+        <p:spPr>
+          <a:xfrm>
+            <a:off x="0" y="2084851"/>
+            <a:ext cx="12192000" cy="2404863"/>
+          </a:xfrm>
+        </p:spPr>
+        <p:txBody>
+          <a:bodyPr anchor="ctr">
+            <a:normAutofit/>
+          </a:bodyPr>
+          <a:lstStyle/>
+          <a:p>
+            <a:pPr algn="ctr">
+              <a:buNone/>
+            </a:pPr>
+            <a:r>
+              <a:rPr lang="zh-TW" altLang="en-US" sz="6400" b="1" dirty="0">
+                <a:solidFill>
+                  <a:srgbClr val="000066"/>
+                </a:solidFill>
+                <a:latin typeface="微軟正黑體" pitchFamily="34" charset="-120"/>
+                <a:ea typeface="微軟正黑體" pitchFamily="34" charset="-120"/>
+              </a:rPr>
+              <a:t>昔在今在永在</a:t>
+            </a:r>
+            <a:r>
+              <a:rPr lang="en-US" altLang="zh-TW" sz="6400" b="1" dirty="0">
+                <a:solidFill>
+                  <a:srgbClr val="000066"/>
+                </a:solidFill>
+                <a:latin typeface="微軟正黑體" pitchFamily="34" charset="-120"/>
+                <a:ea typeface="微軟正黑體" pitchFamily="34" charset="-120"/>
+              </a:rPr>
+              <a:t>  </a:t>
+            </a:r>
+            <a:r>
+              <a:rPr lang="zh-TW" altLang="en-US" sz="6400" b="1" dirty="0">
+                <a:solidFill>
+                  <a:srgbClr val="000066"/>
+                </a:solidFill>
+                <a:latin typeface="微軟正黑體" pitchFamily="34" charset="-120"/>
+                <a:ea typeface="微軟正黑體" pitchFamily="34" charset="-120"/>
+              </a:rPr>
+              <a:t>萬世尊崇愛戴</a:t>
+            </a:r>
+            <a:endParaRPr lang="en-US" altLang="zh-TW" sz="6400" b="1" dirty="0">
+              <a:solidFill>
+                <a:srgbClr val="000066"/>
+              </a:solidFill>
+              <a:latin typeface="微軟正黑體" pitchFamily="34" charset="-120"/>
+              <a:ea typeface="微軟正黑體" pitchFamily="34" charset="-120"/>
+            </a:endParaRPr>
+          </a:p>
+          <a:p>
+            <a:pPr algn="ctr">
+              <a:buNone/>
+            </a:pPr>
+            <a:r>
+              <a:rPr lang="zh-TW" altLang="en-US" sz="6400" b="1" dirty="0">
+                <a:solidFill>
+                  <a:srgbClr val="000066"/>
+                </a:solidFill>
+                <a:latin typeface="微軟正黑體" pitchFamily="34" charset="-120"/>
+                <a:ea typeface="微軟正黑體" pitchFamily="34" charset="-120"/>
+              </a:rPr>
+              <a:t>為要訴說  祢的愛</a:t>
+            </a:r>
+            <a:endParaRPr lang="zh-TW" altLang="en-US" sz="6400" b="1" dirty="0">
+              <a:solidFill>
+                <a:srgbClr val="000066"/>
+              </a:solidFill>
+              <a:latin typeface="微軟正黑體" pitchFamily="34" charset="-120"/>
+              <a:ea typeface="微軟正黑體" pitchFamily="34" charset="-120"/>
+            </a:endParaRPr>
+          </a:p>
+        </p:txBody>
+      </p:sp>
+      <p:sp>
+        <p:nvSpPr>
+          <p:cNvPr id="3" name="TextBox 2"/>
+          <p:cNvSpPr txBox="1"/>
+          <p:nvPr/>
+        </p:nvSpPr>
+        <p:spPr>
+          <a:xfrm>
+            <a:off x="0" y="5157192"/>
+            <a:ext cx="12192000" cy="666786"/>
+          </a:xfrm>
+          <a:prstGeom prst="rect">
+            <a:avLst/>
+          </a:prstGeom>
+          <a:noFill/>
+        </p:spPr>
+        <p:txBody>
+          <a:bodyPr wrap="square" rtlCol="0">
+            <a:spAutoFit/>
+          </a:bodyPr>
+          <a:lstStyle/>
+          <a:p>
+            <a:pPr algn="ctr"/>
+            <a:r>
+              <a:rPr lang="en-US" sz="3733" b="1" dirty="0">
+                <a:solidFill>
+                  <a:srgbClr val="000066"/>
+                </a:solidFill>
+                <a:latin typeface="Microsoft JhengHei" panose="020B0604030504040204" pitchFamily="34" charset="-120"/>
+                <a:ea typeface="Microsoft JhengHei" panose="020B0604030504040204" pitchFamily="34" charset="-120"/>
+              </a:rPr>
+              <a:t>( </a:t>
+            </a:r>
+            <a:r>
+              <a:rPr lang="zh-CN" altLang="en-US" sz="3733" b="1" dirty="0">
+                <a:solidFill>
+                  <a:srgbClr val="000066"/>
+                </a:solidFill>
+                <a:latin typeface="Microsoft JhengHei" panose="020B0604030504040204" pitchFamily="34" charset="-120"/>
+                <a:ea typeface="Microsoft JhengHei" panose="020B0604030504040204" pitchFamily="34" charset="-120"/>
+              </a:rPr>
+              <a:t>正歌</a:t>
+            </a:r>
+            <a:r>
+              <a:rPr lang="en-US" sz="3733" b="1" dirty="0">
+                <a:solidFill>
+                  <a:srgbClr val="000066"/>
+                </a:solidFill>
+                <a:latin typeface="Microsoft JhengHei" panose="020B0604030504040204" pitchFamily="34" charset="-120"/>
+                <a:ea typeface="Microsoft JhengHei" panose="020B0604030504040204" pitchFamily="34" charset="-120"/>
+              </a:rPr>
+              <a:t> 2 )</a:t>
+            </a:r>
+            <a:endParaRPr lang="vi-VN" sz="3733" b="1" dirty="0">
+              <a:solidFill>
+                <a:srgbClr val="000066"/>
+              </a:solidFill>
+              <a:ea typeface="Microsoft JhengHei" panose="020B0604030504040204" pitchFamily="34" charset="-120"/>
+            </a:endParaRPr>
+          </a:p>
+        </p:txBody>
+      </p:sp>
+    </p:spTree>
+    <p:extLst>
+      <p:ext uri="{BB962C8B-B14F-4D97-AF65-F5344CB8AC3E}">
+        <p14:creationId xmlns:p14="http://schemas.microsoft.com/office/powerpoint/2010/main" val="487401197"/>
+      </p:ext>
+    </p:extLst>
   </p:cSld>
   <p:clrMapOvr>
     <a:masterClrMapping/>
